--- a/Slide/軟體工程簡報_BlackJack.pptx
+++ b/Slide/軟體工程簡報_BlackJack.pptx
@@ -2,23 +2,23 @@
 <file path=ppt/presentation.xml><?xml version="1.0" encoding="utf-8"?>
 <p:presentation xmlns:a="http://schemas.openxmlformats.org/drawingml/2006/main" xmlns:r="http://schemas.openxmlformats.org/officeDocument/2006/relationships" xmlns:p="http://schemas.openxmlformats.org/presentationml/2006/main">
   <p:sldMasterIdLst>
-    <p:sldMasterId id="2147483648" r:id="rId5"/>
+    <p:sldMasterId id="2147483648" r:id="rId1"/>
   </p:sldMasterIdLst>
   <p:notesMasterIdLst>
-    <p:notesMasterId r:id="rId7"/>
+    <p:notesMasterId r:id="rId13"/>
   </p:notesMasterIdLst>
   <p:sldIdLst>
-    <p:sldId id="256" r:id="rId8"/>
-    <p:sldId id="257" r:id="rId9"/>
-    <p:sldId id="258" r:id="rId10"/>
-    <p:sldId id="259" r:id="rId11"/>
-    <p:sldId id="260" r:id="rId12"/>
-    <p:sldId id="261" r:id="rId13"/>
-    <p:sldId id="262" r:id="rId14"/>
-    <p:sldId id="263" r:id="rId15"/>
-    <p:sldId id="264" r:id="rId16"/>
-    <p:sldId id="265" r:id="rId17"/>
-    <p:sldId id="266" r:id="rId18"/>
+    <p:sldId id="256" r:id="rId2"/>
+    <p:sldId id="257" r:id="rId3"/>
+    <p:sldId id="258" r:id="rId4"/>
+    <p:sldId id="268" r:id="rId5"/>
+    <p:sldId id="270" r:id="rId6"/>
+    <p:sldId id="261" r:id="rId7"/>
+    <p:sldId id="262" r:id="rId8"/>
+    <p:sldId id="263" r:id="rId9"/>
+    <p:sldId id="264" r:id="rId10"/>
+    <p:sldId id="269" r:id="rId11"/>
+    <p:sldId id="266" r:id="rId12"/>
   </p:sldIdLst>
   <p:sldSz cx="13004800" cy="9753600"/>
   <p:notesSz cx="6858000" cy="9144000"/>
@@ -38,7 +38,7 @@
       <a:buFontTx/>
       <a:buNone/>
       <a:tabLst/>
-      <a:defRPr b="0" baseline="0" cap="none" i="0" spc="0" strike="noStrike" sz="1800" u="none" kumimoji="0" normalizeH="0">
+      <a:defRPr kumimoji="0" sz="1800" b="0" i="0" u="none" strike="noStrike" cap="none" spc="0" normalizeH="0" baseline="0">
         <a:ln>
           <a:noFill/>
         </a:ln>
@@ -64,7 +64,7 @@
       <a:buFontTx/>
       <a:buNone/>
       <a:tabLst/>
-      <a:defRPr b="0" baseline="0" cap="none" i="0" spc="0" strike="noStrike" sz="3600" u="none" kumimoji="0" normalizeH="0">
+      <a:defRPr kumimoji="0" sz="3600" b="0" i="0" u="none" strike="noStrike" cap="none" spc="0" normalizeH="0" baseline="0">
         <a:ln>
           <a:noFill/>
         </a:ln>
@@ -94,7 +94,7 @@
       <a:buFontTx/>
       <a:buNone/>
       <a:tabLst/>
-      <a:defRPr b="0" baseline="0" cap="none" i="0" spc="0" strike="noStrike" sz="3600" u="none" kumimoji="0" normalizeH="0">
+      <a:defRPr kumimoji="0" sz="3600" b="0" i="0" u="none" strike="noStrike" cap="none" spc="0" normalizeH="0" baseline="0">
         <a:ln>
           <a:noFill/>
         </a:ln>
@@ -124,7 +124,7 @@
       <a:buFontTx/>
       <a:buNone/>
       <a:tabLst/>
-      <a:defRPr b="0" baseline="0" cap="none" i="0" spc="0" strike="noStrike" sz="3600" u="none" kumimoji="0" normalizeH="0">
+      <a:defRPr kumimoji="0" sz="3600" b="0" i="0" u="none" strike="noStrike" cap="none" spc="0" normalizeH="0" baseline="0">
         <a:ln>
           <a:noFill/>
         </a:ln>
@@ -154,7 +154,7 @@
       <a:buFontTx/>
       <a:buNone/>
       <a:tabLst/>
-      <a:defRPr b="0" baseline="0" cap="none" i="0" spc="0" strike="noStrike" sz="3600" u="none" kumimoji="0" normalizeH="0">
+      <a:defRPr kumimoji="0" sz="3600" b="0" i="0" u="none" strike="noStrike" cap="none" spc="0" normalizeH="0" baseline="0">
         <a:ln>
           <a:noFill/>
         </a:ln>
@@ -184,7 +184,7 @@
       <a:buFontTx/>
       <a:buNone/>
       <a:tabLst/>
-      <a:defRPr b="0" baseline="0" cap="none" i="0" spc="0" strike="noStrike" sz="3600" u="none" kumimoji="0" normalizeH="0">
+      <a:defRPr kumimoji="0" sz="3600" b="0" i="0" u="none" strike="noStrike" cap="none" spc="0" normalizeH="0" baseline="0">
         <a:ln>
           <a:noFill/>
         </a:ln>
@@ -214,7 +214,7 @@
       <a:buFontTx/>
       <a:buNone/>
       <a:tabLst/>
-      <a:defRPr b="0" baseline="0" cap="none" i="0" spc="0" strike="noStrike" sz="3600" u="none" kumimoji="0" normalizeH="0">
+      <a:defRPr kumimoji="0" sz="3600" b="0" i="0" u="none" strike="noStrike" cap="none" spc="0" normalizeH="0" baseline="0">
         <a:ln>
           <a:noFill/>
         </a:ln>
@@ -244,7 +244,7 @@
       <a:buFontTx/>
       <a:buNone/>
       <a:tabLst/>
-      <a:defRPr b="0" baseline="0" cap="none" i="0" spc="0" strike="noStrike" sz="3600" u="none" kumimoji="0" normalizeH="0">
+      <a:defRPr kumimoji="0" sz="3600" b="0" i="0" u="none" strike="noStrike" cap="none" spc="0" normalizeH="0" baseline="0">
         <a:ln>
           <a:noFill/>
         </a:ln>
@@ -274,7 +274,7 @@
       <a:buFontTx/>
       <a:buNone/>
       <a:tabLst/>
-      <a:defRPr b="0" baseline="0" cap="none" i="0" spc="0" strike="noStrike" sz="3600" u="none" kumimoji="0" normalizeH="0">
+      <a:defRPr kumimoji="0" sz="3600" b="0" i="0" u="none" strike="noStrike" cap="none" spc="0" normalizeH="0" baseline="0">
         <a:ln>
           <a:noFill/>
         </a:ln>
@@ -304,7 +304,7 @@
       <a:buFontTx/>
       <a:buNone/>
       <a:tabLst/>
-      <a:defRPr b="0" baseline="0" cap="none" i="0" spc="0" strike="noStrike" sz="3600" u="none" kumimoji="0" normalizeH="0">
+      <a:defRPr kumimoji="0" sz="3600" b="0" i="0" u="none" strike="noStrike" cap="none" spc="0" normalizeH="0" baseline="0">
         <a:ln>
           <a:noFill/>
         </a:ln>
@@ -320,16 +320,22 @@
       </a:defRPr>
     </a:lvl9pPr>
   </p:defaultTextStyle>
+  <p:extLst>
+    <p:ext uri="{EFAFB233-063F-42B5-8137-9DF3F51BA10A}">
+      <p15:sldGuideLst xmlns:p15="http://schemas.microsoft.com/office/powerpoint/2012/main"/>
+    </p:ext>
+  </p:extLst>
 </p:presentation>
-</file>
-
-<file path=ppt/commentAuthors.xml><?xml version="1.0" encoding="utf-8"?>
-<p:cmAuthorLst xmlns:a="http://schemas.openxmlformats.org/drawingml/2006/main" xmlns:r="http://schemas.openxmlformats.org/officeDocument/2006/relationships" xmlns:p="http://schemas.openxmlformats.org/presentationml/2006/main"/>
 </file>
 
 <file path=ppt/notesMasters/notesMaster1.xml><?xml version="1.0" encoding="utf-8"?>
 <p:notesMaster xmlns:a="http://schemas.openxmlformats.org/drawingml/2006/main" xmlns:r="http://schemas.openxmlformats.org/officeDocument/2006/relationships" xmlns:p="http://schemas.openxmlformats.org/presentationml/2006/main">
   <p:cSld>
+    <p:bg>
+      <p:bgRef idx="1001">
+        <a:schemeClr val="bg1"/>
+      </p:bgRef>
+    </p:bg>
     <p:spTree>
       <p:nvGrpSpPr>
         <p:cNvPr id="1" name=""/>
@@ -347,7 +353,9 @@
       <p:sp>
         <p:nvSpPr>
           <p:cNvPr id="116" name="Shape 116"/>
-          <p:cNvSpPr/>
+          <p:cNvSpPr>
+            <a:spLocks noGrp="1" noRot="1" noChangeAspect="1"/>
+          </p:cNvSpPr>
           <p:nvPr>
             <p:ph type="sldImg"/>
           </p:nvPr>
@@ -365,14 +373,16 @@
           <a:bodyPr/>
           <a:lstStyle/>
           <a:p>
-            <a:pPr/>
+            <a:endParaRPr/>
           </a:p>
         </p:txBody>
       </p:sp>
       <p:sp>
         <p:nvSpPr>
           <p:cNvPr id="117" name="Shape 117"/>
-          <p:cNvSpPr/>
+          <p:cNvSpPr>
+            <a:spLocks noGrp="1"/>
+          </p:cNvSpPr>
           <p:nvPr>
             <p:ph type="body" sz="quarter" idx="1"/>
           </p:nvPr>
@@ -390,7 +400,7 @@
           <a:bodyPr/>
           <a:lstStyle/>
           <a:p>
-            <a:pPr/>
+            <a:endParaRPr/>
           </a:p>
         </p:txBody>
       </p:sp>
@@ -501,8 +511,130 @@
 </p:notesMaster>
 </file>
 
+<file path=ppt/notesSlides/notesSlide1.xml><?xml version="1.0" encoding="utf-8"?>
+<p:notes xmlns:a="http://schemas.openxmlformats.org/drawingml/2006/main" xmlns:r="http://schemas.openxmlformats.org/officeDocument/2006/relationships" xmlns:p="http://schemas.openxmlformats.org/presentationml/2006/main">
+  <p:cSld>
+    <p:spTree>
+      <p:nvGrpSpPr>
+        <p:cNvPr id="1" name=""/>
+        <p:cNvGrpSpPr/>
+        <p:nvPr/>
+      </p:nvGrpSpPr>
+      <p:grpSpPr>
+        <a:xfrm>
+          <a:off x="0" y="0"/>
+          <a:ext cx="0" cy="0"/>
+          <a:chOff x="0" y="0"/>
+          <a:chExt cx="0" cy="0"/>
+        </a:xfrm>
+      </p:grpSpPr>
+      <p:sp>
+        <p:nvSpPr>
+          <p:cNvPr id="2" name="投影片圖像版面配置區 1"/>
+          <p:cNvSpPr>
+            <a:spLocks noGrp="1" noRot="1" noChangeAspect="1"/>
+          </p:cNvSpPr>
+          <p:nvPr>
+            <p:ph type="sldImg"/>
+          </p:nvPr>
+        </p:nvSpPr>
+        <p:spPr/>
+      </p:sp>
+      <p:sp>
+        <p:nvSpPr>
+          <p:cNvPr id="3" name="備忘稿版面配置區 2"/>
+          <p:cNvSpPr>
+            <a:spLocks noGrp="1"/>
+          </p:cNvSpPr>
+          <p:nvPr>
+            <p:ph type="body" idx="1"/>
+          </p:nvPr>
+        </p:nvSpPr>
+        <p:spPr/>
+        <p:txBody>
+          <a:bodyPr/>
+          <a:lstStyle/>
+          <a:p>
+            <a:endParaRPr lang="zh-TW" altLang="en-US" dirty="0"/>
+          </a:p>
+        </p:txBody>
+      </p:sp>
+    </p:spTree>
+    <p:extLst>
+      <p:ext uri="{BB962C8B-B14F-4D97-AF65-F5344CB8AC3E}">
+        <p14:creationId xmlns:p14="http://schemas.microsoft.com/office/powerpoint/2010/main" val="752078747"/>
+      </p:ext>
+    </p:extLst>
+  </p:cSld>
+  <p:clrMapOvr>
+    <a:masterClrMapping/>
+  </p:clrMapOvr>
+</p:notes>
+</file>
+
+<file path=ppt/notesSlides/notesSlide2.xml><?xml version="1.0" encoding="utf-8"?>
+<p:notes xmlns:a="http://schemas.openxmlformats.org/drawingml/2006/main" xmlns:r="http://schemas.openxmlformats.org/officeDocument/2006/relationships" xmlns:p="http://schemas.openxmlformats.org/presentationml/2006/main">
+  <p:cSld>
+    <p:spTree>
+      <p:nvGrpSpPr>
+        <p:cNvPr id="1" name=""/>
+        <p:cNvGrpSpPr/>
+        <p:nvPr/>
+      </p:nvGrpSpPr>
+      <p:grpSpPr>
+        <a:xfrm>
+          <a:off x="0" y="0"/>
+          <a:ext cx="0" cy="0"/>
+          <a:chOff x="0" y="0"/>
+          <a:chExt cx="0" cy="0"/>
+        </a:xfrm>
+      </p:grpSpPr>
+      <p:sp>
+        <p:nvSpPr>
+          <p:cNvPr id="2" name="投影片圖像版面配置區 1"/>
+          <p:cNvSpPr>
+            <a:spLocks noGrp="1" noRot="1" noChangeAspect="1"/>
+          </p:cNvSpPr>
+          <p:nvPr>
+            <p:ph type="sldImg"/>
+          </p:nvPr>
+        </p:nvSpPr>
+        <p:spPr/>
+      </p:sp>
+      <p:sp>
+        <p:nvSpPr>
+          <p:cNvPr id="3" name="備忘稿版面配置區 2"/>
+          <p:cNvSpPr>
+            <a:spLocks noGrp="1"/>
+          </p:cNvSpPr>
+          <p:nvPr>
+            <p:ph type="body" idx="1"/>
+          </p:nvPr>
+        </p:nvSpPr>
+        <p:spPr/>
+        <p:txBody>
+          <a:bodyPr/>
+          <a:lstStyle/>
+          <a:p>
+            <a:endParaRPr lang="zh-TW" altLang="en-US"/>
+          </a:p>
+        </p:txBody>
+      </p:sp>
+    </p:spTree>
+    <p:extLst>
+      <p:ext uri="{BB962C8B-B14F-4D97-AF65-F5344CB8AC3E}">
+        <p14:creationId xmlns:p14="http://schemas.microsoft.com/office/powerpoint/2010/main" val="4030439517"/>
+      </p:ext>
+    </p:extLst>
+  </p:cSld>
+  <p:clrMapOvr>
+    <a:masterClrMapping/>
+  </p:clrMapOvr>
+</p:notes>
+</file>
+
 <file path=ppt/slideLayouts/slideLayout1.xml><?xml version="1.0" encoding="utf-8"?>
-<p:sldLayout xmlns:a="http://schemas.openxmlformats.org/drawingml/2006/main" xmlns:r="http://schemas.openxmlformats.org/officeDocument/2006/relationships" xmlns:p="http://schemas.openxmlformats.org/presentationml/2006/main" type="title" showMasterSp="1" showMasterPhAnim="1">
+<p:sldLayout xmlns:a="http://schemas.openxmlformats.org/drawingml/2006/main" xmlns:r="http://schemas.openxmlformats.org/officeDocument/2006/relationships" xmlns:p="http://schemas.openxmlformats.org/presentationml/2006/main" type="title">
   <p:cSld name="大標題與副標題">
     <p:spTree>
       <p:nvGrpSpPr>
@@ -521,7 +653,9 @@
       <p:sp>
         <p:nvSpPr>
           <p:cNvPr id="11" name="Shape 11"/>
-          <p:cNvSpPr/>
+          <p:cNvSpPr>
+            <a:spLocks noGrp="1"/>
+          </p:cNvSpPr>
           <p:nvPr>
             <p:ph type="title"/>
           </p:nvPr>
@@ -539,7 +673,6 @@
           <a:bodyPr anchor="b"/>
           <a:lstStyle/>
           <a:p>
-            <a:pPr/>
             <a:r>
               <a:t>大標題文字</a:t>
             </a:r>
@@ -549,7 +682,9 @@
       <p:sp>
         <p:nvSpPr>
           <p:cNvPr id="12" name="Shape 12"/>
-          <p:cNvSpPr/>
+          <p:cNvSpPr>
+            <a:spLocks noGrp="1"/>
+          </p:cNvSpPr>
           <p:nvPr>
             <p:ph type="body" sz="quarter" idx="1"/>
           </p:nvPr>
@@ -608,7 +743,6 @@
             </a:lvl5pPr>
           </a:lstStyle>
           <a:p>
-            <a:pPr/>
             <a:r>
               <a:t>內文層級一</a:t>
             </a:r>
@@ -642,7 +776,9 @@
       <p:sp>
         <p:nvSpPr>
           <p:cNvPr id="13" name="Shape 13"/>
-          <p:cNvSpPr/>
+          <p:cNvSpPr>
+            <a:spLocks noGrp="1"/>
+          </p:cNvSpPr>
           <p:nvPr>
             <p:ph type="sldNum" sz="quarter" idx="2"/>
           </p:nvPr>
@@ -656,8 +792,10 @@
           <a:bodyPr/>
           <a:lstStyle/>
           <a:p>
-            <a:pPr/>
-            <a:fld id="{86CB4B4D-7CA3-9044-876B-883B54F8677D}" type="slidenum"/>
+            <a:fld id="{86CB4B4D-7CA3-9044-876B-883B54F8677D}" type="slidenum">
+              <a:t>‹#›</a:t>
+            </a:fld>
+            <a:endParaRPr/>
           </a:p>
         </p:txBody>
       </p:sp>
@@ -666,12 +804,12 @@
   <p:clrMapOvr>
     <a:masterClrMapping/>
   </p:clrMapOvr>
-  <p:transition xmlns:p14="http://schemas.microsoft.com/office/powerpoint/2010/main" spd="med" advClick="1"/>
+  <p:transition spd="med"/>
 </p:sldLayout>
 </file>
 
 <file path=ppt/slideLayouts/slideLayout10.xml><?xml version="1.0" encoding="utf-8"?>
-<p:sldLayout xmlns:a="http://schemas.openxmlformats.org/drawingml/2006/main" xmlns:r="http://schemas.openxmlformats.org/officeDocument/2006/relationships" xmlns:p="http://schemas.openxmlformats.org/presentationml/2006/main" type="tx" showMasterSp="1" showMasterPhAnim="1">
+<p:sldLayout xmlns:a="http://schemas.openxmlformats.org/drawingml/2006/main" xmlns:r="http://schemas.openxmlformats.org/officeDocument/2006/relationships" xmlns:p="http://schemas.openxmlformats.org/presentationml/2006/main" type="tx">
   <p:cSld name="名言語錄">
     <p:spTree>
       <p:nvGrpSpPr>
@@ -690,7 +828,9 @@
       <p:sp>
         <p:nvSpPr>
           <p:cNvPr id="93" name="Shape 93"/>
-          <p:cNvSpPr/>
+          <p:cNvSpPr>
+            <a:spLocks noGrp="1"/>
+          </p:cNvSpPr>
           <p:nvPr>
             <p:ph type="body" sz="quarter" idx="13"/>
           </p:nvPr>
@@ -719,7 +859,6 @@
             </a:lvl1pPr>
           </a:lstStyle>
           <a:p>
-            <a:pPr/>
             <a:r>
               <a:t>–王大明</a:t>
             </a:r>
@@ -729,7 +868,9 @@
       <p:sp>
         <p:nvSpPr>
           <p:cNvPr id="94" name="Shape 94"/>
-          <p:cNvSpPr/>
+          <p:cNvSpPr>
+            <a:spLocks noGrp="1"/>
+          </p:cNvSpPr>
           <p:nvPr>
             <p:ph type="body" sz="quarter" idx="14"/>
           </p:nvPr>
@@ -758,7 +899,6 @@
             </a:lvl1pPr>
           </a:lstStyle>
           <a:p>
-            <a:pPr/>
             <a:r>
               <a:t>「在此輸入名言語錄。」</a:t>
             </a:r>
@@ -768,7 +908,9 @@
       <p:sp>
         <p:nvSpPr>
           <p:cNvPr id="95" name="Shape 95"/>
-          <p:cNvSpPr/>
+          <p:cNvSpPr>
+            <a:spLocks noGrp="1"/>
+          </p:cNvSpPr>
           <p:nvPr>
             <p:ph type="sldNum" sz="quarter" idx="2"/>
           </p:nvPr>
@@ -782,8 +924,10 @@
           <a:bodyPr/>
           <a:lstStyle/>
           <a:p>
-            <a:pPr/>
-            <a:fld id="{86CB4B4D-7CA3-9044-876B-883B54F8677D}" type="slidenum"/>
+            <a:fld id="{86CB4B4D-7CA3-9044-876B-883B54F8677D}" type="slidenum">
+              <a:t>‹#›</a:t>
+            </a:fld>
+            <a:endParaRPr/>
           </a:p>
         </p:txBody>
       </p:sp>
@@ -792,12 +936,12 @@
   <p:clrMapOvr>
     <a:masterClrMapping/>
   </p:clrMapOvr>
-  <p:transition xmlns:p14="http://schemas.microsoft.com/office/powerpoint/2010/main" spd="med" advClick="1"/>
+  <p:transition spd="med"/>
 </p:sldLayout>
 </file>
 
 <file path=ppt/slideLayouts/slideLayout11.xml><?xml version="1.0" encoding="utf-8"?>
-<p:sldLayout xmlns:a="http://schemas.openxmlformats.org/drawingml/2006/main" xmlns:r="http://schemas.openxmlformats.org/officeDocument/2006/relationships" xmlns:p="http://schemas.openxmlformats.org/presentationml/2006/main" type="tx" showMasterSp="1" showMasterPhAnim="1">
+<p:sldLayout xmlns:a="http://schemas.openxmlformats.org/drawingml/2006/main" xmlns:r="http://schemas.openxmlformats.org/officeDocument/2006/relationships" xmlns:p="http://schemas.openxmlformats.org/presentationml/2006/main" type="tx">
   <p:cSld name="照片">
     <p:spTree>
       <p:nvGrpSpPr>
@@ -816,7 +960,9 @@
       <p:sp>
         <p:nvSpPr>
           <p:cNvPr id="102" name="Shape 102"/>
-          <p:cNvSpPr/>
+          <p:cNvSpPr>
+            <a:spLocks noGrp="1"/>
+          </p:cNvSpPr>
           <p:nvPr>
             <p:ph type="pic" idx="13"/>
           </p:nvPr>
@@ -836,14 +982,16 @@
           </a:bodyPr>
           <a:lstStyle/>
           <a:p>
-            <a:pPr/>
+            <a:endParaRPr/>
           </a:p>
         </p:txBody>
       </p:sp>
       <p:sp>
         <p:nvSpPr>
           <p:cNvPr id="103" name="Shape 103"/>
-          <p:cNvSpPr/>
+          <p:cNvSpPr>
+            <a:spLocks noGrp="1"/>
+          </p:cNvSpPr>
           <p:nvPr>
             <p:ph type="sldNum" sz="quarter" idx="2"/>
           </p:nvPr>
@@ -857,8 +1005,10 @@
           <a:bodyPr/>
           <a:lstStyle/>
           <a:p>
-            <a:pPr/>
-            <a:fld id="{86CB4B4D-7CA3-9044-876B-883B54F8677D}" type="slidenum"/>
+            <a:fld id="{86CB4B4D-7CA3-9044-876B-883B54F8677D}" type="slidenum">
+              <a:t>‹#›</a:t>
+            </a:fld>
+            <a:endParaRPr/>
           </a:p>
         </p:txBody>
       </p:sp>
@@ -867,12 +1017,12 @@
   <p:clrMapOvr>
     <a:masterClrMapping/>
   </p:clrMapOvr>
-  <p:transition xmlns:p14="http://schemas.microsoft.com/office/powerpoint/2010/main" spd="med" advClick="1"/>
+  <p:transition spd="med"/>
 </p:sldLayout>
 </file>
 
 <file path=ppt/slideLayouts/slideLayout12.xml><?xml version="1.0" encoding="utf-8"?>
-<p:sldLayout xmlns:a="http://schemas.openxmlformats.org/drawingml/2006/main" xmlns:r="http://schemas.openxmlformats.org/officeDocument/2006/relationships" xmlns:p="http://schemas.openxmlformats.org/presentationml/2006/main" type="tx" showMasterSp="1" showMasterPhAnim="1">
+<p:sldLayout xmlns:a="http://schemas.openxmlformats.org/drawingml/2006/main" xmlns:r="http://schemas.openxmlformats.org/officeDocument/2006/relationships" xmlns:p="http://schemas.openxmlformats.org/presentationml/2006/main" type="tx">
   <p:cSld name="空白">
     <p:spTree>
       <p:nvGrpSpPr>
@@ -891,7 +1041,9 @@
       <p:sp>
         <p:nvSpPr>
           <p:cNvPr id="110" name="Shape 110"/>
-          <p:cNvSpPr/>
+          <p:cNvSpPr>
+            <a:spLocks noGrp="1"/>
+          </p:cNvSpPr>
           <p:nvPr>
             <p:ph type="sldNum" sz="quarter" idx="2"/>
           </p:nvPr>
@@ -905,8 +1057,10 @@
           <a:bodyPr/>
           <a:lstStyle/>
           <a:p>
-            <a:pPr/>
-            <a:fld id="{86CB4B4D-7CA3-9044-876B-883B54F8677D}" type="slidenum"/>
+            <a:fld id="{86CB4B4D-7CA3-9044-876B-883B54F8677D}" type="slidenum">
+              <a:t>‹#›</a:t>
+            </a:fld>
+            <a:endParaRPr/>
           </a:p>
         </p:txBody>
       </p:sp>
@@ -915,12 +1069,12 @@
   <p:clrMapOvr>
     <a:masterClrMapping/>
   </p:clrMapOvr>
-  <p:transition xmlns:p14="http://schemas.microsoft.com/office/powerpoint/2010/main" spd="med" advClick="1"/>
+  <p:transition spd="med"/>
 </p:sldLayout>
 </file>
 
 <file path=ppt/slideLayouts/slideLayout2.xml><?xml version="1.0" encoding="utf-8"?>
-<p:sldLayout xmlns:a="http://schemas.openxmlformats.org/drawingml/2006/main" xmlns:r="http://schemas.openxmlformats.org/officeDocument/2006/relationships" xmlns:p="http://schemas.openxmlformats.org/presentationml/2006/main" type="tx" showMasterSp="1" showMasterPhAnim="1">
+<p:sldLayout xmlns:a="http://schemas.openxmlformats.org/drawingml/2006/main" xmlns:r="http://schemas.openxmlformats.org/officeDocument/2006/relationships" xmlns:p="http://schemas.openxmlformats.org/presentationml/2006/main" type="tx">
   <p:cSld name="照片 - 水平">
     <p:spTree>
       <p:nvGrpSpPr>
@@ -939,7 +1093,9 @@
       <p:sp>
         <p:nvSpPr>
           <p:cNvPr id="20" name="Shape 20"/>
-          <p:cNvSpPr/>
+          <p:cNvSpPr>
+            <a:spLocks noGrp="1"/>
+          </p:cNvSpPr>
           <p:nvPr>
             <p:ph type="pic" idx="13"/>
           </p:nvPr>
@@ -959,14 +1115,16 @@
           </a:bodyPr>
           <a:lstStyle/>
           <a:p>
-            <a:pPr/>
+            <a:endParaRPr/>
           </a:p>
         </p:txBody>
       </p:sp>
       <p:sp>
         <p:nvSpPr>
           <p:cNvPr id="21" name="Shape 21"/>
-          <p:cNvSpPr/>
+          <p:cNvSpPr>
+            <a:spLocks noGrp="1"/>
+          </p:cNvSpPr>
           <p:nvPr>
             <p:ph type="title"/>
           </p:nvPr>
@@ -984,7 +1142,6 @@
           <a:bodyPr anchor="b"/>
           <a:lstStyle/>
           <a:p>
-            <a:pPr/>
             <a:r>
               <a:t>大標題文字</a:t>
             </a:r>
@@ -994,7 +1151,9 @@
       <p:sp>
         <p:nvSpPr>
           <p:cNvPr id="22" name="Shape 22"/>
-          <p:cNvSpPr/>
+          <p:cNvSpPr>
+            <a:spLocks noGrp="1"/>
+          </p:cNvSpPr>
           <p:nvPr>
             <p:ph type="body" sz="quarter" idx="1"/>
           </p:nvPr>
@@ -1053,7 +1212,6 @@
             </a:lvl5pPr>
           </a:lstStyle>
           <a:p>
-            <a:pPr/>
             <a:r>
               <a:t>內文層級一</a:t>
             </a:r>
@@ -1087,7 +1245,9 @@
       <p:sp>
         <p:nvSpPr>
           <p:cNvPr id="23" name="Shape 23"/>
-          <p:cNvSpPr/>
+          <p:cNvSpPr>
+            <a:spLocks noGrp="1"/>
+          </p:cNvSpPr>
           <p:nvPr>
             <p:ph type="sldNum" sz="quarter" idx="2"/>
           </p:nvPr>
@@ -1105,8 +1265,10 @@
           <a:bodyPr/>
           <a:lstStyle/>
           <a:p>
-            <a:pPr/>
-            <a:fld id="{86CB4B4D-7CA3-9044-876B-883B54F8677D}" type="slidenum"/>
+            <a:fld id="{86CB4B4D-7CA3-9044-876B-883B54F8677D}" type="slidenum">
+              <a:t>‹#›</a:t>
+            </a:fld>
+            <a:endParaRPr/>
           </a:p>
         </p:txBody>
       </p:sp>
@@ -1115,12 +1277,12 @@
   <p:clrMapOvr>
     <a:masterClrMapping/>
   </p:clrMapOvr>
-  <p:transition xmlns:p14="http://schemas.microsoft.com/office/powerpoint/2010/main" spd="med" advClick="1"/>
+  <p:transition spd="med"/>
 </p:sldLayout>
 </file>
 
 <file path=ppt/slideLayouts/slideLayout3.xml><?xml version="1.0" encoding="utf-8"?>
-<p:sldLayout xmlns:a="http://schemas.openxmlformats.org/drawingml/2006/main" xmlns:r="http://schemas.openxmlformats.org/officeDocument/2006/relationships" xmlns:p="http://schemas.openxmlformats.org/presentationml/2006/main" type="tx" showMasterSp="1" showMasterPhAnim="1">
+<p:sldLayout xmlns:a="http://schemas.openxmlformats.org/drawingml/2006/main" xmlns:r="http://schemas.openxmlformats.org/officeDocument/2006/relationships" xmlns:p="http://schemas.openxmlformats.org/presentationml/2006/main" type="tx">
   <p:cSld name="大標題 - 中央">
     <p:spTree>
       <p:nvGrpSpPr>
@@ -1139,7 +1301,9 @@
       <p:sp>
         <p:nvSpPr>
           <p:cNvPr id="30" name="Shape 30"/>
-          <p:cNvSpPr/>
+          <p:cNvSpPr>
+            <a:spLocks noGrp="1"/>
+          </p:cNvSpPr>
           <p:nvPr>
             <p:ph type="title"/>
           </p:nvPr>
@@ -1157,7 +1321,6 @@
           <a:bodyPr/>
           <a:lstStyle/>
           <a:p>
-            <a:pPr/>
             <a:r>
               <a:t>大標題文字</a:t>
             </a:r>
@@ -1167,7 +1330,9 @@
       <p:sp>
         <p:nvSpPr>
           <p:cNvPr id="31" name="Shape 31"/>
-          <p:cNvSpPr/>
+          <p:cNvSpPr>
+            <a:spLocks noGrp="1"/>
+          </p:cNvSpPr>
           <p:nvPr>
             <p:ph type="sldNum" sz="quarter" idx="2"/>
           </p:nvPr>
@@ -1181,8 +1346,10 @@
           <a:bodyPr/>
           <a:lstStyle/>
           <a:p>
-            <a:pPr/>
-            <a:fld id="{86CB4B4D-7CA3-9044-876B-883B54F8677D}" type="slidenum"/>
+            <a:fld id="{86CB4B4D-7CA3-9044-876B-883B54F8677D}" type="slidenum">
+              <a:t>‹#›</a:t>
+            </a:fld>
+            <a:endParaRPr/>
           </a:p>
         </p:txBody>
       </p:sp>
@@ -1191,12 +1358,12 @@
   <p:clrMapOvr>
     <a:masterClrMapping/>
   </p:clrMapOvr>
-  <p:transition xmlns:p14="http://schemas.microsoft.com/office/powerpoint/2010/main" spd="med" advClick="1"/>
+  <p:transition spd="med"/>
 </p:sldLayout>
 </file>
 
 <file path=ppt/slideLayouts/slideLayout4.xml><?xml version="1.0" encoding="utf-8"?>
-<p:sldLayout xmlns:a="http://schemas.openxmlformats.org/drawingml/2006/main" xmlns:r="http://schemas.openxmlformats.org/officeDocument/2006/relationships" xmlns:p="http://schemas.openxmlformats.org/presentationml/2006/main" type="tx" showMasterSp="1" showMasterPhAnim="1">
+<p:sldLayout xmlns:a="http://schemas.openxmlformats.org/drawingml/2006/main" xmlns:r="http://schemas.openxmlformats.org/officeDocument/2006/relationships" xmlns:p="http://schemas.openxmlformats.org/presentationml/2006/main" type="tx">
   <p:cSld name="照片 - 直式">
     <p:spTree>
       <p:nvGrpSpPr>
@@ -1215,7 +1382,9 @@
       <p:sp>
         <p:nvSpPr>
           <p:cNvPr id="38" name="Shape 38"/>
-          <p:cNvSpPr/>
+          <p:cNvSpPr>
+            <a:spLocks noGrp="1"/>
+          </p:cNvSpPr>
           <p:nvPr>
             <p:ph type="pic" sz="half" idx="13"/>
           </p:nvPr>
@@ -1235,14 +1404,16 @@
           </a:bodyPr>
           <a:lstStyle/>
           <a:p>
-            <a:pPr/>
+            <a:endParaRPr/>
           </a:p>
         </p:txBody>
       </p:sp>
       <p:sp>
         <p:nvSpPr>
           <p:cNvPr id="39" name="Shape 39"/>
-          <p:cNvSpPr/>
+          <p:cNvSpPr>
+            <a:spLocks noGrp="1"/>
+          </p:cNvSpPr>
           <p:nvPr>
             <p:ph type="title"/>
           </p:nvPr>
@@ -1264,7 +1435,6 @@
             </a:lvl1pPr>
           </a:lstStyle>
           <a:p>
-            <a:pPr/>
             <a:r>
               <a:t>大標題文字</a:t>
             </a:r>
@@ -1274,7 +1444,9 @@
       <p:sp>
         <p:nvSpPr>
           <p:cNvPr id="40" name="Shape 40"/>
-          <p:cNvSpPr/>
+          <p:cNvSpPr>
+            <a:spLocks noGrp="1"/>
+          </p:cNvSpPr>
           <p:nvPr>
             <p:ph type="body" sz="quarter" idx="1"/>
           </p:nvPr>
@@ -1333,7 +1505,6 @@
             </a:lvl5pPr>
           </a:lstStyle>
           <a:p>
-            <a:pPr/>
             <a:r>
               <a:t>內文層級一</a:t>
             </a:r>
@@ -1367,7 +1538,9 @@
       <p:sp>
         <p:nvSpPr>
           <p:cNvPr id="41" name="Shape 41"/>
-          <p:cNvSpPr/>
+          <p:cNvSpPr>
+            <a:spLocks noGrp="1"/>
+          </p:cNvSpPr>
           <p:nvPr>
             <p:ph type="sldNum" sz="quarter" idx="2"/>
           </p:nvPr>
@@ -1381,8 +1554,10 @@
           <a:bodyPr/>
           <a:lstStyle/>
           <a:p>
-            <a:pPr/>
-            <a:fld id="{86CB4B4D-7CA3-9044-876B-883B54F8677D}" type="slidenum"/>
+            <a:fld id="{86CB4B4D-7CA3-9044-876B-883B54F8677D}" type="slidenum">
+              <a:t>‹#›</a:t>
+            </a:fld>
+            <a:endParaRPr/>
           </a:p>
         </p:txBody>
       </p:sp>
@@ -1391,12 +1566,12 @@
   <p:clrMapOvr>
     <a:masterClrMapping/>
   </p:clrMapOvr>
-  <p:transition xmlns:p14="http://schemas.microsoft.com/office/powerpoint/2010/main" spd="med" advClick="1"/>
+  <p:transition spd="med"/>
 </p:sldLayout>
 </file>
 
 <file path=ppt/slideLayouts/slideLayout5.xml><?xml version="1.0" encoding="utf-8"?>
-<p:sldLayout xmlns:a="http://schemas.openxmlformats.org/drawingml/2006/main" xmlns:r="http://schemas.openxmlformats.org/officeDocument/2006/relationships" xmlns:p="http://schemas.openxmlformats.org/presentationml/2006/main" type="tx" showMasterSp="1" showMasterPhAnim="1">
+<p:sldLayout xmlns:a="http://schemas.openxmlformats.org/drawingml/2006/main" xmlns:r="http://schemas.openxmlformats.org/officeDocument/2006/relationships" xmlns:p="http://schemas.openxmlformats.org/presentationml/2006/main" type="tx">
   <p:cSld name="大標題 - 上方">
     <p:spTree>
       <p:nvGrpSpPr>
@@ -1415,7 +1590,9 @@
       <p:sp>
         <p:nvSpPr>
           <p:cNvPr id="48" name="Shape 48"/>
-          <p:cNvSpPr/>
+          <p:cNvSpPr>
+            <a:spLocks noGrp="1"/>
+          </p:cNvSpPr>
           <p:nvPr>
             <p:ph type="title"/>
           </p:nvPr>
@@ -1429,7 +1606,6 @@
           <a:bodyPr/>
           <a:lstStyle/>
           <a:p>
-            <a:pPr/>
             <a:r>
               <a:t>大標題文字</a:t>
             </a:r>
@@ -1439,7 +1615,9 @@
       <p:sp>
         <p:nvSpPr>
           <p:cNvPr id="49" name="Shape 49"/>
-          <p:cNvSpPr/>
+          <p:cNvSpPr>
+            <a:spLocks noGrp="1"/>
+          </p:cNvSpPr>
           <p:nvPr>
             <p:ph type="sldNum" sz="quarter" idx="2"/>
           </p:nvPr>
@@ -1453,8 +1631,10 @@
           <a:bodyPr/>
           <a:lstStyle/>
           <a:p>
-            <a:pPr/>
-            <a:fld id="{86CB4B4D-7CA3-9044-876B-883B54F8677D}" type="slidenum"/>
+            <a:fld id="{86CB4B4D-7CA3-9044-876B-883B54F8677D}" type="slidenum">
+              <a:t>‹#›</a:t>
+            </a:fld>
+            <a:endParaRPr/>
           </a:p>
         </p:txBody>
       </p:sp>
@@ -1463,12 +1643,12 @@
   <p:clrMapOvr>
     <a:masterClrMapping/>
   </p:clrMapOvr>
-  <p:transition xmlns:p14="http://schemas.microsoft.com/office/powerpoint/2010/main" spd="med" advClick="1"/>
+  <p:transition spd="med"/>
 </p:sldLayout>
 </file>
 
 <file path=ppt/slideLayouts/slideLayout6.xml><?xml version="1.0" encoding="utf-8"?>
-<p:sldLayout xmlns:a="http://schemas.openxmlformats.org/drawingml/2006/main" xmlns:r="http://schemas.openxmlformats.org/officeDocument/2006/relationships" xmlns:p="http://schemas.openxmlformats.org/presentationml/2006/main" type="tx" showMasterSp="1" showMasterPhAnim="1">
+<p:sldLayout xmlns:a="http://schemas.openxmlformats.org/drawingml/2006/main" xmlns:r="http://schemas.openxmlformats.org/officeDocument/2006/relationships" xmlns:p="http://schemas.openxmlformats.org/presentationml/2006/main" type="tx">
   <p:cSld name="大標題與項目符號">
     <p:spTree>
       <p:nvGrpSpPr>
@@ -1487,7 +1667,9 @@
       <p:sp>
         <p:nvSpPr>
           <p:cNvPr id="56" name="Shape 56"/>
-          <p:cNvSpPr/>
+          <p:cNvSpPr>
+            <a:spLocks noGrp="1"/>
+          </p:cNvSpPr>
           <p:nvPr>
             <p:ph type="title"/>
           </p:nvPr>
@@ -1501,7 +1683,6 @@
           <a:bodyPr/>
           <a:lstStyle/>
           <a:p>
-            <a:pPr/>
             <a:r>
               <a:t>大標題文字</a:t>
             </a:r>
@@ -1511,7 +1692,9 @@
       <p:sp>
         <p:nvSpPr>
           <p:cNvPr id="57" name="Shape 57"/>
-          <p:cNvSpPr/>
+          <p:cNvSpPr>
+            <a:spLocks noGrp="1"/>
+          </p:cNvSpPr>
           <p:nvPr>
             <p:ph type="body" idx="1"/>
           </p:nvPr>
@@ -1525,7 +1708,6 @@
           <a:bodyPr/>
           <a:lstStyle/>
           <a:p>
-            <a:pPr/>
             <a:r>
               <a:t>內文層級一</a:t>
             </a:r>
@@ -1559,7 +1741,9 @@
       <p:sp>
         <p:nvSpPr>
           <p:cNvPr id="58" name="Shape 58"/>
-          <p:cNvSpPr/>
+          <p:cNvSpPr>
+            <a:spLocks noGrp="1"/>
+          </p:cNvSpPr>
           <p:nvPr>
             <p:ph type="sldNum" sz="quarter" idx="2"/>
           </p:nvPr>
@@ -1573,8 +1757,10 @@
           <a:bodyPr/>
           <a:lstStyle/>
           <a:p>
-            <a:pPr/>
-            <a:fld id="{86CB4B4D-7CA3-9044-876B-883B54F8677D}" type="slidenum"/>
+            <a:fld id="{86CB4B4D-7CA3-9044-876B-883B54F8677D}" type="slidenum">
+              <a:t>‹#›</a:t>
+            </a:fld>
+            <a:endParaRPr/>
           </a:p>
         </p:txBody>
       </p:sp>
@@ -1583,12 +1769,12 @@
   <p:clrMapOvr>
     <a:masterClrMapping/>
   </p:clrMapOvr>
-  <p:transition xmlns:p14="http://schemas.microsoft.com/office/powerpoint/2010/main" spd="med" advClick="1"/>
+  <p:transition spd="med"/>
 </p:sldLayout>
 </file>
 
 <file path=ppt/slideLayouts/slideLayout7.xml><?xml version="1.0" encoding="utf-8"?>
-<p:sldLayout xmlns:a="http://schemas.openxmlformats.org/drawingml/2006/main" xmlns:r="http://schemas.openxmlformats.org/officeDocument/2006/relationships" xmlns:p="http://schemas.openxmlformats.org/presentationml/2006/main" type="tx" showMasterSp="1" showMasterPhAnim="1">
+<p:sldLayout xmlns:a="http://schemas.openxmlformats.org/drawingml/2006/main" xmlns:r="http://schemas.openxmlformats.org/officeDocument/2006/relationships" xmlns:p="http://schemas.openxmlformats.org/presentationml/2006/main" type="tx">
   <p:cSld name="大標題、項目符號與照片">
     <p:spTree>
       <p:nvGrpSpPr>
@@ -1607,7 +1793,9 @@
       <p:sp>
         <p:nvSpPr>
           <p:cNvPr id="65" name="Shape 65"/>
-          <p:cNvSpPr/>
+          <p:cNvSpPr>
+            <a:spLocks noGrp="1"/>
+          </p:cNvSpPr>
           <p:nvPr>
             <p:ph type="pic" sz="half" idx="13"/>
           </p:nvPr>
@@ -1627,14 +1815,16 @@
           </a:bodyPr>
           <a:lstStyle/>
           <a:p>
-            <a:pPr/>
+            <a:endParaRPr/>
           </a:p>
         </p:txBody>
       </p:sp>
       <p:sp>
         <p:nvSpPr>
           <p:cNvPr id="66" name="Shape 66"/>
-          <p:cNvSpPr/>
+          <p:cNvSpPr>
+            <a:spLocks noGrp="1"/>
+          </p:cNvSpPr>
           <p:nvPr>
             <p:ph type="title"/>
           </p:nvPr>
@@ -1648,7 +1838,6 @@
           <a:bodyPr/>
           <a:lstStyle/>
           <a:p>
-            <a:pPr/>
             <a:r>
               <a:t>大標題文字</a:t>
             </a:r>
@@ -1658,7 +1847,9 @@
       <p:sp>
         <p:nvSpPr>
           <p:cNvPr id="67" name="Shape 67"/>
-          <p:cNvSpPr/>
+          <p:cNvSpPr>
+            <a:spLocks noGrp="1"/>
+          </p:cNvSpPr>
           <p:nvPr>
             <p:ph type="body" sz="half" idx="1"/>
           </p:nvPr>
@@ -1707,7 +1898,6 @@
             </a:lvl5pPr>
           </a:lstStyle>
           <a:p>
-            <a:pPr/>
             <a:r>
               <a:t>內文層級一</a:t>
             </a:r>
@@ -1741,7 +1931,9 @@
       <p:sp>
         <p:nvSpPr>
           <p:cNvPr id="68" name="Shape 68"/>
-          <p:cNvSpPr/>
+          <p:cNvSpPr>
+            <a:spLocks noGrp="1"/>
+          </p:cNvSpPr>
           <p:nvPr>
             <p:ph type="sldNum" sz="quarter" idx="2"/>
           </p:nvPr>
@@ -1755,8 +1947,10 @@
           <a:bodyPr/>
           <a:lstStyle/>
           <a:p>
-            <a:pPr/>
-            <a:fld id="{86CB4B4D-7CA3-9044-876B-883B54F8677D}" type="slidenum"/>
+            <a:fld id="{86CB4B4D-7CA3-9044-876B-883B54F8677D}" type="slidenum">
+              <a:t>‹#›</a:t>
+            </a:fld>
+            <a:endParaRPr/>
           </a:p>
         </p:txBody>
       </p:sp>
@@ -1765,12 +1959,12 @@
   <p:clrMapOvr>
     <a:masterClrMapping/>
   </p:clrMapOvr>
-  <p:transition xmlns:p14="http://schemas.microsoft.com/office/powerpoint/2010/main" spd="med" advClick="1"/>
+  <p:transition spd="med"/>
 </p:sldLayout>
 </file>
 
 <file path=ppt/slideLayouts/slideLayout8.xml><?xml version="1.0" encoding="utf-8"?>
-<p:sldLayout xmlns:a="http://schemas.openxmlformats.org/drawingml/2006/main" xmlns:r="http://schemas.openxmlformats.org/officeDocument/2006/relationships" xmlns:p="http://schemas.openxmlformats.org/presentationml/2006/main" type="tx" showMasterSp="1" showMasterPhAnim="1">
+<p:sldLayout xmlns:a="http://schemas.openxmlformats.org/drawingml/2006/main" xmlns:r="http://schemas.openxmlformats.org/officeDocument/2006/relationships" xmlns:p="http://schemas.openxmlformats.org/presentationml/2006/main" type="tx">
   <p:cSld name="項目符號">
     <p:spTree>
       <p:nvGrpSpPr>
@@ -1789,7 +1983,9 @@
       <p:sp>
         <p:nvSpPr>
           <p:cNvPr id="75" name="Shape 75"/>
-          <p:cNvSpPr/>
+          <p:cNvSpPr>
+            <a:spLocks noGrp="1"/>
+          </p:cNvSpPr>
           <p:nvPr>
             <p:ph type="body" idx="1"/>
           </p:nvPr>
@@ -1807,7 +2003,6 @@
           <a:bodyPr/>
           <a:lstStyle/>
           <a:p>
-            <a:pPr/>
             <a:r>
               <a:t>內文層級一</a:t>
             </a:r>
@@ -1841,7 +2036,9 @@
       <p:sp>
         <p:nvSpPr>
           <p:cNvPr id="76" name="Shape 76"/>
-          <p:cNvSpPr/>
+          <p:cNvSpPr>
+            <a:spLocks noGrp="1"/>
+          </p:cNvSpPr>
           <p:nvPr>
             <p:ph type="sldNum" sz="quarter" idx="2"/>
           </p:nvPr>
@@ -1855,8 +2052,10 @@
           <a:bodyPr/>
           <a:lstStyle/>
           <a:p>
-            <a:pPr/>
-            <a:fld id="{86CB4B4D-7CA3-9044-876B-883B54F8677D}" type="slidenum"/>
+            <a:fld id="{86CB4B4D-7CA3-9044-876B-883B54F8677D}" type="slidenum">
+              <a:t>‹#›</a:t>
+            </a:fld>
+            <a:endParaRPr/>
           </a:p>
         </p:txBody>
       </p:sp>
@@ -1865,12 +2064,12 @@
   <p:clrMapOvr>
     <a:masterClrMapping/>
   </p:clrMapOvr>
-  <p:transition xmlns:p14="http://schemas.microsoft.com/office/powerpoint/2010/main" spd="med" advClick="1"/>
+  <p:transition spd="med"/>
 </p:sldLayout>
 </file>
 
 <file path=ppt/slideLayouts/slideLayout9.xml><?xml version="1.0" encoding="utf-8"?>
-<p:sldLayout xmlns:a="http://schemas.openxmlformats.org/drawingml/2006/main" xmlns:r="http://schemas.openxmlformats.org/officeDocument/2006/relationships" xmlns:p="http://schemas.openxmlformats.org/presentationml/2006/main" type="tx" showMasterSp="1" showMasterPhAnim="1">
+<p:sldLayout xmlns:a="http://schemas.openxmlformats.org/drawingml/2006/main" xmlns:r="http://schemas.openxmlformats.org/officeDocument/2006/relationships" xmlns:p="http://schemas.openxmlformats.org/presentationml/2006/main" type="tx">
   <p:cSld name="照片 - 一頁三張">
     <p:spTree>
       <p:nvGrpSpPr>
@@ -1889,7 +2088,9 @@
       <p:sp>
         <p:nvSpPr>
           <p:cNvPr id="83" name="Shape 83"/>
-          <p:cNvSpPr/>
+          <p:cNvSpPr>
+            <a:spLocks noGrp="1"/>
+          </p:cNvSpPr>
           <p:nvPr>
             <p:ph type="pic" sz="quarter" idx="13"/>
           </p:nvPr>
@@ -1909,14 +2110,16 @@
           </a:bodyPr>
           <a:lstStyle/>
           <a:p>
-            <a:pPr/>
+            <a:endParaRPr/>
           </a:p>
         </p:txBody>
       </p:sp>
       <p:sp>
         <p:nvSpPr>
           <p:cNvPr id="84" name="Shape 84"/>
-          <p:cNvSpPr/>
+          <p:cNvSpPr>
+            <a:spLocks noGrp="1"/>
+          </p:cNvSpPr>
           <p:nvPr>
             <p:ph type="pic" sz="quarter" idx="14"/>
           </p:nvPr>
@@ -1936,14 +2139,16 @@
           </a:bodyPr>
           <a:lstStyle/>
           <a:p>
-            <a:pPr/>
+            <a:endParaRPr/>
           </a:p>
         </p:txBody>
       </p:sp>
       <p:sp>
         <p:nvSpPr>
           <p:cNvPr id="85" name="Shape 85"/>
-          <p:cNvSpPr/>
+          <p:cNvSpPr>
+            <a:spLocks noGrp="1"/>
+          </p:cNvSpPr>
           <p:nvPr>
             <p:ph type="pic" sz="half" idx="15"/>
           </p:nvPr>
@@ -1963,14 +2168,16 @@
           </a:bodyPr>
           <a:lstStyle/>
           <a:p>
-            <a:pPr/>
+            <a:endParaRPr/>
           </a:p>
         </p:txBody>
       </p:sp>
       <p:sp>
         <p:nvSpPr>
           <p:cNvPr id="86" name="Shape 86"/>
-          <p:cNvSpPr/>
+          <p:cNvSpPr>
+            <a:spLocks noGrp="1"/>
+          </p:cNvSpPr>
           <p:nvPr>
             <p:ph type="sldNum" sz="quarter" idx="2"/>
           </p:nvPr>
@@ -1984,8 +2191,10 @@
           <a:bodyPr/>
           <a:lstStyle/>
           <a:p>
-            <a:pPr/>
-            <a:fld id="{86CB4B4D-7CA3-9044-876B-883B54F8677D}" type="slidenum"/>
+            <a:fld id="{86CB4B4D-7CA3-9044-876B-883B54F8677D}" type="slidenum">
+              <a:t>‹#›</a:t>
+            </a:fld>
+            <a:endParaRPr/>
           </a:p>
         </p:txBody>
       </p:sp>
@@ -1994,7 +2203,7 @@
   <p:clrMapOvr>
     <a:masterClrMapping/>
   </p:clrMapOvr>
-  <p:transition xmlns:p14="http://schemas.microsoft.com/office/powerpoint/2010/main" spd="med" advClick="1"/>
+  <p:transition spd="med"/>
 </p:sldLayout>
 </file>
 
@@ -2006,6 +2215,7 @@
         <a:solidFill>
           <a:srgbClr val="FFFFFF"/>
         </a:solidFill>
+        <a:effectLst/>
       </p:bgPr>
     </p:bg>
     <p:spTree>
@@ -2025,7 +2235,9 @@
       <p:sp>
         <p:nvSpPr>
           <p:cNvPr id="2" name="Shape 2"/>
-          <p:cNvSpPr/>
+          <p:cNvSpPr>
+            <a:spLocks noGrp="1"/>
+          </p:cNvSpPr>
           <p:nvPr>
             <p:ph type="title"/>
           </p:nvPr>
@@ -2043,17 +2255,16 @@
           </a:ln>
           <a:extLst>
             <a:ext uri="{C572A759-6A51-4108-AA02-DFA0A04FC94B}">
-              <ma14:wrappingTextBoxFlag xmlns:ma14="http://schemas.microsoft.com/office/mac/drawingml/2011/main" val="1"/>
+              <ma14:wrappingTextBoxFlag xmlns="" xmlns:ma14="http://schemas.microsoft.com/office/mac/drawingml/2011/main" val="1"/>
             </a:ext>
           </a:extLst>
         </p:spPr>
         <p:txBody>
           <a:bodyPr lIns="50800" tIns="50800" rIns="50800" bIns="50800" anchor="ctr">
-            <a:normAutofit fontScale="100000" lnSpcReduction="0"/>
+            <a:normAutofit/>
           </a:bodyPr>
           <a:lstStyle/>
           <a:p>
-            <a:pPr/>
             <a:r>
               <a:t>大標題文字</a:t>
             </a:r>
@@ -2063,7 +2274,9 @@
       <p:sp>
         <p:nvSpPr>
           <p:cNvPr id="3" name="Shape 3"/>
-          <p:cNvSpPr/>
+          <p:cNvSpPr>
+            <a:spLocks noGrp="1"/>
+          </p:cNvSpPr>
           <p:nvPr>
             <p:ph type="body" idx="1"/>
           </p:nvPr>
@@ -2081,17 +2294,16 @@
           </a:ln>
           <a:extLst>
             <a:ext uri="{C572A759-6A51-4108-AA02-DFA0A04FC94B}">
-              <ma14:wrappingTextBoxFlag xmlns:ma14="http://schemas.microsoft.com/office/mac/drawingml/2011/main" val="1"/>
+              <ma14:wrappingTextBoxFlag xmlns="" xmlns:ma14="http://schemas.microsoft.com/office/mac/drawingml/2011/main" val="1"/>
             </a:ext>
           </a:extLst>
         </p:spPr>
         <p:txBody>
           <a:bodyPr lIns="50800" tIns="50800" rIns="50800" bIns="50800" anchor="ctr">
-            <a:normAutofit fontScale="100000" lnSpcReduction="0"/>
+            <a:normAutofit/>
           </a:bodyPr>
           <a:lstStyle/>
           <a:p>
-            <a:pPr/>
             <a:r>
               <a:t>內文層級一</a:t>
             </a:r>
@@ -2125,7 +2337,9 @@
       <p:sp>
         <p:nvSpPr>
           <p:cNvPr id="4" name="Shape 4"/>
-          <p:cNvSpPr/>
+          <p:cNvSpPr>
+            <a:spLocks noGrp="1"/>
+          </p:cNvSpPr>
           <p:nvPr>
             <p:ph type="sldNum" sz="quarter" idx="2"/>
           </p:nvPr>
@@ -2152,8 +2366,10 @@
             </a:lvl1pPr>
           </a:lstStyle>
           <a:p>
-            <a:pPr/>
-            <a:fld id="{86CB4B4D-7CA3-9044-876B-883B54F8677D}" type="slidenum"/>
+            <a:fld id="{86CB4B4D-7CA3-9044-876B-883B54F8677D}" type="slidenum">
+              <a:t>‹#›</a:t>
+            </a:fld>
+            <a:endParaRPr/>
           </a:p>
         </p:txBody>
       </p:sp>
@@ -2161,20 +2377,20 @@
   </p:cSld>
   <p:clrMap bg1="lt1" tx1="dk1" bg2="lt2" tx2="dk2" accent1="accent1" accent2="accent2" accent3="accent3" accent4="accent4" accent5="accent5" accent6="accent6" hlink="hlink" folHlink="folHlink"/>
   <p:sldLayoutIdLst>
-    <p:sldLayoutId id="2147483649" r:id="rId2"/>
-    <p:sldLayoutId id="2147483650" r:id="rId3"/>
-    <p:sldLayoutId id="2147483651" r:id="rId4"/>
-    <p:sldLayoutId id="2147483652" r:id="rId5"/>
-    <p:sldLayoutId id="2147483653" r:id="rId6"/>
-    <p:sldLayoutId id="2147483654" r:id="rId7"/>
-    <p:sldLayoutId id="2147483655" r:id="rId8"/>
-    <p:sldLayoutId id="2147483656" r:id="rId9"/>
-    <p:sldLayoutId id="2147483657" r:id="rId10"/>
-    <p:sldLayoutId id="2147483658" r:id="rId11"/>
-    <p:sldLayoutId id="2147483659" r:id="rId12"/>
-    <p:sldLayoutId id="2147483660" r:id="rId13"/>
+    <p:sldLayoutId id="2147483649" r:id="rId1"/>
+    <p:sldLayoutId id="2147483650" r:id="rId2"/>
+    <p:sldLayoutId id="2147483651" r:id="rId3"/>
+    <p:sldLayoutId id="2147483652" r:id="rId4"/>
+    <p:sldLayoutId id="2147483653" r:id="rId5"/>
+    <p:sldLayoutId id="2147483654" r:id="rId6"/>
+    <p:sldLayoutId id="2147483655" r:id="rId7"/>
+    <p:sldLayoutId id="2147483656" r:id="rId8"/>
+    <p:sldLayoutId id="2147483657" r:id="rId9"/>
+    <p:sldLayoutId id="2147483658" r:id="rId10"/>
+    <p:sldLayoutId id="2147483659" r:id="rId11"/>
+    <p:sldLayoutId id="2147483660" r:id="rId12"/>
   </p:sldLayoutIdLst>
-  <p:transition xmlns:p14="http://schemas.microsoft.com/office/powerpoint/2010/main" spd="med" advClick="1"/>
+  <p:transition spd="med"/>
   <p:txStyles>
     <p:titleStyle>
       <a:lvl1pPr marL="0" marR="0" indent="0" algn="ctr" defTabSz="584200" rtl="0" latinLnBrk="0">
@@ -2192,7 +2408,7 @@
         <a:buFontTx/>
         <a:buNone/>
         <a:tabLst/>
-        <a:defRPr b="0" baseline="0" cap="none" i="0" spc="0" strike="noStrike" sz="8000" u="none">
+        <a:defRPr sz="8000" b="0" i="0" u="none" strike="noStrike" cap="none" spc="0" baseline="0">
           <a:ln>
             <a:noFill/>
           </a:ln>
@@ -2221,7 +2437,7 @@
         <a:buFontTx/>
         <a:buNone/>
         <a:tabLst/>
-        <a:defRPr b="0" baseline="0" cap="none" i="0" spc="0" strike="noStrike" sz="8000" u="none">
+        <a:defRPr sz="8000" b="0" i="0" u="none" strike="noStrike" cap="none" spc="0" baseline="0">
           <a:ln>
             <a:noFill/>
           </a:ln>
@@ -2250,7 +2466,7 @@
         <a:buFontTx/>
         <a:buNone/>
         <a:tabLst/>
-        <a:defRPr b="0" baseline="0" cap="none" i="0" spc="0" strike="noStrike" sz="8000" u="none">
+        <a:defRPr sz="8000" b="0" i="0" u="none" strike="noStrike" cap="none" spc="0" baseline="0">
           <a:ln>
             <a:noFill/>
           </a:ln>
@@ -2279,7 +2495,7 @@
         <a:buFontTx/>
         <a:buNone/>
         <a:tabLst/>
-        <a:defRPr b="0" baseline="0" cap="none" i="0" spc="0" strike="noStrike" sz="8000" u="none">
+        <a:defRPr sz="8000" b="0" i="0" u="none" strike="noStrike" cap="none" spc="0" baseline="0">
           <a:ln>
             <a:noFill/>
           </a:ln>
@@ -2308,7 +2524,7 @@
         <a:buFontTx/>
         <a:buNone/>
         <a:tabLst/>
-        <a:defRPr b="0" baseline="0" cap="none" i="0" spc="0" strike="noStrike" sz="8000" u="none">
+        <a:defRPr sz="8000" b="0" i="0" u="none" strike="noStrike" cap="none" spc="0" baseline="0">
           <a:ln>
             <a:noFill/>
           </a:ln>
@@ -2337,7 +2553,7 @@
         <a:buFontTx/>
         <a:buNone/>
         <a:tabLst/>
-        <a:defRPr b="0" baseline="0" cap="none" i="0" spc="0" strike="noStrike" sz="8000" u="none">
+        <a:defRPr sz="8000" b="0" i="0" u="none" strike="noStrike" cap="none" spc="0" baseline="0">
           <a:ln>
             <a:noFill/>
           </a:ln>
@@ -2366,7 +2582,7 @@
         <a:buFontTx/>
         <a:buNone/>
         <a:tabLst/>
-        <a:defRPr b="0" baseline="0" cap="none" i="0" spc="0" strike="noStrike" sz="8000" u="none">
+        <a:defRPr sz="8000" b="0" i="0" u="none" strike="noStrike" cap="none" spc="0" baseline="0">
           <a:ln>
             <a:noFill/>
           </a:ln>
@@ -2395,7 +2611,7 @@
         <a:buFontTx/>
         <a:buNone/>
         <a:tabLst/>
-        <a:defRPr b="0" baseline="0" cap="none" i="0" spc="0" strike="noStrike" sz="8000" u="none">
+        <a:defRPr sz="8000" b="0" i="0" u="none" strike="noStrike" cap="none" spc="0" baseline="0">
           <a:ln>
             <a:noFill/>
           </a:ln>
@@ -2424,7 +2640,7 @@
         <a:buFontTx/>
         <a:buNone/>
         <a:tabLst/>
-        <a:defRPr b="0" baseline="0" cap="none" i="0" spc="0" strike="noStrike" sz="8000" u="none">
+        <a:defRPr sz="8000" b="0" i="0" u="none" strike="noStrike" cap="none" spc="0" baseline="0">
           <a:ln>
             <a:noFill/>
           </a:ln>
@@ -2455,7 +2671,7 @@
         <a:buFontTx/>
         <a:buChar char="•"/>
         <a:tabLst/>
-        <a:defRPr b="0" baseline="0" cap="none" i="0" spc="0" strike="noStrike" sz="3600" u="none">
+        <a:defRPr sz="3600" b="0" i="0" u="none" strike="noStrike" cap="none" spc="0" baseline="0">
           <a:ln>
             <a:noFill/>
           </a:ln>
@@ -2484,7 +2700,7 @@
         <a:buFontTx/>
         <a:buChar char="•"/>
         <a:tabLst/>
-        <a:defRPr b="0" baseline="0" cap="none" i="0" spc="0" strike="noStrike" sz="3600" u="none">
+        <a:defRPr sz="3600" b="0" i="0" u="none" strike="noStrike" cap="none" spc="0" baseline="0">
           <a:ln>
             <a:noFill/>
           </a:ln>
@@ -2513,7 +2729,7 @@
         <a:buFontTx/>
         <a:buChar char="•"/>
         <a:tabLst/>
-        <a:defRPr b="0" baseline="0" cap="none" i="0" spc="0" strike="noStrike" sz="3600" u="none">
+        <a:defRPr sz="3600" b="0" i="0" u="none" strike="noStrike" cap="none" spc="0" baseline="0">
           <a:ln>
             <a:noFill/>
           </a:ln>
@@ -2542,7 +2758,7 @@
         <a:buFontTx/>
         <a:buChar char="•"/>
         <a:tabLst/>
-        <a:defRPr b="0" baseline="0" cap="none" i="0" spc="0" strike="noStrike" sz="3600" u="none">
+        <a:defRPr sz="3600" b="0" i="0" u="none" strike="noStrike" cap="none" spc="0" baseline="0">
           <a:ln>
             <a:noFill/>
           </a:ln>
@@ -2571,7 +2787,7 @@
         <a:buFontTx/>
         <a:buChar char="•"/>
         <a:tabLst/>
-        <a:defRPr b="0" baseline="0" cap="none" i="0" spc="0" strike="noStrike" sz="3600" u="none">
+        <a:defRPr sz="3600" b="0" i="0" u="none" strike="noStrike" cap="none" spc="0" baseline="0">
           <a:ln>
             <a:noFill/>
           </a:ln>
@@ -2600,7 +2816,7 @@
         <a:buFontTx/>
         <a:buChar char="•"/>
         <a:tabLst/>
-        <a:defRPr b="0" baseline="0" cap="none" i="0" spc="0" strike="noStrike" sz="3600" u="none">
+        <a:defRPr sz="3600" b="0" i="0" u="none" strike="noStrike" cap="none" spc="0" baseline="0">
           <a:ln>
             <a:noFill/>
           </a:ln>
@@ -2629,7 +2845,7 @@
         <a:buFontTx/>
         <a:buChar char="•"/>
         <a:tabLst/>
-        <a:defRPr b="0" baseline="0" cap="none" i="0" spc="0" strike="noStrike" sz="3600" u="none">
+        <a:defRPr sz="3600" b="0" i="0" u="none" strike="noStrike" cap="none" spc="0" baseline="0">
           <a:ln>
             <a:noFill/>
           </a:ln>
@@ -2658,7 +2874,7 @@
         <a:buFontTx/>
         <a:buChar char="•"/>
         <a:tabLst/>
-        <a:defRPr b="0" baseline="0" cap="none" i="0" spc="0" strike="noStrike" sz="3600" u="none">
+        <a:defRPr sz="3600" b="0" i="0" u="none" strike="noStrike" cap="none" spc="0" baseline="0">
           <a:ln>
             <a:noFill/>
           </a:ln>
@@ -2687,7 +2903,7 @@
         <a:buFontTx/>
         <a:buChar char="•"/>
         <a:tabLst/>
-        <a:defRPr b="0" baseline="0" cap="none" i="0" spc="0" strike="noStrike" sz="3600" u="none">
+        <a:defRPr sz="3600" b="0" i="0" u="none" strike="noStrike" cap="none" spc="0" baseline="0">
           <a:ln>
             <a:noFill/>
           </a:ln>
@@ -2718,7 +2934,7 @@
         <a:buFontTx/>
         <a:buNone/>
         <a:tabLst/>
-        <a:defRPr b="0" baseline="0" cap="none" i="0" spc="0" strike="noStrike" sz="1800" u="none">
+        <a:defRPr sz="1800" b="0" i="0" u="none" strike="noStrike" cap="none" spc="0" baseline="0">
           <a:ln>
             <a:noFill/>
           </a:ln>
@@ -2747,7 +2963,7 @@
         <a:buFontTx/>
         <a:buNone/>
         <a:tabLst/>
-        <a:defRPr b="0" baseline="0" cap="none" i="0" spc="0" strike="noStrike" sz="1800" u="none">
+        <a:defRPr sz="1800" b="0" i="0" u="none" strike="noStrike" cap="none" spc="0" baseline="0">
           <a:ln>
             <a:noFill/>
           </a:ln>
@@ -2776,7 +2992,7 @@
         <a:buFontTx/>
         <a:buNone/>
         <a:tabLst/>
-        <a:defRPr b="0" baseline="0" cap="none" i="0" spc="0" strike="noStrike" sz="1800" u="none">
+        <a:defRPr sz="1800" b="0" i="0" u="none" strike="noStrike" cap="none" spc="0" baseline="0">
           <a:ln>
             <a:noFill/>
           </a:ln>
@@ -2805,7 +3021,7 @@
         <a:buFontTx/>
         <a:buNone/>
         <a:tabLst/>
-        <a:defRPr b="0" baseline="0" cap="none" i="0" spc="0" strike="noStrike" sz="1800" u="none">
+        <a:defRPr sz="1800" b="0" i="0" u="none" strike="noStrike" cap="none" spc="0" baseline="0">
           <a:ln>
             <a:noFill/>
           </a:ln>
@@ -2834,7 +3050,7 @@
         <a:buFontTx/>
         <a:buNone/>
         <a:tabLst/>
-        <a:defRPr b="0" baseline="0" cap="none" i="0" spc="0" strike="noStrike" sz="1800" u="none">
+        <a:defRPr sz="1800" b="0" i="0" u="none" strike="noStrike" cap="none" spc="0" baseline="0">
           <a:ln>
             <a:noFill/>
           </a:ln>
@@ -2863,7 +3079,7 @@
         <a:buFontTx/>
         <a:buNone/>
         <a:tabLst/>
-        <a:defRPr b="0" baseline="0" cap="none" i="0" spc="0" strike="noStrike" sz="1800" u="none">
+        <a:defRPr sz="1800" b="0" i="0" u="none" strike="noStrike" cap="none" spc="0" baseline="0">
           <a:ln>
             <a:noFill/>
           </a:ln>
@@ -2892,7 +3108,7 @@
         <a:buFontTx/>
         <a:buNone/>
         <a:tabLst/>
-        <a:defRPr b="0" baseline="0" cap="none" i="0" spc="0" strike="noStrike" sz="1800" u="none">
+        <a:defRPr sz="1800" b="0" i="0" u="none" strike="noStrike" cap="none" spc="0" baseline="0">
           <a:ln>
             <a:noFill/>
           </a:ln>
@@ -2921,7 +3137,7 @@
         <a:buFontTx/>
         <a:buNone/>
         <a:tabLst/>
-        <a:defRPr b="0" baseline="0" cap="none" i="0" spc="0" strike="noStrike" sz="1800" u="none">
+        <a:defRPr sz="1800" b="0" i="0" u="none" strike="noStrike" cap="none" spc="0" baseline="0">
           <a:ln>
             <a:noFill/>
           </a:ln>
@@ -2950,7 +3166,7 @@
         <a:buFontTx/>
         <a:buNone/>
         <a:tabLst/>
-        <a:defRPr b="0" baseline="0" cap="none" i="0" spc="0" strike="noStrike" sz="1800" u="none">
+        <a:defRPr sz="1800" b="0" i="0" u="none" strike="noStrike" cap="none" spc="0" baseline="0">
           <a:ln>
             <a:noFill/>
           </a:ln>
@@ -2970,7 +3186,7 @@
 </file>
 
 <file path=ppt/slides/slide1.xml><?xml version="1.0" encoding="utf-8"?>
-<p:sld xmlns:a="http://schemas.openxmlformats.org/drawingml/2006/main" xmlns:r="http://schemas.openxmlformats.org/officeDocument/2006/relationships" xmlns:p="http://schemas.openxmlformats.org/presentationml/2006/main" showMasterSp="1" showMasterPhAnim="1">
+<p:sld xmlns:a="http://schemas.openxmlformats.org/drawingml/2006/main" xmlns:r="http://schemas.openxmlformats.org/officeDocument/2006/relationships" xmlns:p="http://schemas.openxmlformats.org/presentationml/2006/main">
   <p:cSld>
     <p:spTree>
       <p:nvGrpSpPr>
@@ -2989,7 +3205,9 @@
       <p:sp>
         <p:nvSpPr>
           <p:cNvPr id="119" name="Shape 119"/>
-          <p:cNvSpPr/>
+          <p:cNvSpPr>
+            <a:spLocks noGrp="1"/>
+          </p:cNvSpPr>
           <p:nvPr>
             <p:ph type="title"/>
           </p:nvPr>
@@ -3007,7 +3225,6 @@
             </a:lvl1pPr>
           </a:lstStyle>
           <a:p>
-            <a:pPr/>
             <a:r>
               <a:t>軟體工程概論</a:t>
             </a:r>
@@ -3017,7 +3234,9 @@
       <p:sp>
         <p:nvSpPr>
           <p:cNvPr id="120" name="Shape 120"/>
-          <p:cNvSpPr/>
+          <p:cNvSpPr>
+            <a:spLocks noGrp="1"/>
+          </p:cNvSpPr>
           <p:nvPr>
             <p:ph type="body" sz="quarter" idx="1"/>
           </p:nvPr>
@@ -3031,7 +3250,6 @@
           <a:bodyPr/>
           <a:lstStyle/>
           <a:p>
-            <a:pPr/>
             <a:r>
               <a:t>專案發起書</a:t>
             </a:r>
@@ -3072,12 +3290,12 @@
   <p:clrMapOvr>
     <a:masterClrMapping/>
   </p:clrMapOvr>
-  <p:transition xmlns:p14="http://schemas.microsoft.com/office/powerpoint/2010/main" spd="med" advClick="1"/>
+  <p:transition spd="med"/>
 </p:sld>
 </file>
 
 <file path=ppt/slides/slide10.xml><?xml version="1.0" encoding="utf-8"?>
-<p:sld xmlns:a="http://schemas.openxmlformats.org/drawingml/2006/main" xmlns:r="http://schemas.openxmlformats.org/officeDocument/2006/relationships" xmlns:p="http://schemas.openxmlformats.org/presentationml/2006/main" showMasterSp="1" showMasterPhAnim="1">
+<p:sld xmlns:a="http://schemas.openxmlformats.org/drawingml/2006/main" xmlns:r="http://schemas.openxmlformats.org/officeDocument/2006/relationships" xmlns:p="http://schemas.openxmlformats.org/presentationml/2006/main">
   <p:cSld>
     <p:spTree>
       <p:nvGrpSpPr>
@@ -3095,189 +3313,168 @@
       </p:grpSpPr>
       <p:sp>
         <p:nvSpPr>
-          <p:cNvPr id="151" name="Shape 151"/>
-          <p:cNvSpPr/>
-          <p:nvPr/>
+          <p:cNvPr id="2" name="標題 1"/>
+          <p:cNvSpPr>
+            <a:spLocks noGrp="1"/>
+          </p:cNvSpPr>
+          <p:nvPr>
+            <p:ph type="title"/>
+          </p:nvPr>
         </p:nvSpPr>
-        <p:spPr>
-          <a:xfrm>
-            <a:off x="650239" y="599949"/>
-            <a:ext cx="11703810" cy="1206501"/>
-          </a:xfrm>
-          <a:prstGeom prst="rect">
-            <a:avLst/>
-          </a:prstGeom>
-          <a:ln w="12700">
-            <a:miter lim="400000"/>
-          </a:ln>
-          <a:extLst>
-            <a:ext uri="{C572A759-6A51-4108-AA02-DFA0A04FC94B}">
-              <ma14:wrappingTextBoxFlag xmlns:ma14="http://schemas.microsoft.com/office/mac/drawingml/2011/main" val="1"/>
-            </a:ext>
-          </a:extLst>
-        </p:spPr>
+        <p:spPr/>
         <p:txBody>
-          <a:bodyPr lIns="50800" tIns="50800" rIns="50800" bIns="50800" anchor="ctr">
-            <a:spAutoFit/>
+          <a:bodyPr>
+            <a:normAutofit/>
           </a:bodyPr>
-          <a:lstStyle>
-            <a:lvl1pPr>
-              <a:defRPr sz="6200">
-                <a:latin typeface="DejaVu Sans"/>
-                <a:ea typeface="DejaVu Sans"/>
-                <a:cs typeface="DejaVu Sans"/>
-                <a:sym typeface="DejaVu Sans"/>
-              </a:defRPr>
-            </a:lvl1pPr>
-          </a:lstStyle>
-          <a:p>
-            <a:pPr>
-              <a:defRPr>
-                <a:latin typeface="Calibri"/>
-                <a:ea typeface="Calibri"/>
-                <a:cs typeface="Calibri"/>
-                <a:sym typeface="Calibri"/>
-              </a:defRPr>
-            </a:pPr>
-            <a:r>
-              <a:rPr>
+          <a:lstStyle/>
+          <a:p>
+            <a:r>
+              <a:rPr lang="zh-TW" altLang="en-US" dirty="0">
                 <a:latin typeface="DejaVu Sans"/>
                 <a:ea typeface="DejaVu Sans"/>
                 <a:cs typeface="DejaVu Sans"/>
                 <a:sym typeface="DejaVu Sans"/>
               </a:rPr>
-              <a:t>開發資源</a:t>
-            </a:r>
-          </a:p>
-        </p:txBody>
-      </p:sp>
-      <p:sp>
-        <p:nvSpPr>
-          <p:cNvPr id="152" name="Shape 152"/>
-          <p:cNvSpPr/>
-          <p:nvPr/>
-        </p:nvSpPr>
-        <p:spPr>
-          <a:xfrm>
-            <a:off x="650495" y="3850922"/>
-            <a:ext cx="11703810" cy="4038601"/>
-          </a:xfrm>
-          <a:prstGeom prst="rect">
-            <a:avLst/>
-          </a:prstGeom>
-          <a:ln w="12700">
-            <a:miter lim="400000"/>
-          </a:ln>
-          <a:extLst>
-            <a:ext uri="{C572A759-6A51-4108-AA02-DFA0A04FC94B}">
-              <ma14:wrappingTextBoxFlag xmlns:ma14="http://schemas.microsoft.com/office/mac/drawingml/2011/main" val="1"/>
-            </a:ext>
-          </a:extLst>
-        </p:spPr>
-        <p:txBody>
-          <a:bodyPr lIns="50800" tIns="50800" rIns="50800" bIns="50800" anchor="ctr">
-            <a:spAutoFit/>
-          </a:bodyPr>
-          <a:lstStyle/>
-          <a:p>
-            <a:pPr>
-              <a:buSzPct val="100000"/>
-              <a:buFont typeface="Arial"/>
-              <a:buChar char="•"/>
-              <a:defRPr sz="4400">
-                <a:latin typeface="Calibri"/>
-                <a:ea typeface="Calibri"/>
-                <a:cs typeface="Calibri"/>
-                <a:sym typeface="Calibri"/>
-              </a:defRPr>
-            </a:pPr>
-            <a:r>
-              <a:rPr>
+              <a:t>開發</a:t>
+            </a:r>
+            <a:r>
+              <a:rPr lang="zh-TW" altLang="en-US" dirty="0" smtClean="0">
                 <a:latin typeface="DejaVu Sans"/>
                 <a:ea typeface="DejaVu Sans"/>
                 <a:cs typeface="DejaVu Sans"/>
                 <a:sym typeface="DejaVu Sans"/>
               </a:rPr>
-              <a:t>請寫上 </a:t>
-            </a:r>
-            <a:r>
-              <a:t>source code </a:t>
-            </a:r>
-            <a:r>
-              <a:rPr>
-                <a:latin typeface="DejaVu Sans"/>
-                <a:ea typeface="DejaVu Sans"/>
-                <a:cs typeface="DejaVu Sans"/>
-                <a:sym typeface="DejaVu Sans"/>
-              </a:rPr>
-              <a:t>存放的位置（</a:t>
-            </a:r>
-            <a:r>
-              <a:t>version control repository location</a:t>
-            </a:r>
-            <a:r>
-              <a:rPr>
-                <a:latin typeface="DejaVu Sans"/>
-                <a:ea typeface="DejaVu Sans"/>
-                <a:cs typeface="DejaVu Sans"/>
-                <a:sym typeface="DejaVu Sans"/>
-              </a:rPr>
-              <a:t>），以及 </a:t>
-            </a:r>
-            <a:r>
-              <a:t>Issue Tracking System </a:t>
-            </a:r>
-            <a:r>
-              <a:rPr>
-                <a:latin typeface="DejaVu Sans"/>
-                <a:ea typeface="DejaVu Sans"/>
-                <a:cs typeface="DejaVu Sans"/>
-                <a:sym typeface="DejaVu Sans"/>
-              </a:rPr>
-              <a:t>的位置。</a:t>
-            </a:r>
-            <a:endParaRPr>
-              <a:latin typeface="DejaVu Sans"/>
-              <a:ea typeface="DejaVu Sans"/>
-              <a:cs typeface="DejaVu Sans"/>
-              <a:sym typeface="DejaVu Sans"/>
-            </a:endParaRPr>
-          </a:p>
-          <a:p>
-            <a:pPr>
-              <a:buSzPct val="100000"/>
-              <a:buFont typeface="Arial"/>
-              <a:buChar char="•"/>
-              <a:defRPr sz="4400">
-                <a:latin typeface="Calibri"/>
-                <a:ea typeface="Calibri"/>
-                <a:cs typeface="Calibri"/>
-                <a:sym typeface="Calibri"/>
-              </a:defRPr>
-            </a:pPr>
-            <a:r>
-              <a:rPr>
-                <a:latin typeface="DejaVu Sans"/>
-                <a:ea typeface="DejaVu Sans"/>
-                <a:cs typeface="DejaVu Sans"/>
-                <a:sym typeface="DejaVu Sans"/>
-              </a:rPr>
-              <a:t>如有團隊專屬聊天頻道，請寫上頻道在哪裡，如何加入</a:t>
-            </a:r>
+              <a:t>資源</a:t>
+            </a:r>
+            <a:endParaRPr lang="zh-TW" altLang="en-US" dirty="0"/>
           </a:p>
         </p:txBody>
       </p:sp>
+      <p:sp>
+        <p:nvSpPr>
+          <p:cNvPr id="3" name="文字版面配置區 2"/>
+          <p:cNvSpPr>
+            <a:spLocks noGrp="1"/>
+          </p:cNvSpPr>
+          <p:nvPr>
+            <p:ph type="body" idx="1"/>
+          </p:nvPr>
+        </p:nvSpPr>
+        <p:spPr/>
+        <p:txBody>
+          <a:bodyPr/>
+          <a:lstStyle/>
+          <a:p>
+            <a:r>
+              <a:rPr lang="en-US" altLang="zh-TW" dirty="0" err="1" smtClean="0"/>
+              <a:t>Github</a:t>
+            </a:r>
+            <a:r>
+              <a:rPr lang="zh-TW" altLang="en-US" dirty="0" smtClean="0"/>
+              <a:t>網址：</a:t>
+            </a:r>
+            <a:endParaRPr lang="en-US" altLang="zh-TW" dirty="0" smtClean="0"/>
+          </a:p>
+          <a:p>
+            <a:r>
+              <a:rPr lang="en-US" altLang="zh-TW" dirty="0" smtClean="0">
+                <a:hlinkClick r:id="rId2"/>
+              </a:rPr>
+              <a:t>https</a:t>
+            </a:r>
+            <a:r>
+              <a:rPr lang="en-US" altLang="zh-TW" dirty="0">
+                <a:hlinkClick r:id="rId2"/>
+              </a:rPr>
+              <a:t>://</a:t>
+            </a:r>
+            <a:r>
+              <a:rPr lang="en-US" altLang="zh-TW" dirty="0" smtClean="0">
+                <a:hlinkClick r:id="rId2"/>
+              </a:rPr>
+              <a:t>github.com/NCCU-Software-Engineering/Software-Engineering</a:t>
+            </a:r>
+            <a:endParaRPr lang="en-US" altLang="zh-TW" dirty="0" smtClean="0"/>
+          </a:p>
+          <a:p>
+            <a:r>
+              <a:rPr lang="zh-TW" altLang="zh-TW" dirty="0">
+                <a:latin typeface="Calibri"/>
+              </a:rPr>
+              <a:t>團隊專屬聊天</a:t>
+            </a:r>
+            <a:r>
+              <a:rPr lang="zh-TW" altLang="zh-TW" dirty="0" smtClean="0">
+                <a:latin typeface="Calibri"/>
+              </a:rPr>
+              <a:t>頻道</a:t>
+            </a:r>
+            <a:r>
+              <a:rPr lang="zh-TW" altLang="en-US" dirty="0" smtClean="0">
+                <a:latin typeface="Calibri"/>
+              </a:rPr>
+              <a:t>：</a:t>
+            </a:r>
+            <a:endParaRPr lang="en-US" altLang="zh-TW" dirty="0" smtClean="0">
+              <a:latin typeface="Calibri"/>
+            </a:endParaRPr>
+          </a:p>
+          <a:p>
+            <a:endParaRPr lang="en-US" altLang="zh-TW" dirty="0" smtClean="0">
+              <a:latin typeface="Calibri"/>
+            </a:endParaRPr>
+          </a:p>
+          <a:p>
+            <a:endParaRPr lang="zh-TW" altLang="en-US" dirty="0"/>
+          </a:p>
+        </p:txBody>
+      </p:sp>
+      <p:pic>
+        <p:nvPicPr>
+          <p:cNvPr id="5" name="圖片 4"/>
+          <p:cNvPicPr>
+            <a:picLocks noChangeAspect="1"/>
+          </p:cNvPicPr>
+          <p:nvPr/>
+        </p:nvPicPr>
+        <p:blipFill>
+          <a:blip r:embed="rId3">
+            <a:extLst>
+              <a:ext uri="{28A0092B-C50C-407E-A947-70E740481C1C}">
+                <a14:useLocalDpi xmlns:a14="http://schemas.microsoft.com/office/drawing/2010/main" val="0"/>
+              </a:ext>
+            </a:extLst>
+          </a:blip>
+          <a:stretch>
+            <a:fillRect/>
+          </a:stretch>
+        </p:blipFill>
+        <p:spPr>
+          <a:xfrm>
+            <a:off x="5695124" y="5372231"/>
+            <a:ext cx="3743238" cy="3743238"/>
+          </a:xfrm>
+          <a:prstGeom prst="rect">
+            <a:avLst/>
+          </a:prstGeom>
+        </p:spPr>
+      </p:pic>
     </p:spTree>
+    <p:extLst>
+      <p:ext uri="{BB962C8B-B14F-4D97-AF65-F5344CB8AC3E}">
+        <p14:creationId xmlns:p14="http://schemas.microsoft.com/office/powerpoint/2010/main" val="1460086686"/>
+      </p:ext>
+    </p:extLst>
   </p:cSld>
   <p:clrMapOvr>
     <a:masterClrMapping/>
   </p:clrMapOvr>
-  <p:transition xmlns:p14="http://schemas.microsoft.com/office/powerpoint/2010/main" spd="med" advClick="1" p14:dur="1000"/>
+  <p:transition spd="med"/>
 </p:sld>
 </file>
 
 <file path=ppt/slides/slide11.xml><?xml version="1.0" encoding="utf-8"?>
-<p:sld xmlns:a="http://schemas.openxmlformats.org/drawingml/2006/main" xmlns:r="http://schemas.openxmlformats.org/officeDocument/2006/relationships" xmlns:p="http://schemas.openxmlformats.org/presentationml/2006/main" showMasterSp="1" showMasterPhAnim="1">
+<p:sld xmlns:a="http://schemas.openxmlformats.org/drawingml/2006/main" xmlns:r="http://schemas.openxmlformats.org/officeDocument/2006/relationships" xmlns:p="http://schemas.openxmlformats.org/presentationml/2006/main">
   <p:cSld>
     <p:spTree>
       <p:nvGrpSpPr>
@@ -3312,7 +3509,7 @@
           </a:ln>
           <a:extLst>
             <a:ext uri="{C572A759-6A51-4108-AA02-DFA0A04FC94B}">
-              <ma14:wrappingTextBoxFlag xmlns:ma14="http://schemas.microsoft.com/office/mac/drawingml/2011/main" val="1"/>
+              <ma14:wrappingTextBoxFlag xmlns="" xmlns:ma14="http://schemas.microsoft.com/office/mac/drawingml/2011/main" val="1"/>
             </a:ext>
           </a:extLst>
         </p:spPr>
@@ -3331,7 +3528,6 @@
             </a:lvl1pPr>
           </a:lstStyle>
           <a:p>
-            <a:pPr/>
             <a:r>
               <a:t>系統架構圖</a:t>
             </a:r>
@@ -3347,7 +3543,7 @@
           <p:nvPr/>
         </p:nvPicPr>
         <p:blipFill>
-          <a:blip r:embed="rId2">
+          <a:blip r:embed="rId3">
             <a:extLst/>
           </a:blip>
           <a:stretch>
@@ -3386,7 +3582,7 @@
           </a:ln>
           <a:extLst>
             <a:ext uri="{C572A759-6A51-4108-AA02-DFA0A04FC94B}">
-              <ma14:wrappingTextBoxFlag xmlns:ma14="http://schemas.microsoft.com/office/mac/drawingml/2011/main" val="1"/>
+              <ma14:wrappingTextBoxFlag xmlns="" xmlns:ma14="http://schemas.microsoft.com/office/mac/drawingml/2011/main" val="1"/>
             </a:ext>
           </a:extLst>
         </p:spPr>
@@ -3404,7 +3600,6 @@
             </a:lvl1pPr>
           </a:lstStyle>
           <a:p>
-            <a:pPr/>
             <a:r>
               <a:t>=</a:t>
             </a:r>
@@ -3439,6 +3634,7 @@
             <a:pPr>
               <a:defRPr sz="2400"/>
             </a:pPr>
+            <a:endParaRPr/>
           </a:p>
         </p:txBody>
       </p:sp>
@@ -3470,6 +3666,7 @@
             <a:pPr>
               <a:defRPr sz="2400"/>
             </a:pPr>
+            <a:endParaRPr/>
           </a:p>
         </p:txBody>
       </p:sp>
@@ -3478,12 +3675,12 @@
   <p:clrMapOvr>
     <a:masterClrMapping/>
   </p:clrMapOvr>
-  <p:transition xmlns:p14="http://schemas.microsoft.com/office/powerpoint/2010/main" spd="med" advClick="1" p14:dur="1000"/>
+  <p:transition spd="slow"/>
 </p:sld>
 </file>
 
 <file path=ppt/slides/slide2.xml><?xml version="1.0" encoding="utf-8"?>
-<p:sld xmlns:a="http://schemas.openxmlformats.org/drawingml/2006/main" xmlns:r="http://schemas.openxmlformats.org/officeDocument/2006/relationships" xmlns:p="http://schemas.openxmlformats.org/presentationml/2006/main" showMasterSp="1" showMasterPhAnim="1">
+<p:sld xmlns:a="http://schemas.openxmlformats.org/drawingml/2006/main" xmlns:r="http://schemas.openxmlformats.org/officeDocument/2006/relationships" xmlns:p="http://schemas.openxmlformats.org/presentationml/2006/main">
   <p:cSld>
     <p:spTree>
       <p:nvGrpSpPr>
@@ -3518,7 +3715,7 @@
           </a:ln>
           <a:extLst>
             <a:ext uri="{C572A759-6A51-4108-AA02-DFA0A04FC94B}">
-              <ma14:wrappingTextBoxFlag xmlns:ma14="http://schemas.microsoft.com/office/mac/drawingml/2011/main" val="1"/>
+              <ma14:wrappingTextBoxFlag xmlns="" xmlns:ma14="http://schemas.microsoft.com/office/mac/drawingml/2011/main" val="1"/>
             </a:ext>
           </a:extLst>
         </p:spPr>
@@ -3546,7 +3743,7 @@
               </a:defRPr>
             </a:pPr>
             <a:r>
-              <a:rPr>
+              <a:rPr dirty="0" err="1">
                 <a:latin typeface="DejaVu Sans"/>
                 <a:ea typeface="DejaVu Sans"/>
                 <a:cs typeface="DejaVu Sans"/>
@@ -3554,6 +3751,12 @@
               </a:rPr>
               <a:t>團隊建立</a:t>
             </a:r>
+            <a:endParaRPr dirty="0">
+              <a:latin typeface="DejaVu Sans"/>
+              <a:ea typeface="DejaVu Sans"/>
+              <a:cs typeface="DejaVu Sans"/>
+              <a:sym typeface="DejaVu Sans"/>
+            </a:endParaRPr>
           </a:p>
         </p:txBody>
       </p:sp>
@@ -3565,8 +3768,8 @@
         </p:nvSpPr>
         <p:spPr>
           <a:xfrm>
-            <a:off x="650495" y="6678224"/>
-            <a:ext cx="11703810" cy="2971801"/>
+            <a:off x="650495" y="6758611"/>
+            <a:ext cx="11703810" cy="2811026"/>
           </a:xfrm>
           <a:prstGeom prst="rect">
             <a:avLst/>
@@ -3576,7 +3779,7 @@
           </a:ln>
           <a:extLst>
             <a:ext uri="{C572A759-6A51-4108-AA02-DFA0A04FC94B}">
-              <ma14:wrappingTextBoxFlag xmlns:ma14="http://schemas.microsoft.com/office/mac/drawingml/2011/main" val="1"/>
+              <ma14:wrappingTextBoxFlag xmlns="" xmlns:ma14="http://schemas.microsoft.com/office/mac/drawingml/2011/main" val="1"/>
             </a:ext>
           </a:extLst>
         </p:spPr>
@@ -3598,11 +3801,12 @@
               </a:defRPr>
             </a:pPr>
             <a:r>
+              <a:rPr dirty="0"/>
               <a:t>Project Manager</a:t>
             </a:r>
           </a:p>
           <a:p>
-            <a:pPr lvl="1" marL="457200" indent="0" algn="l">
+            <a:pPr marL="457200" lvl="1" indent="0" algn="l">
               <a:buSzPct val="100000"/>
               <a:buFont typeface="Arial"/>
               <a:buChar char="•"/>
@@ -3614,8 +3818,14 @@
               </a:defRPr>
             </a:pPr>
             <a:r>
-              <a:t>賴晨禾</a:t>
-            </a:r>
+              <a:rPr dirty="0" err="1" smtClean="0"/>
+              <a:t>賴晨</a:t>
+            </a:r>
+            <a:r>
+              <a:rPr lang="zh-TW" altLang="en-US" dirty="0" smtClean="0"/>
+              <a:t>和</a:t>
+            </a:r>
+            <a:endParaRPr dirty="0"/>
           </a:p>
           <a:p>
             <a:pPr algn="l">
@@ -3630,11 +3840,12 @@
               </a:defRPr>
             </a:pPr>
             <a:r>
+              <a:rPr dirty="0"/>
               <a:t>Team Member</a:t>
             </a:r>
           </a:p>
           <a:p>
-            <a:pPr lvl="1" marL="457200" indent="0" algn="l">
+            <a:pPr marL="457200" lvl="1" indent="0" algn="l">
               <a:buSzPct val="100000"/>
               <a:buFont typeface="Arial"/>
               <a:buChar char="•"/>
@@ -3646,6 +3857,7 @@
               </a:defRPr>
             </a:pPr>
             <a:r>
+              <a:rPr dirty="0"/>
               <a:t>陳逸夫、邱天、彭麒家、鄭敬儒</a:t>
             </a:r>
           </a:p>
@@ -3685,12 +3897,12 @@
   <p:clrMapOvr>
     <a:masterClrMapping/>
   </p:clrMapOvr>
-  <p:transition xmlns:p14="http://schemas.microsoft.com/office/powerpoint/2010/main" spd="med" advClick="1" p14:dur="1000"/>
+  <p:transition spd="slow"/>
 </p:sld>
 </file>
 
 <file path=ppt/slides/slide3.xml><?xml version="1.0" encoding="utf-8"?>
-<p:sld xmlns:a="http://schemas.openxmlformats.org/drawingml/2006/main" xmlns:r="http://schemas.openxmlformats.org/officeDocument/2006/relationships" xmlns:p="http://schemas.openxmlformats.org/presentationml/2006/main" showMasterSp="1" showMasterPhAnim="1">
+<p:sld xmlns:a="http://schemas.openxmlformats.org/drawingml/2006/main" xmlns:r="http://schemas.openxmlformats.org/officeDocument/2006/relationships" xmlns:p="http://schemas.openxmlformats.org/presentationml/2006/main">
   <p:cSld>
     <p:spTree>
       <p:nvGrpSpPr>
@@ -3708,14 +3920,14 @@
       </p:grpSpPr>
       <p:sp>
         <p:nvSpPr>
-          <p:cNvPr id="127" name="Shape 127"/>
+          <p:cNvPr id="128" name="Shape 128"/>
           <p:cNvSpPr/>
           <p:nvPr/>
         </p:nvSpPr>
         <p:spPr>
           <a:xfrm>
-            <a:off x="650495" y="112269"/>
-            <a:ext cx="11703810" cy="1206501"/>
+            <a:off x="243390" y="2167002"/>
+            <a:ext cx="12355602" cy="7389671"/>
           </a:xfrm>
           <a:prstGeom prst="rect">
             <a:avLst/>
@@ -3725,135 +3937,13 @@
           </a:ln>
           <a:extLst>
             <a:ext uri="{C572A759-6A51-4108-AA02-DFA0A04FC94B}">
-              <ma14:wrappingTextBoxFlag xmlns:ma14="http://schemas.microsoft.com/office/mac/drawingml/2011/main" val="1"/>
-            </a:ext>
-          </a:extLst>
-        </p:spPr>
-        <p:txBody>
-          <a:bodyPr lIns="50800" tIns="50800" rIns="50800" bIns="50800" anchor="ctr">
-            <a:spAutoFit/>
-          </a:bodyPr>
-          <a:lstStyle>
-            <a:lvl1pPr>
-              <a:defRPr sz="6200">
-                <a:latin typeface="DejaVu Sans"/>
-                <a:ea typeface="DejaVu Sans"/>
-                <a:cs typeface="DejaVu Sans"/>
-                <a:sym typeface="DejaVu Sans"/>
-              </a:defRPr>
-            </a:lvl1pPr>
-          </a:lstStyle>
-          <a:p>
-            <a:pPr>
-              <a:defRPr>
-                <a:latin typeface="Calibri"/>
-                <a:ea typeface="Calibri"/>
-                <a:cs typeface="Calibri"/>
-                <a:sym typeface="Calibri"/>
-              </a:defRPr>
-            </a:pPr>
-            <a:r>
-              <a:rPr>
-                <a:latin typeface="DejaVu Sans"/>
-                <a:ea typeface="DejaVu Sans"/>
-                <a:cs typeface="DejaVu Sans"/>
-                <a:sym typeface="DejaVu Sans"/>
-              </a:rPr>
-              <a:t>想解決的問題</a:t>
-            </a:r>
-          </a:p>
-        </p:txBody>
-      </p:sp>
-      <p:sp>
-        <p:nvSpPr>
-          <p:cNvPr id="128" name="Shape 128"/>
-          <p:cNvSpPr/>
-          <p:nvPr/>
-        </p:nvSpPr>
-        <p:spPr>
-          <a:xfrm>
-            <a:off x="243390" y="1401028"/>
-            <a:ext cx="12355602" cy="8155646"/>
-          </a:xfrm>
-          <a:prstGeom prst="rect">
-            <a:avLst/>
-          </a:prstGeom>
-          <a:ln w="12700">
-            <a:miter lim="400000"/>
-          </a:ln>
-          <a:extLst>
-            <a:ext uri="{C572A759-6A51-4108-AA02-DFA0A04FC94B}">
-              <ma14:wrappingTextBoxFlag xmlns:ma14="http://schemas.microsoft.com/office/mac/drawingml/2011/main" val="1"/>
+              <ma14:wrappingTextBoxFlag xmlns="" xmlns:ma14="http://schemas.microsoft.com/office/mac/drawingml/2011/main" val="1"/>
             </a:ext>
           </a:extLst>
         </p:spPr>
         <p:txBody>
           <a:bodyPr lIns="50800" tIns="50800" rIns="50800" bIns="50800" anchor="ctr"/>
           <a:lstStyle/>
-          <a:p>
-            <a:pPr algn="l">
-              <a:buSzPct val="100000"/>
-              <a:buFont typeface="Arial"/>
-              <a:buChar char="•"/>
-              <a:defRPr sz="3100">
-                <a:solidFill>
-                  <a:schemeClr val="accent1">
-                    <a:hueOff val="47394"/>
-                    <a:satOff val="-25753"/>
-                    <a:lumOff val="-7544"/>
-                  </a:schemeClr>
-                </a:solidFill>
-                <a:latin typeface="Calibri"/>
-                <a:ea typeface="Calibri"/>
-                <a:cs typeface="Calibri"/>
-                <a:sym typeface="Calibri"/>
-              </a:defRPr>
-            </a:pPr>
-            <a:r>
-              <a:rPr u="sng">
-                <a:hlinkClick r:id="rId2" invalidUrl="" action="" tgtFrame="" tooltip="" history="1" highlightClick="0" endSnd="0"/>
-              </a:rPr>
-              <a:t>什麼鬼遊戲？上個廁所一千元就沒了</a:t>
-            </a:r>
-            <a:r>
-              <a:t> ( 蘋果即時新聞 2015/07/21)</a:t>
-            </a:r>
-          </a:p>
-          <a:p>
-            <a:pPr lvl="1" marL="457200" indent="0" algn="l">
-              <a:buSzPct val="100000"/>
-              <a:buFont typeface="Arial"/>
-              <a:buChar char="•"/>
-              <a:defRPr sz="2400">
-                <a:latin typeface="Calibri"/>
-                <a:ea typeface="Calibri"/>
-                <a:cs typeface="Calibri"/>
-                <a:sym typeface="Calibri"/>
-              </a:defRPr>
-            </a:pPr>
-            <a:r>
-              <a:t>一開始3百元就可以玩很久，贏的機率也很高，第一個月甚至能賣遊戲幣給幣商，賺了5萬多元，讓他以為可以藉網路賭博賺外快，開始加碼，愈玩愈大。</a:t>
-            </a:r>
-          </a:p>
-          <a:p>
-            <a:pPr lvl="1" marL="457200" indent="0" algn="l">
-              <a:buSzPct val="100000"/>
-              <a:buFont typeface="Arial"/>
-              <a:buChar char="•"/>
-              <a:defRPr sz="2400">
-                <a:latin typeface="Calibri"/>
-                <a:ea typeface="Calibri"/>
-                <a:cs typeface="Calibri"/>
-                <a:sym typeface="Calibri"/>
-              </a:defRPr>
-            </a:pPr>
-            <a:r>
-              <a:t>覺得遊戲公</a:t>
-            </a:r>
-            <a:r>
-              <a:t>司根本就是設陷阱，一開始很好中，等玩家沉迷了就把中獎機率調低。</a:t>
-            </a:r>
-          </a:p>
           <a:p>
             <a:pPr algn="l">
               <a:buSzPct val="100000"/>
@@ -3866,12 +3956,92 @@
                 <a:sym typeface="Calibri"/>
               </a:defRPr>
             </a:pPr>
-            <a:r>
-              <a:t>遊戲規則公開透明化</a:t>
-            </a:r>
-          </a:p>
-          <a:p>
-            <a:pPr lvl="1" marL="457200" indent="0" algn="l">
+            <a:endParaRPr dirty="0"/>
+          </a:p>
+        </p:txBody>
+      </p:sp>
+      <p:pic>
+        <p:nvPicPr>
+          <p:cNvPr id="11" name="圖片版面配置區 10"/>
+          <p:cNvPicPr>
+            <a:picLocks noGrp="1" noChangeAspect="1"/>
+          </p:cNvPicPr>
+          <p:nvPr>
+            <p:ph type="pic" sz="half" idx="13"/>
+          </p:nvPr>
+        </p:nvPicPr>
+        <p:blipFill>
+          <a:blip r:embed="rId2">
+            <a:extLst>
+              <a:ext uri="{28A0092B-C50C-407E-A947-70E740481C1C}">
+                <a14:useLocalDpi xmlns:a14="http://schemas.microsoft.com/office/drawing/2010/main" val="0"/>
+              </a:ext>
+            </a:extLst>
+          </a:blip>
+          <a:srcRect t="8946" b="8946"/>
+          <a:stretch>
+            <a:fillRect/>
+          </a:stretch>
+        </p:blipFill>
+        <p:spPr/>
+      </p:pic>
+      <p:sp>
+        <p:nvSpPr>
+          <p:cNvPr id="12" name="標題 11"/>
+          <p:cNvSpPr>
+            <a:spLocks noGrp="1"/>
+          </p:cNvSpPr>
+          <p:nvPr>
+            <p:ph type="title"/>
+          </p:nvPr>
+        </p:nvSpPr>
+        <p:spPr/>
+        <p:txBody>
+          <a:bodyPr>
+            <a:normAutofit/>
+          </a:bodyPr>
+          <a:lstStyle/>
+          <a:p>
+            <a:r>
+              <a:rPr lang="zh-TW" altLang="en-US" dirty="0">
+                <a:latin typeface="DejaVu Sans"/>
+                <a:ea typeface="DejaVu Sans"/>
+                <a:cs typeface="DejaVu Sans"/>
+                <a:sym typeface="DejaVu Sans"/>
+              </a:rPr>
+              <a:t>想解決的</a:t>
+            </a:r>
+            <a:r>
+              <a:rPr lang="zh-TW" altLang="en-US" dirty="0" smtClean="0">
+                <a:latin typeface="DejaVu Sans"/>
+                <a:ea typeface="DejaVu Sans"/>
+                <a:cs typeface="DejaVu Sans"/>
+                <a:sym typeface="DejaVu Sans"/>
+              </a:rPr>
+              <a:t>問題</a:t>
+            </a:r>
+            <a:endParaRPr lang="zh-TW" altLang="en-US" dirty="0"/>
+          </a:p>
+        </p:txBody>
+      </p:sp>
+      <p:sp>
+        <p:nvSpPr>
+          <p:cNvPr id="5" name="文字版面配置區 4"/>
+          <p:cNvSpPr>
+            <a:spLocks noGrp="1"/>
+          </p:cNvSpPr>
+          <p:nvPr>
+            <p:ph type="body" sz="half" idx="1"/>
+          </p:nvPr>
+        </p:nvSpPr>
+        <p:spPr/>
+        <p:txBody>
+          <a:bodyPr>
+            <a:normAutofit fontScale="92500" lnSpcReduction="10000"/>
+          </a:bodyPr>
+          <a:lstStyle/>
+          <a:p>
+            <a:pPr>
               <a:buSzPct val="100000"/>
               <a:buFont typeface="Arial"/>
               <a:buChar char="•"/>
@@ -3883,11 +4053,33 @@
               </a:defRPr>
             </a:pPr>
             <a:r>
-              <a:t>規則寫進Smart Contract</a:t>
-            </a:r>
-          </a:p>
-          <a:p>
-            <a:pPr lvl="2" marL="914400" indent="0" algn="l">
+              <a:rPr lang="zh-TW" altLang="en-US" dirty="0"/>
+              <a:t>遊戲規則公開透明化</a:t>
+            </a:r>
+          </a:p>
+          <a:p>
+            <a:pPr marL="457200" lvl="1" indent="0">
+              <a:buSzPct val="100000"/>
+              <a:buFont typeface="Arial"/>
+              <a:buChar char="•"/>
+              <a:defRPr sz="3100">
+                <a:latin typeface="Calibri"/>
+                <a:ea typeface="Calibri"/>
+                <a:cs typeface="Calibri"/>
+                <a:sym typeface="Calibri"/>
+              </a:defRPr>
+            </a:pPr>
+            <a:r>
+              <a:rPr lang="zh-TW" altLang="en-US" dirty="0"/>
+              <a:t>規則寫進</a:t>
+            </a:r>
+            <a:r>
+              <a:rPr lang="en-US" altLang="zh-TW" dirty="0"/>
+              <a:t>Smart Contract</a:t>
+            </a:r>
+          </a:p>
+          <a:p>
+            <a:pPr marL="914400" lvl="2" indent="0">
               <a:buSzPct val="100000"/>
               <a:buFont typeface="Arial"/>
               <a:buChar char="•"/>
@@ -3902,11 +4094,12 @@
               </a:defRPr>
             </a:pPr>
             <a:r>
+              <a:rPr lang="zh-TW" altLang="en-US" dirty="0"/>
               <a:t>不可串改</a:t>
             </a:r>
           </a:p>
           <a:p>
-            <a:pPr lvl="2" marL="914400" indent="0" algn="l">
+            <a:pPr marL="914400" lvl="2" indent="0">
               <a:buSzPct val="100000"/>
               <a:buFont typeface="Arial"/>
               <a:buChar char="•"/>
@@ -3921,11 +4114,12 @@
               </a:defRPr>
             </a:pPr>
             <a:r>
+              <a:rPr lang="zh-TW" altLang="en-US" dirty="0"/>
               <a:t>公開且透明</a:t>
             </a:r>
           </a:p>
           <a:p>
-            <a:pPr algn="l">
+            <a:pPr>
               <a:buSzPct val="100000"/>
               <a:buFont typeface="Arial"/>
               <a:buChar char="•"/>
@@ -3937,11 +4131,12 @@
               </a:defRPr>
             </a:pPr>
             <a:r>
+              <a:rPr lang="zh-TW" altLang="en-US" dirty="0"/>
               <a:t>帳本各自持有</a:t>
             </a:r>
           </a:p>
           <a:p>
-            <a:pPr lvl="1" marL="457200" indent="0" algn="l">
+            <a:pPr marL="457200" lvl="1" indent="0">
               <a:buSzPct val="100000"/>
               <a:buFont typeface="Arial"/>
               <a:buChar char="•"/>
@@ -3953,11 +4148,12 @@
               </a:defRPr>
             </a:pPr>
             <a:r>
+              <a:rPr lang="zh-TW" altLang="en-US" dirty="0"/>
               <a:t>不由遊戲公司持有</a:t>
             </a:r>
           </a:p>
           <a:p>
-            <a:pPr lvl="1" marL="457200" indent="0" algn="l">
+            <a:pPr marL="457200">
               <a:buSzPct val="100000"/>
               <a:buFont typeface="Arial"/>
               <a:buChar char="•"/>
@@ -3969,11 +4165,17 @@
               </a:defRPr>
             </a:pPr>
             <a:r>
-              <a:t>Base on Ethereum</a:t>
-            </a:r>
-          </a:p>
-          <a:p>
-            <a:pPr lvl="2" marL="914400" indent="0" algn="l">
+              <a:rPr lang="en-US" altLang="zh-TW" dirty="0"/>
+              <a:t>Base on </a:t>
+            </a:r>
+            <a:r>
+              <a:rPr lang="en-US" altLang="zh-TW" dirty="0" err="1"/>
+              <a:t>Ethereum</a:t>
+            </a:r>
+            <a:endParaRPr lang="en-US" altLang="zh-TW" dirty="0"/>
+          </a:p>
+          <a:p>
+            <a:pPr marL="914400" lvl="1" indent="0">
               <a:buSzPct val="100000"/>
               <a:buFont typeface="Arial"/>
               <a:buChar char="•"/>
@@ -3988,52 +4190,222 @@
               </a:defRPr>
             </a:pPr>
             <a:r>
-              <a:t>互不信任者可互相交易</a:t>
-            </a:r>
+              <a:rPr lang="zh-TW" altLang="en-US" dirty="0"/>
+              <a:t>互不信任者可互相</a:t>
+            </a:r>
+            <a:r>
+              <a:rPr lang="zh-TW" altLang="en-US" dirty="0" smtClean="0"/>
+              <a:t>交易</a:t>
+            </a:r>
+            <a:endParaRPr lang="zh-TW" altLang="en-US" dirty="0"/>
           </a:p>
         </p:txBody>
       </p:sp>
-      <p:pic>
-        <p:nvPicPr>
-          <p:cNvPr id="129" name="pasted-image.tiff"/>
-          <p:cNvPicPr>
-            <a:picLocks noChangeAspect="1"/>
-          </p:cNvPicPr>
-          <p:nvPr/>
-        </p:nvPicPr>
-        <p:blipFill>
-          <a:blip r:embed="rId3">
-            <a:extLst/>
-          </a:blip>
-          <a:srcRect l="0" t="0" r="0" b="0"/>
-          <a:stretch>
-            <a:fillRect/>
-          </a:stretch>
-        </p:blipFill>
-        <p:spPr>
-          <a:xfrm>
-            <a:off x="6550044" y="6002506"/>
-            <a:ext cx="5778835" cy="3249548"/>
-          </a:xfrm>
-          <a:prstGeom prst="rect">
-            <a:avLst/>
-          </a:prstGeom>
-          <a:ln w="12700">
-            <a:miter lim="400000"/>
-          </a:ln>
-        </p:spPr>
-      </p:pic>
     </p:spTree>
   </p:cSld>
   <p:clrMapOvr>
     <a:masterClrMapping/>
   </p:clrMapOvr>
-  <p:transition xmlns:p14="http://schemas.microsoft.com/office/powerpoint/2010/main" spd="med" advClick="1" p14:dur="1000"/>
+  <p:transition spd="slow"/>
 </p:sld>
 </file>
 
 <file path=ppt/slides/slide4.xml><?xml version="1.0" encoding="utf-8"?>
-<p:sld xmlns:a="http://schemas.openxmlformats.org/drawingml/2006/main" xmlns:r="http://schemas.openxmlformats.org/officeDocument/2006/relationships" xmlns:p="http://schemas.openxmlformats.org/presentationml/2006/main" showMasterSp="1" showMasterPhAnim="1">
+<p:sld xmlns:a="http://schemas.openxmlformats.org/drawingml/2006/main" xmlns:r="http://schemas.openxmlformats.org/officeDocument/2006/relationships" xmlns:p="http://schemas.openxmlformats.org/presentationml/2006/main">
+  <p:cSld>
+    <p:spTree>
+      <p:nvGrpSpPr>
+        <p:cNvPr id="1" name=""/>
+        <p:cNvGrpSpPr/>
+        <p:nvPr/>
+      </p:nvGrpSpPr>
+      <p:grpSpPr>
+        <a:xfrm>
+          <a:off x="0" y="0"/>
+          <a:ext cx="0" cy="0"/>
+          <a:chOff x="0" y="0"/>
+          <a:chExt cx="0" cy="0"/>
+        </a:xfrm>
+      </p:grpSpPr>
+      <p:pic>
+        <p:nvPicPr>
+          <p:cNvPr id="7" name="圖片版面配置區 6"/>
+          <p:cNvPicPr>
+            <a:picLocks noGrp="1" noChangeAspect="1"/>
+          </p:cNvPicPr>
+          <p:nvPr>
+            <p:ph type="pic" sz="half" idx="13"/>
+          </p:nvPr>
+        </p:nvPicPr>
+        <p:blipFill>
+          <a:blip r:embed="rId2">
+            <a:extLst>
+              <a:ext uri="{28A0092B-C50C-407E-A947-70E740481C1C}">
+                <a14:useLocalDpi xmlns:a14="http://schemas.microsoft.com/office/drawing/2010/main" val="0"/>
+              </a:ext>
+            </a:extLst>
+          </a:blip>
+          <a:srcRect l="17652" r="17652"/>
+          <a:stretch>
+            <a:fillRect/>
+          </a:stretch>
+        </p:blipFill>
+        <p:spPr/>
+      </p:pic>
+      <p:sp>
+        <p:nvSpPr>
+          <p:cNvPr id="2" name="標題 1"/>
+          <p:cNvSpPr>
+            <a:spLocks noGrp="1"/>
+          </p:cNvSpPr>
+          <p:nvPr>
+            <p:ph type="title"/>
+          </p:nvPr>
+        </p:nvSpPr>
+        <p:spPr/>
+        <p:txBody>
+          <a:bodyPr/>
+          <a:lstStyle/>
+          <a:p>
+            <a:r>
+              <a:rPr lang="zh-TW" altLang="en-US" dirty="0" smtClean="0"/>
+              <a:t>新聞</a:t>
+            </a:r>
+            <a:endParaRPr lang="zh-TW" altLang="en-US" dirty="0"/>
+          </a:p>
+        </p:txBody>
+      </p:sp>
+      <p:sp>
+        <p:nvSpPr>
+          <p:cNvPr id="3" name="文字版面配置區 2"/>
+          <p:cNvSpPr>
+            <a:spLocks noGrp="1"/>
+          </p:cNvSpPr>
+          <p:nvPr>
+            <p:ph type="body" sz="half" idx="1"/>
+          </p:nvPr>
+        </p:nvSpPr>
+        <p:spPr/>
+        <p:txBody>
+          <a:bodyPr/>
+          <a:lstStyle/>
+          <a:p>
+            <a:r>
+              <a:rPr lang="zh-TW" altLang="en-US" dirty="0"/>
+              <a:t>有甚麼慘得過中頭獎但空歡喜一場</a:t>
+            </a:r>
+            <a:r>
+              <a:rPr lang="zh-TW" altLang="en-US" dirty="0" smtClean="0"/>
+              <a:t>？</a:t>
+            </a:r>
+            <a:endParaRPr lang="en-US" altLang="zh-TW" dirty="0" smtClean="0"/>
+          </a:p>
+          <a:p>
+            <a:r>
+              <a:rPr lang="zh-TW" altLang="en-US" dirty="0" smtClean="0"/>
+              <a:t>美國</a:t>
+            </a:r>
+            <a:r>
+              <a:rPr lang="zh-TW" altLang="en-US" dirty="0"/>
+              <a:t>紐約一名主婦在賭場玩老虎機</a:t>
+            </a:r>
+            <a:r>
+              <a:rPr lang="zh-TW" altLang="en-US" dirty="0" smtClean="0"/>
+              <a:t>，</a:t>
+            </a:r>
+            <a:r>
+              <a:rPr lang="zh-TW" altLang="en-US" dirty="0"/>
+              <a:t>螢幕</a:t>
+            </a:r>
+            <a:r>
+              <a:rPr lang="zh-TW" altLang="en-US" dirty="0" smtClean="0"/>
+              <a:t>顯示</a:t>
+            </a:r>
+            <a:r>
+              <a:rPr lang="zh-TW" altLang="en-US" dirty="0"/>
+              <a:t>着她中了</a:t>
+            </a:r>
+            <a:r>
+              <a:rPr lang="en-US" altLang="zh-TW" dirty="0"/>
+              <a:t>42,949,672.76</a:t>
+            </a:r>
+            <a:r>
+              <a:rPr lang="zh-TW" altLang="en-US" dirty="0"/>
+              <a:t>美元</a:t>
+            </a:r>
+            <a:r>
+              <a:rPr lang="zh-TW" altLang="en-US" dirty="0" smtClean="0"/>
+              <a:t>，</a:t>
+            </a:r>
+            <a:r>
+              <a:rPr lang="zh-TW" altLang="en-US" dirty="0"/>
+              <a:t>約新台幣</a:t>
+            </a:r>
+            <a:r>
+              <a:rPr lang="en-US" altLang="zh-TW" dirty="0"/>
+              <a:t>13</a:t>
+            </a:r>
+            <a:r>
+              <a:rPr lang="zh-TW" altLang="en-US" dirty="0"/>
+              <a:t>億</a:t>
+            </a:r>
+            <a:r>
+              <a:rPr lang="en-US" altLang="zh-TW" dirty="0"/>
+              <a:t>6373</a:t>
+            </a:r>
+            <a:r>
+              <a:rPr lang="zh-TW" altLang="en-US" dirty="0"/>
+              <a:t>萬</a:t>
+            </a:r>
+            <a:r>
+              <a:rPr lang="zh-TW" altLang="en-US" dirty="0" smtClean="0"/>
+              <a:t>元的獎金。</a:t>
+            </a:r>
+            <a:endParaRPr lang="en-US" altLang="zh-TW" dirty="0" smtClean="0"/>
+          </a:p>
+          <a:p>
+            <a:r>
+              <a:rPr lang="zh-TW" altLang="en-US" dirty="0" smtClean="0"/>
+              <a:t>正當</a:t>
+            </a:r>
+            <a:r>
+              <a:rPr lang="zh-TW" altLang="en-US" dirty="0"/>
+              <a:t>她興奮不已時賭場卻說這是</a:t>
+            </a:r>
+            <a:r>
+              <a:rPr lang="zh-TW" altLang="en-US" dirty="0">
+                <a:solidFill>
+                  <a:srgbClr val="FF0000"/>
+                </a:solidFill>
+              </a:rPr>
+              <a:t>機器故障拒絕頒獎</a:t>
+            </a:r>
+            <a:r>
+              <a:rPr lang="zh-TW" altLang="en-US" dirty="0"/>
+              <a:t>，只願請她吃一餐飯補償。</a:t>
+            </a:r>
+          </a:p>
+          <a:p>
+            <a:endParaRPr lang="zh-TW" altLang="en-US" dirty="0"/>
+          </a:p>
+        </p:txBody>
+      </p:sp>
+    </p:spTree>
+    <p:extLst>
+      <p:ext uri="{BB962C8B-B14F-4D97-AF65-F5344CB8AC3E}">
+        <p14:creationId xmlns:p14="http://schemas.microsoft.com/office/powerpoint/2010/main" val="3110807702"/>
+      </p:ext>
+    </p:extLst>
+  </p:cSld>
+  <p:clrMapOvr>
+    <a:masterClrMapping/>
+  </p:clrMapOvr>
+  <p:transition spd="med"/>
+</p:sld>
+</file>
+
+<file path=ppt/slides/slide5.xml><?xml version="1.0" encoding="utf-8"?>
+<p:sld xmlns:a="http://schemas.openxmlformats.org/drawingml/2006/main" xmlns:r="http://schemas.openxmlformats.org/officeDocument/2006/relationships" xmlns:p="http://schemas.openxmlformats.org/presentationml/2006/main">
   <p:cSld>
     <p:spTree>
       <p:nvGrpSpPr>
@@ -4051,219 +4423,76 @@
       </p:grpSpPr>
       <p:sp>
         <p:nvSpPr>
-          <p:cNvPr id="131" name="Shape 131"/>
-          <p:cNvSpPr/>
+          <p:cNvPr id="5" name="標題 4"/>
+          <p:cNvSpPr>
+            <a:spLocks noGrp="1"/>
+          </p:cNvSpPr>
           <p:nvPr>
             <p:ph type="title"/>
           </p:nvPr>
         </p:nvSpPr>
+        <p:spPr/>
+        <p:txBody>
+          <a:bodyPr/>
+          <a:lstStyle/>
+          <a:p>
+            <a:r>
+              <a:rPr lang="en-US" altLang="zh-TW" dirty="0" smtClean="0"/>
+              <a:t>21</a:t>
+            </a:r>
+            <a:r>
+              <a:rPr lang="zh-TW" altLang="en-US" dirty="0"/>
+              <a:t>點</a:t>
+            </a:r>
+          </a:p>
+        </p:txBody>
+      </p:sp>
+      <p:pic>
+        <p:nvPicPr>
+          <p:cNvPr id="8" name="圖片 7"/>
+          <p:cNvPicPr>
+            <a:picLocks noChangeAspect="1"/>
+          </p:cNvPicPr>
+          <p:nvPr/>
+        </p:nvPicPr>
+        <p:blipFill>
+          <a:blip r:embed="rId3" cstate="print">
+            <a:extLst>
+              <a:ext uri="{28A0092B-C50C-407E-A947-70E740481C1C}">
+                <a14:useLocalDpi xmlns:a14="http://schemas.microsoft.com/office/drawing/2010/main" val="0"/>
+              </a:ext>
+            </a:extLst>
+          </a:blip>
+          <a:stretch>
+            <a:fillRect/>
+          </a:stretch>
+        </p:blipFill>
         <p:spPr>
           <a:xfrm>
-            <a:off x="952500" y="23142"/>
-            <a:ext cx="11099800" cy="1388252"/>
+            <a:off x="1761559" y="2600488"/>
+            <a:ext cx="9481681" cy="6289512"/>
           </a:xfrm>
           <a:prstGeom prst="rect">
             <a:avLst/>
           </a:prstGeom>
         </p:spPr>
-        <p:txBody>
-          <a:bodyPr/>
-          <a:lstStyle/>
-          <a:p>
-            <a:pPr/>
-            <a:r>
-              <a:t>Rules</a:t>
-            </a:r>
-          </a:p>
-        </p:txBody>
-      </p:sp>
-      <p:sp>
-        <p:nvSpPr>
-          <p:cNvPr id="132" name="Shape 132"/>
-          <p:cNvSpPr/>
-          <p:nvPr>
-            <p:ph type="body" idx="1"/>
-          </p:nvPr>
-        </p:nvSpPr>
-        <p:spPr>
-          <a:xfrm>
-            <a:off x="327518" y="1282699"/>
-            <a:ext cx="12349764" cy="8297688"/>
-          </a:xfrm>
-          <a:prstGeom prst="rect">
-            <a:avLst/>
-          </a:prstGeom>
-        </p:spPr>
-        <p:txBody>
-          <a:bodyPr/>
-          <a:lstStyle/>
-          <a:p>
-            <a:pPr marL="217804" indent="-217804" defTabSz="286258">
-              <a:spcBef>
-                <a:spcPts val="2000"/>
-              </a:spcBef>
-              <a:defRPr sz="1764"/>
-            </a:pPr>
-            <a:r>
-              <a:t>牌值計算</a:t>
-            </a:r>
-          </a:p>
-          <a:p>
-            <a:pPr lvl="1" marL="435609" indent="-217804" defTabSz="286258">
-              <a:spcBef>
-                <a:spcPts val="2000"/>
-              </a:spcBef>
-              <a:defRPr sz="1764"/>
-            </a:pPr>
-            <a:r>
-              <a:t>2 至 10 的牌以牌面的點數計算,J、Q、K 每張為 10 點。</a:t>
-            </a:r>
-          </a:p>
-          <a:p>
-            <a:pPr lvl="1" marL="435609" indent="-217804" defTabSz="286258">
-              <a:spcBef>
-                <a:spcPts val="2000"/>
-              </a:spcBef>
-              <a:defRPr sz="1764"/>
-            </a:pPr>
-            <a:r>
-              <a:t>A 為11點,若玩家會因 A 而爆牌則 A 可算為 1 點。</a:t>
-            </a:r>
-          </a:p>
-          <a:p>
-            <a:pPr marL="217804" indent="-217804" defTabSz="286258">
-              <a:spcBef>
-                <a:spcPts val="2000"/>
-              </a:spcBef>
-              <a:defRPr sz="1764"/>
-            </a:pPr>
-            <a:r>
-              <a:t>發牌</a:t>
-            </a:r>
-          </a:p>
-          <a:p>
-            <a:pPr lvl="1" marL="435609" indent="-217804" defTabSz="286258">
-              <a:spcBef>
-                <a:spcPts val="2000"/>
-              </a:spcBef>
-              <a:defRPr sz="1764"/>
-            </a:pPr>
-            <a:r>
-              <a:t>莊家會以順時鐘方向向眾閒家派發一張暗牌,然後向自己派發一張暗,接著</a:t>
-            </a:r>
-          </a:p>
-          <a:p>
-            <a:pPr lvl="1" marL="435609" indent="-217804" defTabSz="286258">
-              <a:spcBef>
-                <a:spcPts val="2000"/>
-              </a:spcBef>
-              <a:defRPr sz="1764"/>
-            </a:pPr>
-            <a:r>
-              <a:t>莊家會以順時鐘方向向眾閒家派發一張明牌,之後又向自己派發一張明牌。</a:t>
-            </a:r>
-          </a:p>
-          <a:p>
-            <a:pPr lvl="1" marL="435609" indent="-217804" defTabSz="286258">
-              <a:spcBef>
-                <a:spcPts val="2000"/>
-              </a:spcBef>
-              <a:defRPr sz="1764"/>
-            </a:pPr>
-            <a:r>
-              <a:t>當眾人手上各擁一張暗牌和一張明牌,莊家就以順時鐘方向逐位閒家詢問是 否再要牌(以明牌方式派發)</a:t>
-            </a:r>
-          </a:p>
-          <a:p>
-            <a:pPr marL="217804" indent="-217804" defTabSz="286258">
-              <a:spcBef>
-                <a:spcPts val="2000"/>
-              </a:spcBef>
-              <a:defRPr sz="1764"/>
-            </a:pPr>
-            <a:r>
-              <a:t>保險</a:t>
-            </a:r>
-          </a:p>
-          <a:p>
-            <a:pPr lvl="1" marL="435609" indent="-217804" defTabSz="286258">
-              <a:spcBef>
-                <a:spcPts val="2000"/>
-              </a:spcBef>
-              <a:defRPr sz="1764"/>
-            </a:pPr>
-            <a:r>
-              <a:t>莊家的明牌是 A 或是價值為 10 的牌,莊家會 確認他的暗牌是否會形成二十一點。這項確認會在任何玩家出手之前進行, 但進行前會先詢問玩家是否需要「保險」</a:t>
-            </a:r>
-          </a:p>
-          <a:p>
-            <a:pPr lvl="1" marL="435609" indent="-217804" defTabSz="286258">
-              <a:spcBef>
-                <a:spcPts val="2000"/>
-              </a:spcBef>
-              <a:defRPr sz="1764"/>
-            </a:pPr>
-            <a:r>
-              <a:t>閒家可以外加注碼的一半買保險,如果莊家不是 21 點便會沒收保險金,如是 21 點便以注碼的一倍半賠償。</a:t>
-            </a:r>
-          </a:p>
-          <a:p>
-            <a:pPr marL="217804" indent="-217804" defTabSz="286258">
-              <a:spcBef>
-                <a:spcPts val="2000"/>
-              </a:spcBef>
-              <a:defRPr sz="1764"/>
-            </a:pPr>
-            <a:r>
-              <a:t>點數決勝</a:t>
-            </a:r>
-          </a:p>
-          <a:p>
-            <a:pPr lvl="1" marL="435609" indent="-217804" defTabSz="286258">
-              <a:spcBef>
-                <a:spcPts val="2000"/>
-              </a:spcBef>
-              <a:defRPr sz="1764"/>
-            </a:pPr>
-            <a:r>
-              <a:t>莊家最終沒有爆煲的話,原來沒有爆煲的眾閒家便要揭開手上所有的 牌,比較點數決定誰勝誰負,點數較大的取勝。</a:t>
-            </a:r>
-          </a:p>
-          <a:p>
-            <a:pPr marL="217804" indent="-217804" defTabSz="286258">
-              <a:spcBef>
-                <a:spcPts val="2000"/>
-              </a:spcBef>
-              <a:defRPr sz="1764"/>
-            </a:pPr>
-            <a:r>
-              <a:t>閒家例牌先報到</a:t>
-            </a:r>
-          </a:p>
-          <a:p>
-            <a:pPr lvl="1" marL="435609" indent="-217804" defTabSz="286258">
-              <a:spcBef>
-                <a:spcPts val="2000"/>
-              </a:spcBef>
-              <a:defRPr sz="1764"/>
-            </a:pPr>
-            <a:r>
-              <a:t>若某閒家例牌,必須向立即莊家揭開手上所有的牌(即俗稱報到),莊家亦必 須向該擁有例牌的閒家賠上一定注碼。</a:t>
-            </a:r>
-          </a:p>
-        </p:txBody>
-      </p:sp>
+      </p:pic>
     </p:spTree>
+    <p:extLst>
+      <p:ext uri="{BB962C8B-B14F-4D97-AF65-F5344CB8AC3E}">
+        <p14:creationId xmlns:p14="http://schemas.microsoft.com/office/powerpoint/2010/main" val="2722484344"/>
+      </p:ext>
+    </p:extLst>
   </p:cSld>
   <p:clrMapOvr>
     <a:masterClrMapping/>
   </p:clrMapOvr>
-  <p:transition xmlns:p14="http://schemas.microsoft.com/office/powerpoint/2010/main" spd="med" advClick="1" p14:dur="1000"/>
+  <p:transition spd="med"/>
 </p:sld>
 </file>
 
-<file path=ppt/slides/slide5.xml><?xml version="1.0" encoding="utf-8"?>
-<p:sld xmlns:a="http://schemas.openxmlformats.org/drawingml/2006/main" xmlns:r="http://schemas.openxmlformats.org/officeDocument/2006/relationships" xmlns:p="http://schemas.openxmlformats.org/presentationml/2006/main" showMasterSp="1" showMasterPhAnim="1">
+<file path=ppt/slides/slide6.xml><?xml version="1.0" encoding="utf-8"?>
+<p:sld xmlns:a="http://schemas.openxmlformats.org/drawingml/2006/main" xmlns:r="http://schemas.openxmlformats.org/officeDocument/2006/relationships" xmlns:p="http://schemas.openxmlformats.org/presentationml/2006/main">
   <p:cSld>
     <p:spTree>
       <p:nvGrpSpPr>
@@ -4281,209 +4510,334 @@
       </p:grpSpPr>
       <p:sp>
         <p:nvSpPr>
-          <p:cNvPr id="134" name="Shape 134"/>
-          <p:cNvSpPr/>
+          <p:cNvPr id="2" name="標題 1"/>
+          <p:cNvSpPr>
+            <a:spLocks noGrp="1"/>
+          </p:cNvSpPr>
           <p:nvPr>
             <p:ph type="title"/>
           </p:nvPr>
         </p:nvSpPr>
-        <p:spPr>
-          <a:xfrm>
-            <a:off x="952500" y="75635"/>
-            <a:ext cx="11099800" cy="1335759"/>
-          </a:xfrm>
-          <a:prstGeom prst="rect">
-            <a:avLst/>
-          </a:prstGeom>
-        </p:spPr>
+        <p:spPr/>
         <p:txBody>
-          <a:bodyPr/>
-          <a:lstStyle>
-            <a:lvl1pPr defTabSz="502412">
-              <a:defRPr sz="6880"/>
-            </a:lvl1pPr>
-          </a:lstStyle>
-          <a:p>
-            <a:pPr/>
-            <a:r>
-              <a:t>Rules 例牌</a:t>
-            </a:r>
+          <a:bodyPr>
+            <a:normAutofit/>
+          </a:bodyPr>
+          <a:lstStyle/>
+          <a:p>
+            <a:r>
+              <a:rPr lang="en-US" altLang="zh-TW" dirty="0"/>
+              <a:t>Elevator </a:t>
+            </a:r>
+            <a:r>
+              <a:rPr lang="en-US" altLang="zh-TW" dirty="0" smtClean="0"/>
+              <a:t>Pitch</a:t>
+            </a:r>
+            <a:endParaRPr lang="zh-TW" altLang="en-US" dirty="0"/>
           </a:p>
         </p:txBody>
       </p:sp>
       <p:sp>
         <p:nvSpPr>
-          <p:cNvPr id="135" name="Shape 135"/>
-          <p:cNvSpPr/>
+          <p:cNvPr id="3" name="文字版面配置區 2"/>
+          <p:cNvSpPr>
+            <a:spLocks noGrp="1"/>
+          </p:cNvSpPr>
           <p:nvPr>
             <p:ph type="body" idx="1"/>
           </p:nvPr>
         </p:nvSpPr>
-        <p:spPr>
-          <a:xfrm>
-            <a:off x="176741" y="1196622"/>
-            <a:ext cx="12651318" cy="8389550"/>
-          </a:xfrm>
-          <a:prstGeom prst="rect">
-            <a:avLst/>
-          </a:prstGeom>
-        </p:spPr>
+        <p:spPr/>
         <p:txBody>
-          <a:bodyPr/>
+          <a:bodyPr>
+            <a:normAutofit fontScale="77500" lnSpcReduction="20000"/>
+          </a:bodyPr>
           <a:lstStyle/>
           <a:p>
-            <a:pPr marL="208915" indent="-208915" defTabSz="274574">
-              <a:spcBef>
-                <a:spcPts val="1900"/>
-              </a:spcBef>
-              <a:defRPr sz="1692"/>
+            <a:pPr>
+              <a:defRPr sz="4400">
+                <a:latin typeface="Calibri"/>
+                <a:ea typeface="Calibri"/>
+                <a:cs typeface="Calibri"/>
+                <a:sym typeface="Calibri"/>
+              </a:defRPr>
             </a:pPr>
             <a:r>
-              <a:t>blackjack</a:t>
-            </a:r>
-          </a:p>
-          <a:p>
-            <a:pPr lvl="1" marL="417830" indent="-208915" defTabSz="274574">
-              <a:spcBef>
-                <a:spcPts val="1900"/>
-              </a:spcBef>
-              <a:defRPr sz="1692"/>
+              <a:rPr lang="zh-TW" altLang="en-US" dirty="0">
+                <a:latin typeface="DejaVu Sans"/>
+                <a:ea typeface="DejaVu Sans"/>
+                <a:cs typeface="DejaVu Sans"/>
+                <a:sym typeface="DejaVu Sans"/>
+              </a:rPr>
+              <a:t>針對</a:t>
+            </a:r>
+            <a:r>
+              <a:rPr lang="zh-TW" altLang="en-US" u="sng" dirty="0">
+                <a:solidFill>
+                  <a:schemeClr val="accent5"/>
+                </a:solidFill>
+              </a:rPr>
+              <a:t>網路賭博性電玩</a:t>
+            </a:r>
+            <a:r>
+              <a:rPr lang="zh-TW" altLang="en-US" dirty="0">
+                <a:latin typeface="DejaVu Sans"/>
+                <a:ea typeface="DejaVu Sans"/>
+                <a:cs typeface="DejaVu Sans"/>
+                <a:sym typeface="DejaVu Sans"/>
+              </a:rPr>
+              <a:t>客群</a:t>
+            </a:r>
+          </a:p>
+          <a:p>
+            <a:pPr>
+              <a:defRPr sz="4400">
+                <a:latin typeface="Calibri"/>
+                <a:ea typeface="Calibri"/>
+                <a:cs typeface="Calibri"/>
+                <a:sym typeface="Calibri"/>
+              </a:defRPr>
             </a:pPr>
             <a:r>
-              <a:t>兩張牌點數相加為 21(一張 A 再加一張價值 10 點的牌)稱為「二十一點」 (blackjack),擁有這副牌的玩家即自動成為贏家(如非莊家也同時持有二十 一點)。擁有二十一點的玩家可贏得下注籌碼的 1.5 倍。</a:t>
-            </a:r>
-          </a:p>
-          <a:p>
-            <a:pPr marL="208915" indent="-208915" defTabSz="274574">
-              <a:spcBef>
-                <a:spcPts val="1900"/>
-              </a:spcBef>
-              <a:defRPr sz="1692"/>
+              <a:rPr lang="zh-TW" altLang="en-US" dirty="0">
+                <a:latin typeface="DejaVu Sans"/>
+                <a:ea typeface="DejaVu Sans"/>
+                <a:cs typeface="DejaVu Sans"/>
+                <a:sym typeface="DejaVu Sans"/>
+              </a:rPr>
+              <a:t>有</a:t>
+            </a:r>
+            <a:r>
+              <a:rPr lang="zh-TW" altLang="en-US" u="sng" dirty="0">
+                <a:solidFill>
+                  <a:schemeClr val="accent5"/>
+                </a:solidFill>
+                <a:latin typeface="Calibri"/>
+                <a:ea typeface="DejaVu Sans"/>
+                <a:cs typeface="Calibri"/>
+                <a:sym typeface="Calibri"/>
+              </a:rPr>
+              <a:t>公平、公開、公正</a:t>
+            </a:r>
+            <a:r>
+              <a:rPr lang="zh-TW" altLang="en-US" u="sng" dirty="0">
+                <a:solidFill>
+                  <a:schemeClr val="accent5"/>
+                </a:solidFill>
+              </a:rPr>
+              <a:t>賭場規則</a:t>
+            </a:r>
+            <a:r>
+              <a:rPr lang="zh-TW" altLang="en-US" dirty="0">
+                <a:latin typeface="DejaVu Sans"/>
+                <a:ea typeface="DejaVu Sans"/>
+                <a:cs typeface="DejaVu Sans"/>
+                <a:sym typeface="DejaVu Sans"/>
+              </a:rPr>
+              <a:t>的需要</a:t>
+            </a:r>
+          </a:p>
+          <a:p>
+            <a:pPr>
+              <a:defRPr sz="4400">
+                <a:latin typeface="Calibri"/>
+                <a:ea typeface="Calibri"/>
+                <a:cs typeface="Calibri"/>
+                <a:sym typeface="Calibri"/>
+              </a:defRPr>
             </a:pPr>
             <a:r>
-              <a:t>SPLIT</a:t>
-            </a:r>
-          </a:p>
-          <a:p>
-            <a:pPr lvl="1" marL="417830" indent="-208915" defTabSz="274574">
-              <a:spcBef>
-                <a:spcPts val="1900"/>
-              </a:spcBef>
-              <a:defRPr sz="1692"/>
+              <a:rPr lang="zh-TW" altLang="en-US" dirty="0">
+                <a:latin typeface="DejaVu Sans"/>
+                <a:ea typeface="DejaVu Sans"/>
+                <a:cs typeface="DejaVu Sans"/>
+                <a:sym typeface="DejaVu Sans"/>
+              </a:rPr>
+              <a:t>我們推出的</a:t>
+            </a:r>
+            <a:r>
+              <a:rPr lang="zh-TW" altLang="en-US" u="sng" dirty="0">
+                <a:solidFill>
+                  <a:schemeClr val="accent5"/>
+                </a:solidFill>
+              </a:rPr>
+              <a:t>去中心化賭博電</a:t>
+            </a:r>
+            <a:r>
+              <a:rPr lang="en-US" altLang="zh-TW" u="sng" dirty="0">
+                <a:solidFill>
+                  <a:schemeClr val="accent5"/>
+                </a:solidFill>
+              </a:rPr>
+              <a:t>(</a:t>
+            </a:r>
+            <a:r>
+              <a:rPr lang="en-US" altLang="zh-TW" u="sng" dirty="0" err="1">
+                <a:solidFill>
+                  <a:schemeClr val="accent5"/>
+                </a:solidFill>
+              </a:rPr>
+              <a:t>BlackJack</a:t>
+            </a:r>
+            <a:r>
+              <a:rPr lang="en-US" altLang="zh-TW" u="sng" dirty="0">
+                <a:solidFill>
+                  <a:schemeClr val="accent5"/>
+                </a:solidFill>
+              </a:rPr>
+              <a:t>)</a:t>
+            </a:r>
+          </a:p>
+          <a:p>
+            <a:pPr>
+              <a:defRPr sz="4400">
+                <a:latin typeface="Calibri"/>
+                <a:ea typeface="Calibri"/>
+                <a:cs typeface="Calibri"/>
+                <a:sym typeface="Calibri"/>
+              </a:defRPr>
             </a:pPr>
             <a:r>
-              <a:t>玩家將與原本注碼金額相等的籌碼加注到桌上,並將一開始的兩張牌分拆成兩手。</a:t>
-            </a:r>
-          </a:p>
-          <a:p>
-            <a:pPr lvl="1" marL="417830" indent="-208915" defTabSz="274574">
-              <a:spcBef>
-                <a:spcPts val="1900"/>
-              </a:spcBef>
-              <a:defRPr sz="1692"/>
+              <a:rPr lang="zh-TW" altLang="en-US" dirty="0">
+                <a:latin typeface="DejaVu Sans"/>
+                <a:ea typeface="DejaVu Sans"/>
+                <a:cs typeface="DejaVu Sans"/>
+                <a:sym typeface="DejaVu Sans"/>
+              </a:rPr>
+              <a:t>是一種</a:t>
+            </a:r>
+            <a:r>
+              <a:rPr lang="zh-TW" altLang="en-US" u="sng" dirty="0">
+                <a:solidFill>
+                  <a:schemeClr val="accent5"/>
+                </a:solidFill>
+              </a:rPr>
+              <a:t>規則公開化的遊戲平台</a:t>
+            </a:r>
+          </a:p>
+          <a:p>
+            <a:pPr>
+              <a:defRPr sz="4400">
+                <a:latin typeface="Calibri"/>
+                <a:ea typeface="Calibri"/>
+                <a:cs typeface="Calibri"/>
+                <a:sym typeface="Calibri"/>
+              </a:defRPr>
             </a:pPr>
             <a:r>
-              <a:t>一開始的兩張牌必須點數價值相等才能分拆。在已經分拆的牌中,一張 A 和一張價值十點的牌只等於 21 點的點數,但非 Blackjack。</a:t>
-            </a:r>
-          </a:p>
-          <a:p>
-            <a:pPr lvl="1" marL="417830" indent="-208915" defTabSz="274574">
-              <a:spcBef>
-                <a:spcPts val="1900"/>
-              </a:spcBef>
-              <a:defRPr sz="1692"/>
+              <a:rPr lang="zh-TW" altLang="en-US" dirty="0">
+                <a:latin typeface="DejaVu Sans"/>
+                <a:ea typeface="DejaVu Sans"/>
+                <a:cs typeface="DejaVu Sans"/>
+                <a:sym typeface="DejaVu Sans"/>
+              </a:rPr>
+              <a:t>除了提供 </a:t>
+            </a:r>
+            <a:r>
+              <a:rPr lang="zh-TW" altLang="en-US" dirty="0">
+                <a:solidFill>
+                  <a:srgbClr val="FF0000"/>
+                </a:solidFill>
+                <a:latin typeface="DejaVu Sans"/>
+                <a:ea typeface="DejaVu Sans"/>
+                <a:cs typeface="DejaVu Sans"/>
+                <a:sym typeface="DejaVu Sans"/>
+              </a:rPr>
+              <a:t>線上</a:t>
+            </a:r>
+            <a:r>
+              <a:rPr lang="zh-TW" altLang="en-US" u="sng" dirty="0">
+                <a:solidFill>
+                  <a:schemeClr val="accent5"/>
+                </a:solidFill>
+              </a:rPr>
+              <a:t>遊戲平台</a:t>
+            </a:r>
+            <a:r>
+              <a:rPr lang="zh-TW" altLang="en-US" dirty="0">
+                <a:latin typeface="DejaVu Sans"/>
+                <a:ea typeface="DejaVu Sans"/>
+                <a:cs typeface="DejaVu Sans"/>
+                <a:sym typeface="DejaVu Sans"/>
+              </a:rPr>
+              <a:t> 外</a:t>
+            </a:r>
+          </a:p>
+          <a:p>
+            <a:pPr>
+              <a:defRPr sz="4400">
+                <a:latin typeface="Calibri"/>
+                <a:ea typeface="Calibri"/>
+                <a:cs typeface="Calibri"/>
+                <a:sym typeface="Calibri"/>
+              </a:defRPr>
             </a:pPr>
             <a:r>
-              <a:t>分拆一對 A 後,玩家只能為每一張 A 多 拿一張牌。</a:t>
-            </a:r>
-          </a:p>
-          <a:p>
-            <a:pPr marL="208915" indent="-208915" defTabSz="274574">
-              <a:spcBef>
-                <a:spcPts val="1900"/>
-              </a:spcBef>
-              <a:defRPr sz="1692"/>
+              <a:rPr lang="zh-TW" altLang="en-US" dirty="0">
+                <a:latin typeface="DejaVu Sans"/>
+                <a:ea typeface="DejaVu Sans"/>
+                <a:cs typeface="DejaVu Sans"/>
+                <a:sym typeface="DejaVu Sans"/>
+              </a:rPr>
+              <a:t>比</a:t>
+            </a:r>
+            <a:r>
+              <a:rPr lang="zh-TW" altLang="en-US" u="sng" dirty="0">
+                <a:solidFill>
+                  <a:schemeClr val="accent5"/>
+                </a:solidFill>
+              </a:rPr>
+              <a:t>傳統遊戲市場</a:t>
+            </a:r>
+            <a:r>
+              <a:rPr lang="zh-TW" altLang="en-US" dirty="0">
+                <a:latin typeface="DejaVu Sans"/>
+                <a:ea typeface="DejaVu Sans"/>
+                <a:cs typeface="DejaVu Sans"/>
+                <a:sym typeface="DejaVu Sans"/>
+              </a:rPr>
+              <a:t>還優的是</a:t>
+            </a:r>
+          </a:p>
+          <a:p>
+            <a:pPr>
+              <a:defRPr sz="4400">
+                <a:latin typeface="Calibri"/>
+                <a:ea typeface="Calibri"/>
+                <a:cs typeface="Calibri"/>
+                <a:sym typeface="Calibri"/>
+              </a:defRPr>
             </a:pPr>
             <a:r>
-              <a:t>DOUBLE</a:t>
-            </a:r>
-          </a:p>
-          <a:p>
-            <a:pPr lvl="1" marL="417830" indent="-208915" defTabSz="274574">
-              <a:spcBef>
-                <a:spcPts val="1900"/>
-              </a:spcBef>
-              <a:defRPr sz="1692"/>
-            </a:pPr>
-            <a:r>
-              <a:t>如閒家首兩張牌點數之和為 11 點,可以選擇加倍投注,但加注後僅獲發 1 張 牌。</a:t>
-            </a:r>
-          </a:p>
-          <a:p>
-            <a:pPr marL="208915" indent="-208915" defTabSz="274574">
-              <a:spcBef>
-                <a:spcPts val="1900"/>
-              </a:spcBef>
-              <a:defRPr sz="1692"/>
-            </a:pPr>
-            <a:r>
-              <a:t>同花順</a:t>
-            </a:r>
-          </a:p>
-          <a:p>
-            <a:pPr lvl="1" marL="417830" indent="-208915" defTabSz="274574">
-              <a:spcBef>
-                <a:spcPts val="1900"/>
-              </a:spcBef>
-              <a:defRPr sz="1692"/>
-            </a:pPr>
-            <a:r>
-              <a:t>即玩家的牌面是同花的「6、7、8」便可即收 3 倍的彩金。</a:t>
-            </a:r>
-          </a:p>
-          <a:p>
-            <a:pPr marL="208915" indent="-208915" defTabSz="274574">
-              <a:spcBef>
-                <a:spcPts val="1900"/>
-              </a:spcBef>
-              <a:defRPr sz="1692"/>
-            </a:pPr>
-            <a:r>
-              <a:t>五龍</a:t>
-            </a:r>
-          </a:p>
-          <a:p>
-            <a:pPr lvl="1" marL="417830" indent="-208915" defTabSz="274574">
-              <a:spcBef>
-                <a:spcPts val="1900"/>
-              </a:spcBef>
-              <a:defRPr sz="1692"/>
-            </a:pPr>
-            <a:r>
-              <a:t>如果閒家要牌直至手上有 5 張牌而又沒有爆牌,這副牌叫做五龍(過五關), 該閒家可向莊家報到,莊家須向該閒家賠上 2 倍注碼。</a:t>
-            </a:r>
-          </a:p>
-          <a:p>
-            <a:pPr marL="208915" indent="-208915" defTabSz="274574">
-              <a:spcBef>
-                <a:spcPts val="1900"/>
-              </a:spcBef>
-              <a:defRPr sz="1692"/>
-            </a:pPr>
-            <a:r>
-              <a:t>莊家食夾棍</a:t>
-            </a:r>
-          </a:p>
-          <a:p>
-            <a:pPr lvl="1" marL="417830" indent="-208915" defTabSz="274574">
-              <a:spcBef>
-                <a:spcPts val="1900"/>
-              </a:spcBef>
-              <a:defRPr sz="1692"/>
-            </a:pPr>
-            <a:r>
-              <a:t>若莊家和眾閒家要以點數決勝(各方都沒有出現爆的情況),若該閒家和莊 家手上所擁有的牌的總點數一樣的話,算莊家取勝,即俗稱莊家食夾棍,該 閒家的注碼會歸莊家。</a:t>
-            </a:r>
+              <a:rPr lang="zh-TW" altLang="en-US" dirty="0">
+                <a:latin typeface="DejaVu Sans"/>
+                <a:ea typeface="DejaVu Sans"/>
+                <a:cs typeface="DejaVu Sans"/>
+                <a:sym typeface="DejaVu Sans"/>
+              </a:rPr>
+              <a:t>我們還可以 </a:t>
+            </a:r>
+            <a:r>
+              <a:rPr lang="zh-TW" altLang="en-US" u="sng" dirty="0">
+                <a:solidFill>
+                  <a:schemeClr val="accent5"/>
+                </a:solidFill>
+              </a:rPr>
+              <a:t>確保遊戲難易度不被</a:t>
+            </a:r>
+            <a:r>
+              <a:rPr lang="zh-TW" altLang="en-US" u="sng" dirty="0" smtClean="0">
+                <a:solidFill>
+                  <a:schemeClr val="accent5"/>
+                </a:solidFill>
+              </a:rPr>
+              <a:t>篡改</a:t>
+            </a:r>
+            <a:endParaRPr lang="zh-TW" altLang="en-US" u="sng" dirty="0">
+              <a:solidFill>
+                <a:schemeClr val="accent5"/>
+              </a:solidFill>
+            </a:endParaRPr>
           </a:p>
         </p:txBody>
       </p:sp>
@@ -4492,362 +4846,12 @@
   <p:clrMapOvr>
     <a:masterClrMapping/>
   </p:clrMapOvr>
-  <p:transition xmlns:p14="http://schemas.microsoft.com/office/powerpoint/2010/main" spd="med" advClick="1" p14:dur="1000"/>
-</p:sld>
-</file>
-
-<file path=ppt/slides/slide6.xml><?xml version="1.0" encoding="utf-8"?>
-<p:sld xmlns:a="http://schemas.openxmlformats.org/drawingml/2006/main" xmlns:r="http://schemas.openxmlformats.org/officeDocument/2006/relationships" xmlns:p="http://schemas.openxmlformats.org/presentationml/2006/main" showMasterSp="1" showMasterPhAnim="1">
-  <p:cSld>
-    <p:spTree>
-      <p:nvGrpSpPr>
-        <p:cNvPr id="1" name=""/>
-        <p:cNvGrpSpPr/>
-        <p:nvPr/>
-      </p:nvGrpSpPr>
-      <p:grpSpPr>
-        <a:xfrm>
-          <a:off x="0" y="0"/>
-          <a:ext cx="0" cy="0"/>
-          <a:chOff x="0" y="0"/>
-          <a:chExt cx="0" cy="0"/>
-        </a:xfrm>
-      </p:grpSpPr>
-      <p:sp>
-        <p:nvSpPr>
-          <p:cNvPr id="137" name="Shape 137"/>
-          <p:cNvSpPr/>
-          <p:nvPr/>
-        </p:nvSpPr>
-        <p:spPr>
-          <a:xfrm>
-            <a:off x="650239" y="695199"/>
-            <a:ext cx="11703810" cy="1016001"/>
-          </a:xfrm>
-          <a:prstGeom prst="rect">
-            <a:avLst/>
-          </a:prstGeom>
-          <a:ln w="12700">
-            <a:miter lim="400000"/>
-          </a:ln>
-          <a:extLst>
-            <a:ext uri="{C572A759-6A51-4108-AA02-DFA0A04FC94B}">
-              <ma14:wrappingTextBoxFlag xmlns:ma14="http://schemas.microsoft.com/office/mac/drawingml/2011/main" val="1"/>
-            </a:ext>
-          </a:extLst>
-        </p:spPr>
-        <p:txBody>
-          <a:bodyPr lIns="50800" tIns="50800" rIns="50800" bIns="50800" anchor="ctr">
-            <a:spAutoFit/>
-          </a:bodyPr>
-          <a:lstStyle>
-            <a:lvl1pPr>
-              <a:defRPr sz="6200">
-                <a:latin typeface="Calibri"/>
-                <a:ea typeface="Calibri"/>
-                <a:cs typeface="Calibri"/>
-                <a:sym typeface="Calibri"/>
-              </a:defRPr>
-            </a:lvl1pPr>
-          </a:lstStyle>
-          <a:p>
-            <a:pPr/>
-            <a:r>
-              <a:t>Elevator Pitch</a:t>
-            </a:r>
-          </a:p>
-        </p:txBody>
-      </p:sp>
-      <p:sp>
-        <p:nvSpPr>
-          <p:cNvPr id="138" name="Shape 138"/>
-          <p:cNvSpPr/>
-          <p:nvPr/>
-        </p:nvSpPr>
-        <p:spPr>
-          <a:xfrm>
-            <a:off x="650495" y="2211505"/>
-            <a:ext cx="11703810" cy="5727959"/>
-          </a:xfrm>
-          <a:prstGeom prst="rect">
-            <a:avLst/>
-          </a:prstGeom>
-          <a:ln w="12700">
-            <a:miter lim="400000"/>
-          </a:ln>
-          <a:extLst>
-            <a:ext uri="{C572A759-6A51-4108-AA02-DFA0A04FC94B}">
-              <ma14:wrappingTextBoxFlag xmlns:ma14="http://schemas.microsoft.com/office/mac/drawingml/2011/main" val="1"/>
-            </a:ext>
-          </a:extLst>
-        </p:spPr>
-        <p:txBody>
-          <a:bodyPr lIns="50800" tIns="50800" rIns="50800" bIns="50800" anchor="ctr">
-            <a:spAutoFit/>
-          </a:bodyPr>
-          <a:lstStyle/>
-          <a:p>
-            <a:pPr algn="l">
-              <a:defRPr sz="4400">
-                <a:latin typeface="Calibri"/>
-                <a:ea typeface="Calibri"/>
-                <a:cs typeface="Calibri"/>
-                <a:sym typeface="Calibri"/>
-              </a:defRPr>
-            </a:pPr>
-            <a:r>
-              <a:rPr>
-                <a:latin typeface="DejaVu Sans"/>
-                <a:ea typeface="DejaVu Sans"/>
-                <a:cs typeface="DejaVu Sans"/>
-                <a:sym typeface="DejaVu Sans"/>
-              </a:rPr>
-              <a:t>針對</a:t>
-            </a:r>
-            <a:r>
-              <a:rPr u="sng">
-                <a:solidFill>
-                  <a:schemeClr val="accent5"/>
-                </a:solidFill>
-              </a:rPr>
-              <a:t>網路賭博性電玩</a:t>
-            </a:r>
-            <a:r>
-              <a:rPr>
-                <a:latin typeface="DejaVu Sans"/>
-                <a:ea typeface="DejaVu Sans"/>
-                <a:cs typeface="DejaVu Sans"/>
-                <a:sym typeface="DejaVu Sans"/>
-              </a:rPr>
-              <a:t>客群</a:t>
-            </a:r>
-            <a:endParaRPr>
-              <a:latin typeface="DejaVu Sans"/>
-              <a:ea typeface="DejaVu Sans"/>
-              <a:cs typeface="DejaVu Sans"/>
-              <a:sym typeface="DejaVu Sans"/>
-            </a:endParaRPr>
-          </a:p>
-          <a:p>
-            <a:pPr algn="l">
-              <a:defRPr sz="4400">
-                <a:latin typeface="Calibri"/>
-                <a:ea typeface="Calibri"/>
-                <a:cs typeface="Calibri"/>
-                <a:sym typeface="Calibri"/>
-              </a:defRPr>
-            </a:pPr>
-            <a:r>
-              <a:rPr>
-                <a:latin typeface="DejaVu Sans"/>
-                <a:ea typeface="DejaVu Sans"/>
-                <a:cs typeface="DejaVu Sans"/>
-                <a:sym typeface="DejaVu Sans"/>
-              </a:rPr>
-              <a:t>有</a:t>
-            </a:r>
-            <a:r>
-              <a:rPr u="sng">
-                <a:solidFill>
-                  <a:schemeClr val="accent5"/>
-                </a:solidFill>
-              </a:rPr>
-              <a:t>需定義賭場規則</a:t>
-            </a:r>
-            <a:r>
-              <a:rPr>
-                <a:latin typeface="DejaVu Sans"/>
-                <a:ea typeface="DejaVu Sans"/>
-                <a:cs typeface="DejaVu Sans"/>
-                <a:sym typeface="DejaVu Sans"/>
-              </a:rPr>
-              <a:t>的需要</a:t>
-            </a:r>
-            <a:endParaRPr>
-              <a:latin typeface="DejaVu Sans"/>
-              <a:ea typeface="DejaVu Sans"/>
-              <a:cs typeface="DejaVu Sans"/>
-              <a:sym typeface="DejaVu Sans"/>
-            </a:endParaRPr>
-          </a:p>
-          <a:p>
-            <a:pPr algn="l">
-              <a:defRPr sz="4400">
-                <a:latin typeface="Calibri"/>
-                <a:ea typeface="Calibri"/>
-                <a:cs typeface="Calibri"/>
-                <a:sym typeface="Calibri"/>
-              </a:defRPr>
-            </a:pPr>
-            <a:r>
-              <a:rPr>
-                <a:latin typeface="DejaVu Sans"/>
-                <a:ea typeface="DejaVu Sans"/>
-                <a:cs typeface="DejaVu Sans"/>
-                <a:sym typeface="DejaVu Sans"/>
-              </a:rPr>
-              <a:t>我們推出的</a:t>
-            </a:r>
-            <a:r>
-              <a:rPr u="sng">
-                <a:solidFill>
-                  <a:schemeClr val="accent5"/>
-                </a:solidFill>
-              </a:rPr>
-              <a:t>去中心化賭博電(BlackJack)</a:t>
-            </a:r>
-          </a:p>
-          <a:p>
-            <a:pPr algn="l">
-              <a:defRPr sz="4400">
-                <a:latin typeface="Calibri"/>
-                <a:ea typeface="Calibri"/>
-                <a:cs typeface="Calibri"/>
-                <a:sym typeface="Calibri"/>
-              </a:defRPr>
-            </a:pPr>
-            <a:r>
-              <a:rPr>
-                <a:latin typeface="DejaVu Sans"/>
-                <a:ea typeface="DejaVu Sans"/>
-                <a:cs typeface="DejaVu Sans"/>
-                <a:sym typeface="DejaVu Sans"/>
-              </a:rPr>
-              <a:t>是一種</a:t>
-            </a:r>
-            <a:r>
-              <a:rPr u="sng">
-                <a:solidFill>
-                  <a:schemeClr val="accent5"/>
-                </a:solidFill>
-              </a:rPr>
-              <a:t>規則公開化的遊戲平台</a:t>
-            </a:r>
-          </a:p>
-          <a:p>
-            <a:pPr algn="l">
-              <a:defRPr sz="4400">
-                <a:latin typeface="Calibri"/>
-                <a:ea typeface="Calibri"/>
-                <a:cs typeface="Calibri"/>
-                <a:sym typeface="Calibri"/>
-              </a:defRPr>
-            </a:pPr>
-            <a:r>
-              <a:rPr>
-                <a:latin typeface="DejaVu Sans"/>
-                <a:ea typeface="DejaVu Sans"/>
-                <a:cs typeface="DejaVu Sans"/>
-                <a:sym typeface="DejaVu Sans"/>
-              </a:rPr>
-              <a:t>除了提供 </a:t>
-            </a:r>
-            <a:r>
-              <a:rPr u="sng">
-                <a:solidFill>
-                  <a:schemeClr val="accent5"/>
-                </a:solidFill>
-              </a:rPr>
-              <a:t>遊戲平台</a:t>
-            </a:r>
-            <a:r>
-              <a:rPr>
-                <a:latin typeface="DejaVu Sans"/>
-                <a:ea typeface="DejaVu Sans"/>
-                <a:cs typeface="DejaVu Sans"/>
-                <a:sym typeface="DejaVu Sans"/>
-              </a:rPr>
-              <a:t> 外</a:t>
-            </a:r>
-            <a:endParaRPr>
-              <a:latin typeface="DejaVu Sans"/>
-              <a:ea typeface="DejaVu Sans"/>
-              <a:cs typeface="DejaVu Sans"/>
-              <a:sym typeface="DejaVu Sans"/>
-            </a:endParaRPr>
-          </a:p>
-          <a:p>
-            <a:pPr algn="l">
-              <a:defRPr sz="4400">
-                <a:latin typeface="Calibri"/>
-                <a:ea typeface="Calibri"/>
-                <a:cs typeface="Calibri"/>
-                <a:sym typeface="Calibri"/>
-              </a:defRPr>
-            </a:pPr>
-            <a:r>
-              <a:rPr>
-                <a:latin typeface="DejaVu Sans"/>
-                <a:ea typeface="DejaVu Sans"/>
-                <a:cs typeface="DejaVu Sans"/>
-                <a:sym typeface="DejaVu Sans"/>
-              </a:rPr>
-              <a:t>比</a:t>
-            </a:r>
-            <a:r>
-              <a:rPr u="sng">
-                <a:solidFill>
-                  <a:schemeClr val="accent5"/>
-                </a:solidFill>
-              </a:rPr>
-              <a:t>傳統遊戲市場</a:t>
-            </a:r>
-            <a:r>
-              <a:rPr>
-                <a:latin typeface="DejaVu Sans"/>
-                <a:ea typeface="DejaVu Sans"/>
-                <a:cs typeface="DejaVu Sans"/>
-                <a:sym typeface="DejaVu Sans"/>
-              </a:rPr>
-              <a:t>還優的是</a:t>
-            </a:r>
-            <a:endParaRPr>
-              <a:latin typeface="DejaVu Sans"/>
-              <a:ea typeface="DejaVu Sans"/>
-              <a:cs typeface="DejaVu Sans"/>
-              <a:sym typeface="DejaVu Sans"/>
-            </a:endParaRPr>
-          </a:p>
-          <a:p>
-            <a:pPr algn="l">
-              <a:defRPr sz="4400">
-                <a:latin typeface="Calibri"/>
-                <a:ea typeface="Calibri"/>
-                <a:cs typeface="Calibri"/>
-                <a:sym typeface="Calibri"/>
-              </a:defRPr>
-            </a:pPr>
-            <a:r>
-              <a:rPr>
-                <a:latin typeface="DejaVu Sans"/>
-                <a:ea typeface="DejaVu Sans"/>
-                <a:cs typeface="DejaVu Sans"/>
-                <a:sym typeface="DejaVu Sans"/>
-              </a:rPr>
-              <a:t>我們還可以 </a:t>
-            </a:r>
-            <a:r>
-              <a:rPr u="sng">
-                <a:solidFill>
-                  <a:schemeClr val="accent5"/>
-                </a:solidFill>
-              </a:rPr>
-              <a:t>確保遊戲難易度不被篡改</a:t>
-            </a:r>
-          </a:p>
-        </p:txBody>
-      </p:sp>
-    </p:spTree>
-  </p:cSld>
-  <p:clrMapOvr>
-    <a:masterClrMapping/>
-  </p:clrMapOvr>
-  <p:transition xmlns:p14="http://schemas.microsoft.com/office/powerpoint/2010/main" spd="med" advClick="1" p14:dur="1000"/>
+  <p:transition spd="slow"/>
 </p:sld>
 </file>
 
 <file path=ppt/slides/slide7.xml><?xml version="1.0" encoding="utf-8"?>
-<p:sld xmlns:a="http://schemas.openxmlformats.org/drawingml/2006/main" xmlns:r="http://schemas.openxmlformats.org/officeDocument/2006/relationships" xmlns:p="http://schemas.openxmlformats.org/presentationml/2006/main" showMasterSp="1" showMasterPhAnim="1">
+<p:sld xmlns:a="http://schemas.openxmlformats.org/drawingml/2006/main" xmlns:r="http://schemas.openxmlformats.org/officeDocument/2006/relationships" xmlns:p="http://schemas.openxmlformats.org/presentationml/2006/main">
   <p:cSld>
     <p:spTree>
       <p:nvGrpSpPr>
@@ -4882,7 +4886,7 @@
           </a:ln>
           <a:extLst>
             <a:ext uri="{C572A759-6A51-4108-AA02-DFA0A04FC94B}">
-              <ma14:wrappingTextBoxFlag xmlns:ma14="http://schemas.microsoft.com/office/mac/drawingml/2011/main" val="1"/>
+              <ma14:wrappingTextBoxFlag xmlns="" xmlns:ma14="http://schemas.microsoft.com/office/mac/drawingml/2011/main" val="1"/>
             </a:ext>
           </a:extLst>
         </p:spPr>
@@ -4901,8 +4905,8 @@
             </a:lvl1pPr>
           </a:lstStyle>
           <a:p>
-            <a:pPr/>
-            <a:r>
+            <a:r>
+              <a:rPr dirty="0"/>
               <a:t>Use Case</a:t>
             </a:r>
           </a:p>
@@ -4942,12 +4946,12 @@
   <p:clrMapOvr>
     <a:masterClrMapping/>
   </p:clrMapOvr>
-  <p:transition xmlns:p14="http://schemas.microsoft.com/office/powerpoint/2010/main" spd="med" advClick="1" p14:dur="1000"/>
+  <p:transition spd="slow"/>
 </p:sld>
 </file>
 
 <file path=ppt/slides/slide8.xml><?xml version="1.0" encoding="utf-8"?>
-<p:sld xmlns:a="http://schemas.openxmlformats.org/drawingml/2006/main" xmlns:r="http://schemas.openxmlformats.org/officeDocument/2006/relationships" xmlns:p="http://schemas.openxmlformats.org/presentationml/2006/main" showMasterSp="1" showMasterPhAnim="1">
+<p:sld xmlns:a="http://schemas.openxmlformats.org/drawingml/2006/main" xmlns:r="http://schemas.openxmlformats.org/officeDocument/2006/relationships" xmlns:p="http://schemas.openxmlformats.org/presentationml/2006/main">
   <p:cSld>
     <p:spTree>
       <p:nvGrpSpPr>
@@ -5045,7 +5049,7 @@
             <a:miter lim="400000"/>
           </a:ln>
           <a:effectLst>
-            <a:outerShdw sx="100000" sy="100000" kx="0" ky="0" algn="b" rotWithShape="0" blurRad="38100" dist="25400" dir="5400000">
+            <a:outerShdw blurRad="38100" dist="25400" dir="5400000" rotWithShape="0">
               <a:srgbClr val="000000">
                 <a:alpha val="50000"/>
               </a:srgbClr>
@@ -5063,13 +5067,16 @@
                 </a:solidFill>
               </a:defRPr>
             </a:pPr>
+            <a:endParaRPr/>
           </a:p>
         </p:txBody>
       </p:sp>
       <p:sp>
         <p:nvSpPr>
           <p:cNvPr id="146" name="Shape 146"/>
-          <p:cNvSpPr/>
+          <p:cNvSpPr>
+            <a:spLocks noGrp="1"/>
+          </p:cNvSpPr>
           <p:nvPr>
             <p:ph type="title"/>
           </p:nvPr>
@@ -5084,14 +5091,15 @@
           </a:prstGeom>
         </p:spPr>
         <p:txBody>
-          <a:bodyPr/>
+          <a:bodyPr>
+            <a:normAutofit fontScale="90000"/>
+          </a:bodyPr>
           <a:lstStyle>
             <a:lvl1pPr defTabSz="490727">
               <a:defRPr sz="6719"/>
             </a:lvl1pPr>
           </a:lstStyle>
           <a:p>
-            <a:pPr/>
             <a:r>
               <a:t>Activity Diagram</a:t>
             </a:r>
@@ -5103,12 +5111,12 @@
   <p:clrMapOvr>
     <a:masterClrMapping/>
   </p:clrMapOvr>
-  <p:transition xmlns:p14="http://schemas.microsoft.com/office/powerpoint/2010/main" spd="med" advClick="1" p14:dur="1000"/>
+  <p:transition spd="slow"/>
 </p:sld>
 </file>
 
 <file path=ppt/slides/slide9.xml><?xml version="1.0" encoding="utf-8"?>
-<p:sld xmlns:a="http://schemas.openxmlformats.org/drawingml/2006/main" xmlns:r="http://schemas.openxmlformats.org/officeDocument/2006/relationships" xmlns:p="http://schemas.openxmlformats.org/presentationml/2006/main" showMasterSp="1" showMasterPhAnim="1">
+<p:sld xmlns:a="http://schemas.openxmlformats.org/drawingml/2006/main" xmlns:r="http://schemas.openxmlformats.org/officeDocument/2006/relationships" xmlns:p="http://schemas.openxmlformats.org/presentationml/2006/main">
   <p:cSld>
     <p:spTree>
       <p:nvGrpSpPr>
@@ -5127,7 +5135,9 @@
       <p:sp>
         <p:nvSpPr>
           <p:cNvPr id="148" name="Shape 148"/>
-          <p:cNvSpPr/>
+          <p:cNvSpPr>
+            <a:spLocks noGrp="1"/>
+          </p:cNvSpPr>
           <p:nvPr>
             <p:ph type="title"/>
           </p:nvPr>
@@ -5141,17 +5151,20 @@
           <a:bodyPr/>
           <a:lstStyle/>
           <a:p>
-            <a:pPr/>
-            <a:r>
+            <a:r>
+              <a:rPr dirty="0" err="1"/>
               <a:t>主要功能</a:t>
             </a:r>
+            <a:endParaRPr dirty="0"/>
           </a:p>
         </p:txBody>
       </p:sp>
       <p:sp>
         <p:nvSpPr>
           <p:cNvPr id="149" name="Shape 149"/>
-          <p:cNvSpPr/>
+          <p:cNvSpPr>
+            <a:spLocks noGrp="1"/>
+          </p:cNvSpPr>
           <p:nvPr>
             <p:ph type="body" idx="1"/>
           </p:nvPr>
@@ -5169,12 +5182,12 @@
           <a:bodyPr/>
           <a:lstStyle/>
           <a:p>
-            <a:pPr/>
-            <a:r>
+            <a:r>
+              <a:rPr dirty="0" err="1"/>
               <a:t>玩家：</a:t>
             </a:r>
             <a:r>
-              <a:rPr>
+              <a:rPr dirty="0" err="1">
                 <a:solidFill>
                   <a:schemeClr val="accent5"/>
                 </a:solidFill>
@@ -5182,17 +5195,21 @@
               <a:t>申請進場遊戲</a:t>
             </a:r>
             <a:r>
-              <a:rPr sz="2300"/>
+              <a:rPr sz="2300" dirty="0"/>
               <a:t>(1)</a:t>
             </a:r>
           </a:p>
           <a:p>
-            <a:pPr/>
-            <a:r>
-              <a:t>莊家(Contract)：</a:t>
-            </a:r>
-            <a:r>
-              <a:rPr>
+            <a:r>
+              <a:rPr dirty="0" err="1"/>
+              <a:t>莊家</a:t>
+            </a:r>
+            <a:r>
+              <a:rPr dirty="0"/>
+              <a:t>(Contract)：</a:t>
+            </a:r>
+            <a:r>
+              <a:rPr dirty="0" err="1">
                 <a:solidFill>
                   <a:schemeClr val="accent5"/>
                 </a:solidFill>
@@ -5200,14 +5217,15 @@
               <a:t>派牌</a:t>
             </a:r>
             <a:r>
-              <a:rPr sz="2300"/>
+              <a:rPr sz="2300" dirty="0"/>
               <a:t>(2)</a:t>
             </a:r>
             <a:r>
+              <a:rPr dirty="0"/>
               <a:t>、</a:t>
             </a:r>
             <a:r>
-              <a:rPr>
+              <a:rPr dirty="0" err="1">
                 <a:solidFill>
                   <a:schemeClr val="accent5"/>
                 </a:solidFill>
@@ -5215,18 +5233,25 @@
               <a:t>決定贏家</a:t>
             </a:r>
             <a:r>
-              <a:rPr sz="2300"/>
+              <a:rPr sz="2300" dirty="0"/>
               <a:t>(3)</a:t>
             </a:r>
-            <a:endParaRPr sz="2300"/>
-          </a:p>
-          <a:p>
-            <a:pPr/>
-            <a:r>
-              <a:t>莊家(Contract)/玩家：</a:t>
-            </a:r>
-            <a:r>
-              <a:rPr>
+          </a:p>
+          <a:p>
+            <a:r>
+              <a:rPr dirty="0" err="1"/>
+              <a:t>莊家</a:t>
+            </a:r>
+            <a:r>
+              <a:rPr dirty="0"/>
+              <a:t>(Contract)/</a:t>
+            </a:r>
+            <a:r>
+              <a:rPr dirty="0" err="1"/>
+              <a:t>玩家：</a:t>
+            </a:r>
+            <a:r>
+              <a:rPr dirty="0" err="1">
                 <a:solidFill>
                   <a:schemeClr val="accent5"/>
                 </a:solidFill>
@@ -5234,7 +5259,7 @@
               <a:t>金錢交易</a:t>
             </a:r>
             <a:r>
-              <a:rPr sz="2300"/>
+              <a:rPr sz="2300" dirty="0"/>
               <a:t>(4)</a:t>
             </a:r>
           </a:p>
@@ -5245,12 +5270,12 @@
   <p:clrMapOvr>
     <a:masterClrMapping/>
   </p:clrMapOvr>
-  <p:transition xmlns:p14="http://schemas.microsoft.com/office/powerpoint/2010/main" spd="med" advClick="1" p14:dur="1000"/>
+  <p:transition spd="slow"/>
 </p:sld>
 </file>
 
 <file path=ppt/theme/theme1.xml><?xml version="1.0" encoding="utf-8"?>
-<a:theme xmlns:a="http://schemas.openxmlformats.org/drawingml/2006/main" xmlns:r="http://schemas.openxmlformats.org/officeDocument/2006/relationships" name="White">
+<a:theme xmlns:a="http://schemas.openxmlformats.org/drawingml/2006/main" name="White">
   <a:themeElements>
     <a:clrScheme name="White">
       <a:dk1>
@@ -5376,7 +5401,7 @@
       <a:effectStyleLst>
         <a:effectStyle>
           <a:effectLst>
-            <a:outerShdw sx="100000" sy="100000" kx="0" ky="0" algn="b" rotWithShape="0" blurRad="38100" dist="25400" dir="5400000">
+            <a:outerShdw blurRad="38100" dist="25400" dir="5400000" rotWithShape="0">
               <a:srgbClr val="000000">
                 <a:alpha val="50000"/>
               </a:srgbClr>
@@ -5385,7 +5410,7 @@
         </a:effectStyle>
         <a:effectStyle>
           <a:effectLst>
-            <a:outerShdw sx="100000" sy="100000" kx="0" ky="0" algn="b" rotWithShape="0" blurRad="50800" dist="12700" dir="0">
+            <a:outerShdw blurRad="50800" dist="12700" rotWithShape="0">
               <a:srgbClr val="000000">
                 <a:alpha val="50000"/>
               </a:srgbClr>
@@ -5394,7 +5419,7 @@
         </a:effectStyle>
         <a:effectStyle>
           <a:effectLst>
-            <a:outerShdw sx="100000" sy="100000" kx="0" ky="0" algn="b" rotWithShape="0" blurRad="38100" dist="25400" dir="5400000">
+            <a:outerShdw blurRad="38100" dist="25400" dir="5400000" rotWithShape="0">
               <a:srgbClr val="000000">
                 <a:alpha val="50000"/>
               </a:srgbClr>
@@ -5458,8 +5483,8 @@
     <a:spDef>
       <a:spPr>
         <a:blipFill rotWithShape="1">
-          <a:blip r:embed="rId1"/>
-          <a:srcRect l="0" t="0" r="0" b="0"/>
+          <a:blip xmlns:r="http://schemas.openxmlformats.org/officeDocument/2006/relationships" r:embed="rId1"/>
+          <a:srcRect/>
           <a:tile tx="0" ty="0" sx="100000" sy="100000" flip="none" algn="tl"/>
         </a:blipFill>
         <a:ln w="12700" cap="flat">
@@ -5467,7 +5492,7 @@
           <a:miter lim="400000"/>
         </a:ln>
         <a:effectLst>
-          <a:outerShdw sx="100000" sy="100000" kx="0" ky="0" algn="b" rotWithShape="0" blurRad="38100" dist="25400" dir="5400000">
+          <a:outerShdw blurRad="38100" dist="25400" dir="5400000" rotWithShape="0">
             <a:srgbClr val="000000">
               <a:alpha val="50000"/>
             </a:srgbClr>
@@ -5475,7 +5500,7 @@
         </a:effectLst>
         <a:sp3d/>
       </a:spPr>
-      <a:bodyPr rot="0" spcFirstLastPara="1" vertOverflow="overflow" horzOverflow="overflow" vert="horz" wrap="square" lIns="50800" tIns="50800" rIns="50800" bIns="50800" numCol="1" spcCol="38100" rtlCol="0" anchor="ctr" upright="0">
+      <a:bodyPr rot="0" spcFirstLastPara="1" vertOverflow="overflow" horzOverflow="overflow" vert="horz" wrap="square" lIns="50800" tIns="50800" rIns="50800" bIns="50800" numCol="1" spcCol="38100" rtlCol="0" anchor="ctr">
         <a:spAutoFit/>
       </a:bodyPr>
       <a:lstStyle>
@@ -5494,7 +5519,7 @@
           <a:buFontTx/>
           <a:buNone/>
           <a:tabLst/>
-          <a:defRPr b="0" baseline="0" cap="none" i="0" spc="0" strike="noStrike" sz="2400" u="none" kumimoji="0" normalizeH="0">
+          <a:defRPr kumimoji="0" sz="2400" b="0" i="0" u="none" strike="noStrike" cap="none" spc="0" normalizeH="0" baseline="0">
             <a:ln>
               <a:noFill/>
             </a:ln>
@@ -5524,7 +5549,7 @@
           <a:buFontTx/>
           <a:buNone/>
           <a:tabLst/>
-          <a:defRPr b="0" baseline="0" cap="none" i="0" spc="0" strike="noStrike" sz="1800" u="none" kumimoji="0" normalizeH="0">
+          <a:defRPr kumimoji="0" sz="1800" b="0" i="0" u="none" strike="noStrike" cap="none" spc="0" normalizeH="0" baseline="0">
             <a:ln>
               <a:noFill/>
             </a:ln>
@@ -5550,7 +5575,7 @@
           <a:buFontTx/>
           <a:buNone/>
           <a:tabLst/>
-          <a:defRPr b="0" baseline="0" cap="none" i="0" spc="0" strike="noStrike" sz="1800" u="none" kumimoji="0" normalizeH="0">
+          <a:defRPr kumimoji="0" sz="1800" b="0" i="0" u="none" strike="noStrike" cap="none" spc="0" normalizeH="0" baseline="0">
             <a:ln>
               <a:noFill/>
             </a:ln>
@@ -5576,7 +5601,7 @@
           <a:buFontTx/>
           <a:buNone/>
           <a:tabLst/>
-          <a:defRPr b="0" baseline="0" cap="none" i="0" spc="0" strike="noStrike" sz="1800" u="none" kumimoji="0" normalizeH="0">
+          <a:defRPr kumimoji="0" sz="1800" b="0" i="0" u="none" strike="noStrike" cap="none" spc="0" normalizeH="0" baseline="0">
             <a:ln>
               <a:noFill/>
             </a:ln>
@@ -5602,7 +5627,7 @@
           <a:buFontTx/>
           <a:buNone/>
           <a:tabLst/>
-          <a:defRPr b="0" baseline="0" cap="none" i="0" spc="0" strike="noStrike" sz="1800" u="none" kumimoji="0" normalizeH="0">
+          <a:defRPr kumimoji="0" sz="1800" b="0" i="0" u="none" strike="noStrike" cap="none" spc="0" normalizeH="0" baseline="0">
             <a:ln>
               <a:noFill/>
             </a:ln>
@@ -5628,7 +5653,7 @@
           <a:buFontTx/>
           <a:buNone/>
           <a:tabLst/>
-          <a:defRPr b="0" baseline="0" cap="none" i="0" spc="0" strike="noStrike" sz="1800" u="none" kumimoji="0" normalizeH="0">
+          <a:defRPr kumimoji="0" sz="1800" b="0" i="0" u="none" strike="noStrike" cap="none" spc="0" normalizeH="0" baseline="0">
             <a:ln>
               <a:noFill/>
             </a:ln>
@@ -5654,7 +5679,7 @@
           <a:buFontTx/>
           <a:buNone/>
           <a:tabLst/>
-          <a:defRPr b="0" baseline="0" cap="none" i="0" spc="0" strike="noStrike" sz="1800" u="none" kumimoji="0" normalizeH="0">
+          <a:defRPr kumimoji="0" sz="1800" b="0" i="0" u="none" strike="noStrike" cap="none" spc="0" normalizeH="0" baseline="0">
             <a:ln>
               <a:noFill/>
             </a:ln>
@@ -5680,7 +5705,7 @@
           <a:buFontTx/>
           <a:buNone/>
           <a:tabLst/>
-          <a:defRPr b="0" baseline="0" cap="none" i="0" spc="0" strike="noStrike" sz="1800" u="none" kumimoji="0" normalizeH="0">
+          <a:defRPr kumimoji="0" sz="1800" b="0" i="0" u="none" strike="noStrike" cap="none" spc="0" normalizeH="0" baseline="0">
             <a:ln>
               <a:noFill/>
             </a:ln>
@@ -5706,7 +5731,7 @@
           <a:buFontTx/>
           <a:buNone/>
           <a:tabLst/>
-          <a:defRPr b="0" baseline="0" cap="none" i="0" spc="0" strike="noStrike" sz="1800" u="none" kumimoji="0" normalizeH="0">
+          <a:defRPr kumimoji="0" sz="1800" b="0" i="0" u="none" strike="noStrike" cap="none" spc="0" normalizeH="0" baseline="0">
             <a:ln>
               <a:noFill/>
             </a:ln>
@@ -5732,7 +5757,7 @@
           <a:buFontTx/>
           <a:buNone/>
           <a:tabLst/>
-          <a:defRPr b="0" baseline="0" cap="none" i="0" spc="0" strike="noStrike" sz="1800" u="none" kumimoji="0" normalizeH="0">
+          <a:defRPr kumimoji="0" sz="1800" b="0" i="0" u="none" strike="noStrike" cap="none" spc="0" normalizeH="0" baseline="0">
             <a:ln>
               <a:noFill/>
             </a:ln>
@@ -5745,9 +5770,15 @@
         </a:lvl9pPr>
       </a:lstStyle>
       <a:style>
-        <a:lnRef idx="0"/>
-        <a:fillRef idx="0"/>
-        <a:effectRef idx="0"/>
+        <a:lnRef idx="0">
+          <a:scrgbClr r="0" g="0" b="0"/>
+        </a:lnRef>
+        <a:fillRef idx="0">
+          <a:scrgbClr r="0" g="0" b="0"/>
+        </a:fillRef>
+        <a:effectRef idx="0">
+          <a:scrgbClr r="0" g="0" b="0"/>
+        </a:effectRef>
         <a:fontRef idx="none"/>
       </a:style>
     </a:spDef>
@@ -5764,7 +5795,7 @@
         <a:effectLst/>
         <a:sp3d/>
       </a:spPr>
-      <a:bodyPr rot="0" spcFirstLastPara="1" vertOverflow="overflow" horzOverflow="overflow" vert="horz" wrap="square" lIns="91439" tIns="45719" rIns="91439" bIns="45719" numCol="1" spcCol="38100" rtlCol="0" anchor="t" upright="0">
+      <a:bodyPr rot="0" spcFirstLastPara="1" vertOverflow="overflow" horzOverflow="overflow" vert="horz" wrap="square" lIns="91439" tIns="45719" rIns="91439" bIns="45719" numCol="1" spcCol="38100" rtlCol="0" anchor="t">
         <a:noAutofit/>
       </a:bodyPr>
       <a:lstStyle>
@@ -5783,7 +5814,7 @@
           <a:buFontTx/>
           <a:buNone/>
           <a:tabLst/>
-          <a:defRPr b="0" baseline="0" cap="none" i="0" spc="0" strike="noStrike" sz="1800" u="none" kumimoji="0" normalizeH="0">
+          <a:defRPr kumimoji="0" sz="1800" b="0" i="0" u="none" strike="noStrike" cap="none" spc="0" normalizeH="0" baseline="0">
             <a:ln>
               <a:noFill/>
             </a:ln>
@@ -5809,7 +5840,7 @@
           <a:buFontTx/>
           <a:buNone/>
           <a:tabLst/>
-          <a:defRPr b="0" baseline="0" cap="none" i="0" spc="0" strike="noStrike" sz="1800" u="none" kumimoji="0" normalizeH="0">
+          <a:defRPr kumimoji="0" sz="1800" b="0" i="0" u="none" strike="noStrike" cap="none" spc="0" normalizeH="0" baseline="0">
             <a:ln>
               <a:noFill/>
             </a:ln>
@@ -5835,7 +5866,7 @@
           <a:buFontTx/>
           <a:buNone/>
           <a:tabLst/>
-          <a:defRPr b="0" baseline="0" cap="none" i="0" spc="0" strike="noStrike" sz="1800" u="none" kumimoji="0" normalizeH="0">
+          <a:defRPr kumimoji="0" sz="1800" b="0" i="0" u="none" strike="noStrike" cap="none" spc="0" normalizeH="0" baseline="0">
             <a:ln>
               <a:noFill/>
             </a:ln>
@@ -5861,7 +5892,7 @@
           <a:buFontTx/>
           <a:buNone/>
           <a:tabLst/>
-          <a:defRPr b="0" baseline="0" cap="none" i="0" spc="0" strike="noStrike" sz="1800" u="none" kumimoji="0" normalizeH="0">
+          <a:defRPr kumimoji="0" sz="1800" b="0" i="0" u="none" strike="noStrike" cap="none" spc="0" normalizeH="0" baseline="0">
             <a:ln>
               <a:noFill/>
             </a:ln>
@@ -5887,7 +5918,7 @@
           <a:buFontTx/>
           <a:buNone/>
           <a:tabLst/>
-          <a:defRPr b="0" baseline="0" cap="none" i="0" spc="0" strike="noStrike" sz="1800" u="none" kumimoji="0" normalizeH="0">
+          <a:defRPr kumimoji="0" sz="1800" b="0" i="0" u="none" strike="noStrike" cap="none" spc="0" normalizeH="0" baseline="0">
             <a:ln>
               <a:noFill/>
             </a:ln>
@@ -5913,7 +5944,7 @@
           <a:buFontTx/>
           <a:buNone/>
           <a:tabLst/>
-          <a:defRPr b="0" baseline="0" cap="none" i="0" spc="0" strike="noStrike" sz="1800" u="none" kumimoji="0" normalizeH="0">
+          <a:defRPr kumimoji="0" sz="1800" b="0" i="0" u="none" strike="noStrike" cap="none" spc="0" normalizeH="0" baseline="0">
             <a:ln>
               <a:noFill/>
             </a:ln>
@@ -5939,7 +5970,7 @@
           <a:buFontTx/>
           <a:buNone/>
           <a:tabLst/>
-          <a:defRPr b="0" baseline="0" cap="none" i="0" spc="0" strike="noStrike" sz="1800" u="none" kumimoji="0" normalizeH="0">
+          <a:defRPr kumimoji="0" sz="1800" b="0" i="0" u="none" strike="noStrike" cap="none" spc="0" normalizeH="0" baseline="0">
             <a:ln>
               <a:noFill/>
             </a:ln>
@@ -5965,7 +5996,7 @@
           <a:buFontTx/>
           <a:buNone/>
           <a:tabLst/>
-          <a:defRPr b="0" baseline="0" cap="none" i="0" spc="0" strike="noStrike" sz="1800" u="none" kumimoji="0" normalizeH="0">
+          <a:defRPr kumimoji="0" sz="1800" b="0" i="0" u="none" strike="noStrike" cap="none" spc="0" normalizeH="0" baseline="0">
             <a:ln>
               <a:noFill/>
             </a:ln>
@@ -5991,7 +6022,7 @@
           <a:buFontTx/>
           <a:buNone/>
           <a:tabLst/>
-          <a:defRPr b="0" baseline="0" cap="none" i="0" spc="0" strike="noStrike" sz="1800" u="none" kumimoji="0" normalizeH="0">
+          <a:defRPr kumimoji="0" sz="1800" b="0" i="0" u="none" strike="noStrike" cap="none" spc="0" normalizeH="0" baseline="0">
             <a:ln>
               <a:noFill/>
             </a:ln>
@@ -6017,7 +6048,7 @@
           <a:buFontTx/>
           <a:buNone/>
           <a:tabLst/>
-          <a:defRPr b="0" baseline="0" cap="none" i="0" spc="0" strike="noStrike" sz="1800" u="none" kumimoji="0" normalizeH="0">
+          <a:defRPr kumimoji="0" sz="1800" b="0" i="0" u="none" strike="noStrike" cap="none" spc="0" normalizeH="0" baseline="0">
             <a:ln>
               <a:noFill/>
             </a:ln>
@@ -6030,9 +6061,15 @@
         </a:lvl9pPr>
       </a:lstStyle>
       <a:style>
-        <a:lnRef idx="0"/>
-        <a:fillRef idx="0"/>
-        <a:effectRef idx="0"/>
+        <a:lnRef idx="0">
+          <a:scrgbClr r="0" g="0" b="0"/>
+        </a:lnRef>
+        <a:fillRef idx="0">
+          <a:scrgbClr r="0" g="0" b="0"/>
+        </a:fillRef>
+        <a:effectRef idx="0">
+          <a:scrgbClr r="0" g="0" b="0"/>
+        </a:effectRef>
         <a:fontRef idx="none"/>
       </a:style>
     </a:lnDef>
@@ -6046,7 +6083,7 @@
         <a:effectLst/>
         <a:sp3d/>
       </a:spPr>
-      <a:bodyPr rot="0" spcFirstLastPara="1" vertOverflow="overflow" horzOverflow="overflow" vert="horz" wrap="square" lIns="50800" tIns="50800" rIns="50800" bIns="50800" numCol="1" spcCol="38100" rtlCol="0" anchor="ctr" upright="0">
+      <a:bodyPr rot="0" spcFirstLastPara="1" vertOverflow="overflow" horzOverflow="overflow" vert="horz" wrap="square" lIns="50800" tIns="50800" rIns="50800" bIns="50800" numCol="1" spcCol="38100" rtlCol="0" anchor="ctr">
         <a:spAutoFit/>
       </a:bodyPr>
       <a:lstStyle>
@@ -6065,7 +6102,7 @@
           <a:buFontTx/>
           <a:buNone/>
           <a:tabLst/>
-          <a:defRPr b="0" baseline="0" cap="none" i="0" spc="0" strike="noStrike" sz="3600" u="none" kumimoji="0" normalizeH="0">
+          <a:defRPr kumimoji="0" sz="3600" b="0" i="0" u="none" strike="noStrike" cap="none" spc="0" normalizeH="0" baseline="0">
             <a:ln>
               <a:noFill/>
             </a:ln>
@@ -6095,7 +6132,7 @@
           <a:buFontTx/>
           <a:buNone/>
           <a:tabLst/>
-          <a:defRPr b="0" baseline="0" cap="none" i="0" spc="0" strike="noStrike" sz="1800" u="none" kumimoji="0" normalizeH="0">
+          <a:defRPr kumimoji="0" sz="1800" b="0" i="0" u="none" strike="noStrike" cap="none" spc="0" normalizeH="0" baseline="0">
             <a:ln>
               <a:noFill/>
             </a:ln>
@@ -6121,7 +6158,7 @@
           <a:buFontTx/>
           <a:buNone/>
           <a:tabLst/>
-          <a:defRPr b="0" baseline="0" cap="none" i="0" spc="0" strike="noStrike" sz="1800" u="none" kumimoji="0" normalizeH="0">
+          <a:defRPr kumimoji="0" sz="1800" b="0" i="0" u="none" strike="noStrike" cap="none" spc="0" normalizeH="0" baseline="0">
             <a:ln>
               <a:noFill/>
             </a:ln>
@@ -6147,7 +6184,7 @@
           <a:buFontTx/>
           <a:buNone/>
           <a:tabLst/>
-          <a:defRPr b="0" baseline="0" cap="none" i="0" spc="0" strike="noStrike" sz="1800" u="none" kumimoji="0" normalizeH="0">
+          <a:defRPr kumimoji="0" sz="1800" b="0" i="0" u="none" strike="noStrike" cap="none" spc="0" normalizeH="0" baseline="0">
             <a:ln>
               <a:noFill/>
             </a:ln>
@@ -6173,7 +6210,7 @@
           <a:buFontTx/>
           <a:buNone/>
           <a:tabLst/>
-          <a:defRPr b="0" baseline="0" cap="none" i="0" spc="0" strike="noStrike" sz="1800" u="none" kumimoji="0" normalizeH="0">
+          <a:defRPr kumimoji="0" sz="1800" b="0" i="0" u="none" strike="noStrike" cap="none" spc="0" normalizeH="0" baseline="0">
             <a:ln>
               <a:noFill/>
             </a:ln>
@@ -6199,7 +6236,7 @@
           <a:buFontTx/>
           <a:buNone/>
           <a:tabLst/>
-          <a:defRPr b="0" baseline="0" cap="none" i="0" spc="0" strike="noStrike" sz="1800" u="none" kumimoji="0" normalizeH="0">
+          <a:defRPr kumimoji="0" sz="1800" b="0" i="0" u="none" strike="noStrike" cap="none" spc="0" normalizeH="0" baseline="0">
             <a:ln>
               <a:noFill/>
             </a:ln>
@@ -6225,7 +6262,7 @@
           <a:buFontTx/>
           <a:buNone/>
           <a:tabLst/>
-          <a:defRPr b="0" baseline="0" cap="none" i="0" spc="0" strike="noStrike" sz="1800" u="none" kumimoji="0" normalizeH="0">
+          <a:defRPr kumimoji="0" sz="1800" b="0" i="0" u="none" strike="noStrike" cap="none" spc="0" normalizeH="0" baseline="0">
             <a:ln>
               <a:noFill/>
             </a:ln>
@@ -6251,7 +6288,7 @@
           <a:buFontTx/>
           <a:buNone/>
           <a:tabLst/>
-          <a:defRPr b="0" baseline="0" cap="none" i="0" spc="0" strike="noStrike" sz="1800" u="none" kumimoji="0" normalizeH="0">
+          <a:defRPr kumimoji="0" sz="1800" b="0" i="0" u="none" strike="noStrike" cap="none" spc="0" normalizeH="0" baseline="0">
             <a:ln>
               <a:noFill/>
             </a:ln>
@@ -6277,7 +6314,7 @@
           <a:buFontTx/>
           <a:buNone/>
           <a:tabLst/>
-          <a:defRPr b="0" baseline="0" cap="none" i="0" spc="0" strike="noStrike" sz="1800" u="none" kumimoji="0" normalizeH="0">
+          <a:defRPr kumimoji="0" sz="1800" b="0" i="0" u="none" strike="noStrike" cap="none" spc="0" normalizeH="0" baseline="0">
             <a:ln>
               <a:noFill/>
             </a:ln>
@@ -6303,7 +6340,7 @@
           <a:buFontTx/>
           <a:buNone/>
           <a:tabLst/>
-          <a:defRPr b="0" baseline="0" cap="none" i="0" spc="0" strike="noStrike" sz="1800" u="none" kumimoji="0" normalizeH="0">
+          <a:defRPr kumimoji="0" sz="1800" b="0" i="0" u="none" strike="noStrike" cap="none" spc="0" normalizeH="0" baseline="0">
             <a:ln>
               <a:noFill/>
             </a:ln>
@@ -6316,18 +6353,25 @@
         </a:lvl9pPr>
       </a:lstStyle>
       <a:style>
-        <a:lnRef idx="0"/>
-        <a:fillRef idx="0"/>
-        <a:effectRef idx="0"/>
+        <a:lnRef idx="0">
+          <a:scrgbClr r="0" g="0" b="0"/>
+        </a:lnRef>
+        <a:fillRef idx="0">
+          <a:scrgbClr r="0" g="0" b="0"/>
+        </a:fillRef>
+        <a:effectRef idx="0">
+          <a:scrgbClr r="0" g="0" b="0"/>
+        </a:effectRef>
         <a:fontRef idx="none"/>
       </a:style>
     </a:txDef>
   </a:objectDefaults>
+  <a:extraClrSchemeLst/>
 </a:theme>
 </file>
 
 <file path=ppt/theme/theme2.xml><?xml version="1.0" encoding="utf-8"?>
-<a:theme xmlns:a="http://schemas.openxmlformats.org/drawingml/2006/main" xmlns:r="http://schemas.openxmlformats.org/officeDocument/2006/relationships" name="White">
+<a:theme xmlns:a="http://schemas.openxmlformats.org/drawingml/2006/main" name="White">
   <a:themeElements>
     <a:clrScheme name="White">
       <a:dk1>
@@ -6453,7 +6497,7 @@
       <a:effectStyleLst>
         <a:effectStyle>
           <a:effectLst>
-            <a:outerShdw sx="100000" sy="100000" kx="0" ky="0" algn="b" rotWithShape="0" blurRad="38100" dist="25400" dir="5400000">
+            <a:outerShdw blurRad="38100" dist="25400" dir="5400000" rotWithShape="0">
               <a:srgbClr val="000000">
                 <a:alpha val="50000"/>
               </a:srgbClr>
@@ -6462,7 +6506,7 @@
         </a:effectStyle>
         <a:effectStyle>
           <a:effectLst>
-            <a:outerShdw sx="100000" sy="100000" kx="0" ky="0" algn="b" rotWithShape="0" blurRad="50800" dist="12700" dir="0">
+            <a:outerShdw blurRad="50800" dist="12700" rotWithShape="0">
               <a:srgbClr val="000000">
                 <a:alpha val="50000"/>
               </a:srgbClr>
@@ -6471,7 +6515,7 @@
         </a:effectStyle>
         <a:effectStyle>
           <a:effectLst>
-            <a:outerShdw sx="100000" sy="100000" kx="0" ky="0" algn="b" rotWithShape="0" blurRad="38100" dist="25400" dir="5400000">
+            <a:outerShdw blurRad="38100" dist="25400" dir="5400000" rotWithShape="0">
               <a:srgbClr val="000000">
                 <a:alpha val="50000"/>
               </a:srgbClr>
@@ -6535,8 +6579,8 @@
     <a:spDef>
       <a:spPr>
         <a:blipFill rotWithShape="1">
-          <a:blip r:embed="rId1"/>
-          <a:srcRect l="0" t="0" r="0" b="0"/>
+          <a:blip xmlns:r="http://schemas.openxmlformats.org/officeDocument/2006/relationships" r:embed="rId1"/>
+          <a:srcRect/>
           <a:tile tx="0" ty="0" sx="100000" sy="100000" flip="none" algn="tl"/>
         </a:blipFill>
         <a:ln w="12700" cap="flat">
@@ -6544,7 +6588,7 @@
           <a:miter lim="400000"/>
         </a:ln>
         <a:effectLst>
-          <a:outerShdw sx="100000" sy="100000" kx="0" ky="0" algn="b" rotWithShape="0" blurRad="38100" dist="25400" dir="5400000">
+          <a:outerShdw blurRad="38100" dist="25400" dir="5400000" rotWithShape="0">
             <a:srgbClr val="000000">
               <a:alpha val="50000"/>
             </a:srgbClr>
@@ -6552,7 +6596,7 @@
         </a:effectLst>
         <a:sp3d/>
       </a:spPr>
-      <a:bodyPr rot="0" spcFirstLastPara="1" vertOverflow="overflow" horzOverflow="overflow" vert="horz" wrap="square" lIns="50800" tIns="50800" rIns="50800" bIns="50800" numCol="1" spcCol="38100" rtlCol="0" anchor="ctr" upright="0">
+      <a:bodyPr rot="0" spcFirstLastPara="1" vertOverflow="overflow" horzOverflow="overflow" vert="horz" wrap="square" lIns="50800" tIns="50800" rIns="50800" bIns="50800" numCol="1" spcCol="38100" rtlCol="0" anchor="ctr">
         <a:spAutoFit/>
       </a:bodyPr>
       <a:lstStyle>
@@ -6571,7 +6615,7 @@
           <a:buFontTx/>
           <a:buNone/>
           <a:tabLst/>
-          <a:defRPr b="0" baseline="0" cap="none" i="0" spc="0" strike="noStrike" sz="2400" u="none" kumimoji="0" normalizeH="0">
+          <a:defRPr kumimoji="0" sz="2400" b="0" i="0" u="none" strike="noStrike" cap="none" spc="0" normalizeH="0" baseline="0">
             <a:ln>
               <a:noFill/>
             </a:ln>
@@ -6601,7 +6645,7 @@
           <a:buFontTx/>
           <a:buNone/>
           <a:tabLst/>
-          <a:defRPr b="0" baseline="0" cap="none" i="0" spc="0" strike="noStrike" sz="1800" u="none" kumimoji="0" normalizeH="0">
+          <a:defRPr kumimoji="0" sz="1800" b="0" i="0" u="none" strike="noStrike" cap="none" spc="0" normalizeH="0" baseline="0">
             <a:ln>
               <a:noFill/>
             </a:ln>
@@ -6627,7 +6671,7 @@
           <a:buFontTx/>
           <a:buNone/>
           <a:tabLst/>
-          <a:defRPr b="0" baseline="0" cap="none" i="0" spc="0" strike="noStrike" sz="1800" u="none" kumimoji="0" normalizeH="0">
+          <a:defRPr kumimoji="0" sz="1800" b="0" i="0" u="none" strike="noStrike" cap="none" spc="0" normalizeH="0" baseline="0">
             <a:ln>
               <a:noFill/>
             </a:ln>
@@ -6653,7 +6697,7 @@
           <a:buFontTx/>
           <a:buNone/>
           <a:tabLst/>
-          <a:defRPr b="0" baseline="0" cap="none" i="0" spc="0" strike="noStrike" sz="1800" u="none" kumimoji="0" normalizeH="0">
+          <a:defRPr kumimoji="0" sz="1800" b="0" i="0" u="none" strike="noStrike" cap="none" spc="0" normalizeH="0" baseline="0">
             <a:ln>
               <a:noFill/>
             </a:ln>
@@ -6679,7 +6723,7 @@
           <a:buFontTx/>
           <a:buNone/>
           <a:tabLst/>
-          <a:defRPr b="0" baseline="0" cap="none" i="0" spc="0" strike="noStrike" sz="1800" u="none" kumimoji="0" normalizeH="0">
+          <a:defRPr kumimoji="0" sz="1800" b="0" i="0" u="none" strike="noStrike" cap="none" spc="0" normalizeH="0" baseline="0">
             <a:ln>
               <a:noFill/>
             </a:ln>
@@ -6705,7 +6749,7 @@
           <a:buFontTx/>
           <a:buNone/>
           <a:tabLst/>
-          <a:defRPr b="0" baseline="0" cap="none" i="0" spc="0" strike="noStrike" sz="1800" u="none" kumimoji="0" normalizeH="0">
+          <a:defRPr kumimoji="0" sz="1800" b="0" i="0" u="none" strike="noStrike" cap="none" spc="0" normalizeH="0" baseline="0">
             <a:ln>
               <a:noFill/>
             </a:ln>
@@ -6731,7 +6775,7 @@
           <a:buFontTx/>
           <a:buNone/>
           <a:tabLst/>
-          <a:defRPr b="0" baseline="0" cap="none" i="0" spc="0" strike="noStrike" sz="1800" u="none" kumimoji="0" normalizeH="0">
+          <a:defRPr kumimoji="0" sz="1800" b="0" i="0" u="none" strike="noStrike" cap="none" spc="0" normalizeH="0" baseline="0">
             <a:ln>
               <a:noFill/>
             </a:ln>
@@ -6757,7 +6801,7 @@
           <a:buFontTx/>
           <a:buNone/>
           <a:tabLst/>
-          <a:defRPr b="0" baseline="0" cap="none" i="0" spc="0" strike="noStrike" sz="1800" u="none" kumimoji="0" normalizeH="0">
+          <a:defRPr kumimoji="0" sz="1800" b="0" i="0" u="none" strike="noStrike" cap="none" spc="0" normalizeH="0" baseline="0">
             <a:ln>
               <a:noFill/>
             </a:ln>
@@ -6783,7 +6827,7 @@
           <a:buFontTx/>
           <a:buNone/>
           <a:tabLst/>
-          <a:defRPr b="0" baseline="0" cap="none" i="0" spc="0" strike="noStrike" sz="1800" u="none" kumimoji="0" normalizeH="0">
+          <a:defRPr kumimoji="0" sz="1800" b="0" i="0" u="none" strike="noStrike" cap="none" spc="0" normalizeH="0" baseline="0">
             <a:ln>
               <a:noFill/>
             </a:ln>
@@ -6809,7 +6853,7 @@
           <a:buFontTx/>
           <a:buNone/>
           <a:tabLst/>
-          <a:defRPr b="0" baseline="0" cap="none" i="0" spc="0" strike="noStrike" sz="1800" u="none" kumimoji="0" normalizeH="0">
+          <a:defRPr kumimoji="0" sz="1800" b="0" i="0" u="none" strike="noStrike" cap="none" spc="0" normalizeH="0" baseline="0">
             <a:ln>
               <a:noFill/>
             </a:ln>
@@ -6822,9 +6866,15 @@
         </a:lvl9pPr>
       </a:lstStyle>
       <a:style>
-        <a:lnRef idx="0"/>
-        <a:fillRef idx="0"/>
-        <a:effectRef idx="0"/>
+        <a:lnRef idx="0">
+          <a:scrgbClr r="0" g="0" b="0"/>
+        </a:lnRef>
+        <a:fillRef idx="0">
+          <a:scrgbClr r="0" g="0" b="0"/>
+        </a:fillRef>
+        <a:effectRef idx="0">
+          <a:scrgbClr r="0" g="0" b="0"/>
+        </a:effectRef>
         <a:fontRef idx="none"/>
       </a:style>
     </a:spDef>
@@ -6841,7 +6891,7 @@
         <a:effectLst/>
         <a:sp3d/>
       </a:spPr>
-      <a:bodyPr rot="0" spcFirstLastPara="1" vertOverflow="overflow" horzOverflow="overflow" vert="horz" wrap="square" lIns="91439" tIns="45719" rIns="91439" bIns="45719" numCol="1" spcCol="38100" rtlCol="0" anchor="t" upright="0">
+      <a:bodyPr rot="0" spcFirstLastPara="1" vertOverflow="overflow" horzOverflow="overflow" vert="horz" wrap="square" lIns="91439" tIns="45719" rIns="91439" bIns="45719" numCol="1" spcCol="38100" rtlCol="0" anchor="t">
         <a:noAutofit/>
       </a:bodyPr>
       <a:lstStyle>
@@ -6860,7 +6910,7 @@
           <a:buFontTx/>
           <a:buNone/>
           <a:tabLst/>
-          <a:defRPr b="0" baseline="0" cap="none" i="0" spc="0" strike="noStrike" sz="1800" u="none" kumimoji="0" normalizeH="0">
+          <a:defRPr kumimoji="0" sz="1800" b="0" i="0" u="none" strike="noStrike" cap="none" spc="0" normalizeH="0" baseline="0">
             <a:ln>
               <a:noFill/>
             </a:ln>
@@ -6886,7 +6936,7 @@
           <a:buFontTx/>
           <a:buNone/>
           <a:tabLst/>
-          <a:defRPr b="0" baseline="0" cap="none" i="0" spc="0" strike="noStrike" sz="1800" u="none" kumimoji="0" normalizeH="0">
+          <a:defRPr kumimoji="0" sz="1800" b="0" i="0" u="none" strike="noStrike" cap="none" spc="0" normalizeH="0" baseline="0">
             <a:ln>
               <a:noFill/>
             </a:ln>
@@ -6912,7 +6962,7 @@
           <a:buFontTx/>
           <a:buNone/>
           <a:tabLst/>
-          <a:defRPr b="0" baseline="0" cap="none" i="0" spc="0" strike="noStrike" sz="1800" u="none" kumimoji="0" normalizeH="0">
+          <a:defRPr kumimoji="0" sz="1800" b="0" i="0" u="none" strike="noStrike" cap="none" spc="0" normalizeH="0" baseline="0">
             <a:ln>
               <a:noFill/>
             </a:ln>
@@ -6938,7 +6988,7 @@
           <a:buFontTx/>
           <a:buNone/>
           <a:tabLst/>
-          <a:defRPr b="0" baseline="0" cap="none" i="0" spc="0" strike="noStrike" sz="1800" u="none" kumimoji="0" normalizeH="0">
+          <a:defRPr kumimoji="0" sz="1800" b="0" i="0" u="none" strike="noStrike" cap="none" spc="0" normalizeH="0" baseline="0">
             <a:ln>
               <a:noFill/>
             </a:ln>
@@ -6964,7 +7014,7 @@
           <a:buFontTx/>
           <a:buNone/>
           <a:tabLst/>
-          <a:defRPr b="0" baseline="0" cap="none" i="0" spc="0" strike="noStrike" sz="1800" u="none" kumimoji="0" normalizeH="0">
+          <a:defRPr kumimoji="0" sz="1800" b="0" i="0" u="none" strike="noStrike" cap="none" spc="0" normalizeH="0" baseline="0">
             <a:ln>
               <a:noFill/>
             </a:ln>
@@ -6990,7 +7040,7 @@
           <a:buFontTx/>
           <a:buNone/>
           <a:tabLst/>
-          <a:defRPr b="0" baseline="0" cap="none" i="0" spc="0" strike="noStrike" sz="1800" u="none" kumimoji="0" normalizeH="0">
+          <a:defRPr kumimoji="0" sz="1800" b="0" i="0" u="none" strike="noStrike" cap="none" spc="0" normalizeH="0" baseline="0">
             <a:ln>
               <a:noFill/>
             </a:ln>
@@ -7016,7 +7066,7 @@
           <a:buFontTx/>
           <a:buNone/>
           <a:tabLst/>
-          <a:defRPr b="0" baseline="0" cap="none" i="0" spc="0" strike="noStrike" sz="1800" u="none" kumimoji="0" normalizeH="0">
+          <a:defRPr kumimoji="0" sz="1800" b="0" i="0" u="none" strike="noStrike" cap="none" spc="0" normalizeH="0" baseline="0">
             <a:ln>
               <a:noFill/>
             </a:ln>
@@ -7042,7 +7092,7 @@
           <a:buFontTx/>
           <a:buNone/>
           <a:tabLst/>
-          <a:defRPr b="0" baseline="0" cap="none" i="0" spc="0" strike="noStrike" sz="1800" u="none" kumimoji="0" normalizeH="0">
+          <a:defRPr kumimoji="0" sz="1800" b="0" i="0" u="none" strike="noStrike" cap="none" spc="0" normalizeH="0" baseline="0">
             <a:ln>
               <a:noFill/>
             </a:ln>
@@ -7068,7 +7118,7 @@
           <a:buFontTx/>
           <a:buNone/>
           <a:tabLst/>
-          <a:defRPr b="0" baseline="0" cap="none" i="0" spc="0" strike="noStrike" sz="1800" u="none" kumimoji="0" normalizeH="0">
+          <a:defRPr kumimoji="0" sz="1800" b="0" i="0" u="none" strike="noStrike" cap="none" spc="0" normalizeH="0" baseline="0">
             <a:ln>
               <a:noFill/>
             </a:ln>
@@ -7094,7 +7144,7 @@
           <a:buFontTx/>
           <a:buNone/>
           <a:tabLst/>
-          <a:defRPr b="0" baseline="0" cap="none" i="0" spc="0" strike="noStrike" sz="1800" u="none" kumimoji="0" normalizeH="0">
+          <a:defRPr kumimoji="0" sz="1800" b="0" i="0" u="none" strike="noStrike" cap="none" spc="0" normalizeH="0" baseline="0">
             <a:ln>
               <a:noFill/>
             </a:ln>
@@ -7107,9 +7157,15 @@
         </a:lvl9pPr>
       </a:lstStyle>
       <a:style>
-        <a:lnRef idx="0"/>
-        <a:fillRef idx="0"/>
-        <a:effectRef idx="0"/>
+        <a:lnRef idx="0">
+          <a:scrgbClr r="0" g="0" b="0"/>
+        </a:lnRef>
+        <a:fillRef idx="0">
+          <a:scrgbClr r="0" g="0" b="0"/>
+        </a:fillRef>
+        <a:effectRef idx="0">
+          <a:scrgbClr r="0" g="0" b="0"/>
+        </a:effectRef>
         <a:fontRef idx="none"/>
       </a:style>
     </a:lnDef>
@@ -7123,7 +7179,7 @@
         <a:effectLst/>
         <a:sp3d/>
       </a:spPr>
-      <a:bodyPr rot="0" spcFirstLastPara="1" vertOverflow="overflow" horzOverflow="overflow" vert="horz" wrap="square" lIns="50800" tIns="50800" rIns="50800" bIns="50800" numCol="1" spcCol="38100" rtlCol="0" anchor="ctr" upright="0">
+      <a:bodyPr rot="0" spcFirstLastPara="1" vertOverflow="overflow" horzOverflow="overflow" vert="horz" wrap="square" lIns="50800" tIns="50800" rIns="50800" bIns="50800" numCol="1" spcCol="38100" rtlCol="0" anchor="ctr">
         <a:spAutoFit/>
       </a:bodyPr>
       <a:lstStyle>
@@ -7142,7 +7198,7 @@
           <a:buFontTx/>
           <a:buNone/>
           <a:tabLst/>
-          <a:defRPr b="0" baseline="0" cap="none" i="0" spc="0" strike="noStrike" sz="3600" u="none" kumimoji="0" normalizeH="0">
+          <a:defRPr kumimoji="0" sz="3600" b="0" i="0" u="none" strike="noStrike" cap="none" spc="0" normalizeH="0" baseline="0">
             <a:ln>
               <a:noFill/>
             </a:ln>
@@ -7172,7 +7228,7 @@
           <a:buFontTx/>
           <a:buNone/>
           <a:tabLst/>
-          <a:defRPr b="0" baseline="0" cap="none" i="0" spc="0" strike="noStrike" sz="1800" u="none" kumimoji="0" normalizeH="0">
+          <a:defRPr kumimoji="0" sz="1800" b="0" i="0" u="none" strike="noStrike" cap="none" spc="0" normalizeH="0" baseline="0">
             <a:ln>
               <a:noFill/>
             </a:ln>
@@ -7198,7 +7254,7 @@
           <a:buFontTx/>
           <a:buNone/>
           <a:tabLst/>
-          <a:defRPr b="0" baseline="0" cap="none" i="0" spc="0" strike="noStrike" sz="1800" u="none" kumimoji="0" normalizeH="0">
+          <a:defRPr kumimoji="0" sz="1800" b="0" i="0" u="none" strike="noStrike" cap="none" spc="0" normalizeH="0" baseline="0">
             <a:ln>
               <a:noFill/>
             </a:ln>
@@ -7224,7 +7280,7 @@
           <a:buFontTx/>
           <a:buNone/>
           <a:tabLst/>
-          <a:defRPr b="0" baseline="0" cap="none" i="0" spc="0" strike="noStrike" sz="1800" u="none" kumimoji="0" normalizeH="0">
+          <a:defRPr kumimoji="0" sz="1800" b="0" i="0" u="none" strike="noStrike" cap="none" spc="0" normalizeH="0" baseline="0">
             <a:ln>
               <a:noFill/>
             </a:ln>
@@ -7250,7 +7306,7 @@
           <a:buFontTx/>
           <a:buNone/>
           <a:tabLst/>
-          <a:defRPr b="0" baseline="0" cap="none" i="0" spc="0" strike="noStrike" sz="1800" u="none" kumimoji="0" normalizeH="0">
+          <a:defRPr kumimoji="0" sz="1800" b="0" i="0" u="none" strike="noStrike" cap="none" spc="0" normalizeH="0" baseline="0">
             <a:ln>
               <a:noFill/>
             </a:ln>
@@ -7276,7 +7332,7 @@
           <a:buFontTx/>
           <a:buNone/>
           <a:tabLst/>
-          <a:defRPr b="0" baseline="0" cap="none" i="0" spc="0" strike="noStrike" sz="1800" u="none" kumimoji="0" normalizeH="0">
+          <a:defRPr kumimoji="0" sz="1800" b="0" i="0" u="none" strike="noStrike" cap="none" spc="0" normalizeH="0" baseline="0">
             <a:ln>
               <a:noFill/>
             </a:ln>
@@ -7302,7 +7358,7 @@
           <a:buFontTx/>
           <a:buNone/>
           <a:tabLst/>
-          <a:defRPr b="0" baseline="0" cap="none" i="0" spc="0" strike="noStrike" sz="1800" u="none" kumimoji="0" normalizeH="0">
+          <a:defRPr kumimoji="0" sz="1800" b="0" i="0" u="none" strike="noStrike" cap="none" spc="0" normalizeH="0" baseline="0">
             <a:ln>
               <a:noFill/>
             </a:ln>
@@ -7328,7 +7384,7 @@
           <a:buFontTx/>
           <a:buNone/>
           <a:tabLst/>
-          <a:defRPr b="0" baseline="0" cap="none" i="0" spc="0" strike="noStrike" sz="1800" u="none" kumimoji="0" normalizeH="0">
+          <a:defRPr kumimoji="0" sz="1800" b="0" i="0" u="none" strike="noStrike" cap="none" spc="0" normalizeH="0" baseline="0">
             <a:ln>
               <a:noFill/>
             </a:ln>
@@ -7354,7 +7410,7 @@
           <a:buFontTx/>
           <a:buNone/>
           <a:tabLst/>
-          <a:defRPr b="0" baseline="0" cap="none" i="0" spc="0" strike="noStrike" sz="1800" u="none" kumimoji="0" normalizeH="0">
+          <a:defRPr kumimoji="0" sz="1800" b="0" i="0" u="none" strike="noStrike" cap="none" spc="0" normalizeH="0" baseline="0">
             <a:ln>
               <a:noFill/>
             </a:ln>
@@ -7380,7 +7436,7 @@
           <a:buFontTx/>
           <a:buNone/>
           <a:tabLst/>
-          <a:defRPr b="0" baseline="0" cap="none" i="0" spc="0" strike="noStrike" sz="1800" u="none" kumimoji="0" normalizeH="0">
+          <a:defRPr kumimoji="0" sz="1800" b="0" i="0" u="none" strike="noStrike" cap="none" spc="0" normalizeH="0" baseline="0">
             <a:ln>
               <a:noFill/>
             </a:ln>
@@ -7393,12 +7449,19 @@
         </a:lvl9pPr>
       </a:lstStyle>
       <a:style>
-        <a:lnRef idx="0"/>
-        <a:fillRef idx="0"/>
-        <a:effectRef idx="0"/>
+        <a:lnRef idx="0">
+          <a:scrgbClr r="0" g="0" b="0"/>
+        </a:lnRef>
+        <a:fillRef idx="0">
+          <a:scrgbClr r="0" g="0" b="0"/>
+        </a:fillRef>
+        <a:effectRef idx="0">
+          <a:scrgbClr r="0" g="0" b="0"/>
+        </a:effectRef>
         <a:fontRef idx="none"/>
       </a:style>
     </a:txDef>
   </a:objectDefaults>
+  <a:extraClrSchemeLst/>
 </a:theme>
 </file>